--- a/Chapitre_01_LiaisonsEquivalentes/Cours/images/Figures.pptx
+++ b/Chapitre_01_LiaisonsEquivalentes/Cours/images/Figures.pptx
@@ -6,8 +6,10 @@
   </p:sldMasterIdLst>
   <p:sldIdLst>
     <p:sldId id="256" r:id="rId2"/>
-    <p:sldId id="258" r:id="rId3"/>
-    <p:sldId id="257" r:id="rId4"/>
+    <p:sldId id="259" r:id="rId3"/>
+    <p:sldId id="260" r:id="rId4"/>
+    <p:sldId id="258" r:id="rId5"/>
+    <p:sldId id="257" r:id="rId6"/>
   </p:sldIdLst>
   <p:sldSz cx="9144000" cy="6858000" type="screen4x3"/>
   <p:notesSz cx="6858000" cy="9144000"/>
@@ -3551,11 +3553,6 @@
               </a:rPr>
               <a:t>3</a:t>
             </a:r>
-            <a:endParaRPr lang="fr-FR" sz="1200" b="1" dirty="0">
-              <a:solidFill>
-                <a:schemeClr val="tx1"/>
-              </a:solidFill>
-            </a:endParaRPr>
           </a:p>
         </p:txBody>
       </p:sp>
@@ -3613,11 +3610,6 @@
               </a:rPr>
               <a:t>6</a:t>
             </a:r>
-            <a:endParaRPr lang="fr-FR" sz="1200" b="1" dirty="0">
-              <a:solidFill>
-                <a:schemeClr val="tx1"/>
-              </a:solidFill>
-            </a:endParaRPr>
           </a:p>
         </p:txBody>
       </p:sp>
@@ -3775,6 +3767,2084 @@
           <a:chExt cx="0" cy="0"/>
         </a:xfrm>
       </p:grpSpPr>
+      <p:grpSp>
+        <p:nvGrpSpPr>
+          <p:cNvPr id="21" name="Groupe 20"/>
+          <p:cNvGrpSpPr/>
+          <p:nvPr/>
+        </p:nvGrpSpPr>
+        <p:grpSpPr>
+          <a:xfrm>
+            <a:off x="827584" y="1675686"/>
+            <a:ext cx="2210807" cy="1040251"/>
+            <a:chOff x="827584" y="1675686"/>
+            <a:chExt cx="2210807" cy="1040251"/>
+          </a:xfrm>
+        </p:grpSpPr>
+        <p:grpSp>
+          <p:nvGrpSpPr>
+            <p:cNvPr id="15" name="Groupe 14"/>
+            <p:cNvGrpSpPr/>
+            <p:nvPr/>
+          </p:nvGrpSpPr>
+          <p:grpSpPr>
+            <a:xfrm>
+              <a:off x="827584" y="1675686"/>
+              <a:ext cx="840109" cy="1040251"/>
+              <a:chOff x="1849836" y="1305170"/>
+              <a:chExt cx="840109" cy="1040251"/>
+            </a:xfrm>
+          </p:grpSpPr>
+          <p:cxnSp>
+            <p:nvCxnSpPr>
+              <p:cNvPr id="34" name="Connecteur droit 33"/>
+              <p:cNvCxnSpPr>
+                <a:stCxn id="39" idx="4"/>
+                <a:endCxn id="35" idx="0"/>
+              </p:cNvCxnSpPr>
+              <p:nvPr/>
+            </p:nvCxnSpPr>
+            <p:spPr>
+              <a:xfrm flipH="1">
+                <a:off x="2179583" y="2111522"/>
+                <a:ext cx="398" cy="84290"/>
+              </a:xfrm>
+              <a:prstGeom prst="line">
+                <a:avLst/>
+              </a:prstGeom>
+              <a:noFill/>
+              <a:ln w="12700">
+                <a:solidFill>
+                  <a:schemeClr val="accent5">
+                    <a:lumMod val="50000"/>
+                  </a:schemeClr>
+                </a:solidFill>
+              </a:ln>
+            </p:spPr>
+            <p:style>
+              <a:lnRef idx="2">
+                <a:schemeClr val="accent1">
+                  <a:shade val="50000"/>
+                </a:schemeClr>
+              </a:lnRef>
+              <a:fillRef idx="1">
+                <a:schemeClr val="accent1"/>
+              </a:fillRef>
+              <a:effectRef idx="0">
+                <a:schemeClr val="accent1"/>
+              </a:effectRef>
+              <a:fontRef idx="minor">
+                <a:schemeClr val="lt1"/>
+              </a:fontRef>
+            </p:style>
+          </p:cxnSp>
+          <p:sp>
+            <p:nvSpPr>
+              <p:cNvPr id="35" name="Rectangle 34"/>
+              <p:cNvSpPr/>
+              <p:nvPr/>
+            </p:nvSpPr>
+            <p:spPr>
+              <a:xfrm>
+                <a:off x="2036098" y="2195812"/>
+                <a:ext cx="286969" cy="149609"/>
+              </a:xfrm>
+              <a:prstGeom prst="rect">
+                <a:avLst/>
+              </a:prstGeom>
+              <a:solidFill>
+                <a:schemeClr val="accent5">
+                  <a:lumMod val="20000"/>
+                  <a:lumOff val="80000"/>
+                </a:schemeClr>
+              </a:solidFill>
+              <a:ln>
+                <a:noFill/>
+              </a:ln>
+            </p:spPr>
+            <p:style>
+              <a:lnRef idx="2">
+                <a:schemeClr val="accent1">
+                  <a:shade val="50000"/>
+                </a:schemeClr>
+              </a:lnRef>
+              <a:fillRef idx="1">
+                <a:schemeClr val="accent1"/>
+              </a:fillRef>
+              <a:effectRef idx="0">
+                <a:schemeClr val="accent1"/>
+              </a:effectRef>
+              <a:fontRef idx="minor">
+                <a:schemeClr val="lt1"/>
+              </a:fontRef>
+            </p:style>
+            <p:txBody>
+              <a:bodyPr rtlCol="0" anchor="ctr"/>
+              <a:lstStyle/>
+              <a:p>
+                <a:pPr algn="ctr"/>
+                <a:endParaRPr lang="fr-FR" b="1"/>
+              </a:p>
+            </p:txBody>
+          </p:sp>
+          <p:cxnSp>
+            <p:nvCxnSpPr>
+              <p:cNvPr id="36" name="Connecteur droit 35"/>
+              <p:cNvCxnSpPr/>
+              <p:nvPr/>
+            </p:nvCxnSpPr>
+            <p:spPr>
+              <a:xfrm flipH="1">
+                <a:off x="2036099" y="2195812"/>
+                <a:ext cx="286969" cy="0"/>
+              </a:xfrm>
+              <a:prstGeom prst="line">
+                <a:avLst/>
+              </a:prstGeom>
+              <a:noFill/>
+              <a:ln w="12700">
+                <a:solidFill>
+                  <a:schemeClr val="accent5">
+                    <a:lumMod val="50000"/>
+                  </a:schemeClr>
+                </a:solidFill>
+              </a:ln>
+            </p:spPr>
+            <p:style>
+              <a:lnRef idx="2">
+                <a:schemeClr val="accent1">
+                  <a:shade val="50000"/>
+                </a:schemeClr>
+              </a:lnRef>
+              <a:fillRef idx="1">
+                <a:schemeClr val="accent1"/>
+              </a:fillRef>
+              <a:effectRef idx="0">
+                <a:schemeClr val="accent1"/>
+              </a:effectRef>
+              <a:fontRef idx="minor">
+                <a:schemeClr val="lt1"/>
+              </a:fontRef>
+            </p:style>
+          </p:cxnSp>
+          <p:cxnSp>
+            <p:nvCxnSpPr>
+              <p:cNvPr id="37" name="Connecteur droit 36"/>
+              <p:cNvCxnSpPr/>
+              <p:nvPr/>
+            </p:nvCxnSpPr>
+            <p:spPr>
+              <a:xfrm flipV="1">
+                <a:off x="2179981" y="1694321"/>
+                <a:ext cx="42467" cy="297620"/>
+              </a:xfrm>
+              <a:prstGeom prst="line">
+                <a:avLst/>
+              </a:prstGeom>
+              <a:noFill/>
+              <a:ln w="12700">
+                <a:solidFill>
+                  <a:schemeClr val="accent5">
+                    <a:lumMod val="50000"/>
+                  </a:schemeClr>
+                </a:solidFill>
+              </a:ln>
+            </p:spPr>
+            <p:style>
+              <a:lnRef idx="2">
+                <a:schemeClr val="accent1">
+                  <a:shade val="50000"/>
+                </a:schemeClr>
+              </a:lnRef>
+              <a:fillRef idx="1">
+                <a:schemeClr val="accent1"/>
+              </a:fillRef>
+              <a:effectRef idx="0">
+                <a:schemeClr val="accent1"/>
+              </a:effectRef>
+              <a:fontRef idx="minor">
+                <a:schemeClr val="lt1"/>
+              </a:fontRef>
+            </p:style>
+          </p:cxnSp>
+          <p:cxnSp>
+            <p:nvCxnSpPr>
+              <p:cNvPr id="38" name="Connecteur droit 37"/>
+              <p:cNvCxnSpPr>
+                <a:stCxn id="41" idx="3"/>
+                <a:endCxn id="40" idx="7"/>
+              </p:cNvCxnSpPr>
+              <p:nvPr/>
+            </p:nvCxnSpPr>
+            <p:spPr>
+              <a:xfrm flipH="1">
+                <a:off x="2314698" y="1509307"/>
+                <a:ext cx="132127" cy="70048"/>
+              </a:xfrm>
+              <a:prstGeom prst="line">
+                <a:avLst/>
+              </a:prstGeom>
+              <a:noFill/>
+              <a:ln w="12700">
+                <a:solidFill>
+                  <a:schemeClr val="accent5">
+                    <a:lumMod val="50000"/>
+                  </a:schemeClr>
+                </a:solidFill>
+                <a:prstDash val="sysDash"/>
+              </a:ln>
+            </p:spPr>
+            <p:style>
+              <a:lnRef idx="2">
+                <a:schemeClr val="accent1">
+                  <a:shade val="50000"/>
+                </a:schemeClr>
+              </a:lnRef>
+              <a:fillRef idx="1">
+                <a:schemeClr val="accent1"/>
+              </a:fillRef>
+              <a:effectRef idx="0">
+                <a:schemeClr val="accent1"/>
+              </a:effectRef>
+              <a:fontRef idx="minor">
+                <a:schemeClr val="lt1"/>
+              </a:fontRef>
+            </p:style>
+          </p:cxnSp>
+          <p:sp>
+            <p:nvSpPr>
+              <p:cNvPr id="39" name="Ellipse 38"/>
+              <p:cNvSpPr/>
+              <p:nvPr/>
+            </p:nvSpPr>
+            <p:spPr>
+              <a:xfrm>
+                <a:off x="2060400" y="1872361"/>
+                <a:ext cx="239161" cy="239161"/>
+              </a:xfrm>
+              <a:prstGeom prst="ellipse">
+                <a:avLst/>
+              </a:prstGeom>
+              <a:solidFill>
+                <a:schemeClr val="bg1"/>
+              </a:solidFill>
+              <a:ln w="12700">
+                <a:solidFill>
+                  <a:schemeClr val="accent5">
+                    <a:lumMod val="50000"/>
+                  </a:schemeClr>
+                </a:solidFill>
+              </a:ln>
+            </p:spPr>
+            <p:style>
+              <a:lnRef idx="2">
+                <a:schemeClr val="accent1">
+                  <a:shade val="50000"/>
+                </a:schemeClr>
+              </a:lnRef>
+              <a:fillRef idx="1">
+                <a:schemeClr val="accent1"/>
+              </a:fillRef>
+              <a:effectRef idx="0">
+                <a:schemeClr val="accent1"/>
+              </a:effectRef>
+              <a:fontRef idx="minor">
+                <a:schemeClr val="lt1"/>
+              </a:fontRef>
+            </p:style>
+            <p:txBody>
+              <a:bodyPr lIns="0" tIns="0" rIns="0" bIns="0" rtlCol="0" anchor="ctr"/>
+              <a:lstStyle/>
+              <a:p>
+                <a:pPr algn="ctr"/>
+                <a:r>
+                  <a:rPr lang="fr-FR" sz="1200" b="1" dirty="0" smtClean="0">
+                    <a:solidFill>
+                      <a:schemeClr val="tx1"/>
+                    </a:solidFill>
+                  </a:rPr>
+                  <a:t>1</a:t>
+                </a:r>
+                <a:endParaRPr lang="fr-FR" sz="1200" b="1" dirty="0">
+                  <a:solidFill>
+                    <a:schemeClr val="tx1"/>
+                  </a:solidFill>
+                </a:endParaRPr>
+              </a:p>
+            </p:txBody>
+          </p:sp>
+          <p:sp>
+            <p:nvSpPr>
+              <p:cNvPr id="40" name="Ellipse 39"/>
+              <p:cNvSpPr/>
+              <p:nvPr/>
+            </p:nvSpPr>
+            <p:spPr>
+              <a:xfrm>
+                <a:off x="2110561" y="1544331"/>
+                <a:ext cx="239161" cy="239161"/>
+              </a:xfrm>
+              <a:prstGeom prst="ellipse">
+                <a:avLst/>
+              </a:prstGeom>
+              <a:solidFill>
+                <a:schemeClr val="bg1"/>
+              </a:solidFill>
+              <a:ln w="12700">
+                <a:solidFill>
+                  <a:schemeClr val="accent5">
+                    <a:lumMod val="50000"/>
+                  </a:schemeClr>
+                </a:solidFill>
+              </a:ln>
+            </p:spPr>
+            <p:style>
+              <a:lnRef idx="2">
+                <a:schemeClr val="accent1">
+                  <a:shade val="50000"/>
+                </a:schemeClr>
+              </a:lnRef>
+              <a:fillRef idx="1">
+                <a:schemeClr val="accent1"/>
+              </a:fillRef>
+              <a:effectRef idx="0">
+                <a:schemeClr val="accent1"/>
+              </a:effectRef>
+              <a:fontRef idx="minor">
+                <a:schemeClr val="lt1"/>
+              </a:fontRef>
+            </p:style>
+            <p:txBody>
+              <a:bodyPr lIns="0" tIns="0" rIns="0" bIns="0" rtlCol="0" anchor="ctr"/>
+              <a:lstStyle/>
+              <a:p>
+                <a:pPr algn="ctr"/>
+                <a:r>
+                  <a:rPr lang="fr-FR" sz="1200" b="1" dirty="0" smtClean="0">
+                    <a:solidFill>
+                      <a:schemeClr val="tx1"/>
+                    </a:solidFill>
+                  </a:rPr>
+                  <a:t>2</a:t>
+                </a:r>
+                <a:endParaRPr lang="fr-FR" sz="1200" b="1" dirty="0">
+                  <a:solidFill>
+                    <a:schemeClr val="tx1"/>
+                  </a:solidFill>
+                </a:endParaRPr>
+              </a:p>
+            </p:txBody>
+          </p:sp>
+          <p:sp>
+            <p:nvSpPr>
+              <p:cNvPr id="41" name="Ellipse 40"/>
+              <p:cNvSpPr/>
+              <p:nvPr/>
+            </p:nvSpPr>
+            <p:spPr>
+              <a:xfrm>
+                <a:off x="2411801" y="1305170"/>
+                <a:ext cx="239161" cy="239161"/>
+              </a:xfrm>
+              <a:prstGeom prst="ellipse">
+                <a:avLst/>
+              </a:prstGeom>
+              <a:solidFill>
+                <a:schemeClr val="bg1"/>
+              </a:solidFill>
+              <a:ln w="12700">
+                <a:solidFill>
+                  <a:schemeClr val="accent5">
+                    <a:lumMod val="50000"/>
+                  </a:schemeClr>
+                </a:solidFill>
+              </a:ln>
+            </p:spPr>
+            <p:style>
+              <a:lnRef idx="2">
+                <a:schemeClr val="accent1">
+                  <a:shade val="50000"/>
+                </a:schemeClr>
+              </a:lnRef>
+              <a:fillRef idx="1">
+                <a:schemeClr val="accent1"/>
+              </a:fillRef>
+              <a:effectRef idx="0">
+                <a:schemeClr val="accent1"/>
+              </a:effectRef>
+              <a:fontRef idx="minor">
+                <a:schemeClr val="lt1"/>
+              </a:fontRef>
+            </p:style>
+            <p:txBody>
+              <a:bodyPr lIns="0" tIns="0" rIns="0" bIns="0" rtlCol="0" anchor="ctr"/>
+              <a:lstStyle/>
+              <a:p>
+                <a:pPr algn="ctr"/>
+                <a:r>
+                  <a:rPr lang="fr-FR" sz="1200" b="1" dirty="0" smtClean="0">
+                    <a:solidFill>
+                      <a:schemeClr val="tx1"/>
+                    </a:solidFill>
+                  </a:rPr>
+                  <a:t>N</a:t>
+                </a:r>
+                <a:endParaRPr lang="fr-FR" sz="1200" b="1" dirty="0">
+                  <a:solidFill>
+                    <a:schemeClr val="tx1"/>
+                  </a:solidFill>
+                </a:endParaRPr>
+              </a:p>
+            </p:txBody>
+          </p:sp>
+          <p:sp>
+            <p:nvSpPr>
+              <p:cNvPr id="42" name="ZoneTexte 41"/>
+              <p:cNvSpPr txBox="1"/>
+              <p:nvPr/>
+            </p:nvSpPr>
+            <p:spPr>
+              <a:xfrm>
+                <a:off x="1849836" y="1663911"/>
+                <a:ext cx="351378" cy="276999"/>
+              </a:xfrm>
+              <a:prstGeom prst="rect">
+                <a:avLst/>
+              </a:prstGeom>
+              <a:noFill/>
+            </p:spPr>
+            <p:txBody>
+              <a:bodyPr wrap="none" rtlCol="0">
+                <a:spAutoFit/>
+              </a:bodyPr>
+              <a:lstStyle/>
+              <a:p>
+                <a:r>
+                  <a:rPr lang="fr-FR" sz="1200" b="1" dirty="0" smtClean="0"/>
+                  <a:t>L</a:t>
+                </a:r>
+                <a:r>
+                  <a:rPr lang="fr-FR" sz="1200" b="1" baseline="-25000" dirty="0" smtClean="0"/>
+                  <a:t>12</a:t>
+                </a:r>
+                <a:endParaRPr lang="fr-FR" sz="1200" b="1" baseline="-25000" dirty="0"/>
+              </a:p>
+            </p:txBody>
+          </p:sp>
+          <p:sp>
+            <p:nvSpPr>
+              <p:cNvPr id="43" name="ZoneTexte 42"/>
+              <p:cNvSpPr txBox="1"/>
+              <p:nvPr/>
+            </p:nvSpPr>
+            <p:spPr>
+              <a:xfrm>
+                <a:off x="2320933" y="1501205"/>
+                <a:ext cx="369012" cy="276999"/>
+              </a:xfrm>
+              <a:prstGeom prst="rect">
+                <a:avLst/>
+              </a:prstGeom>
+              <a:noFill/>
+            </p:spPr>
+            <p:txBody>
+              <a:bodyPr wrap="none" rtlCol="0">
+                <a:spAutoFit/>
+              </a:bodyPr>
+              <a:lstStyle/>
+              <a:p>
+                <a:r>
+                  <a:rPr lang="fr-FR" sz="1200" b="1" dirty="0" smtClean="0"/>
+                  <a:t>L</a:t>
+                </a:r>
+                <a:r>
+                  <a:rPr lang="fr-FR" sz="1200" b="1" baseline="-25000" dirty="0" smtClean="0"/>
+                  <a:t>2N</a:t>
+                </a:r>
+                <a:endParaRPr lang="fr-FR" sz="1200" b="1" baseline="-25000" dirty="0"/>
+              </a:p>
+            </p:txBody>
+          </p:sp>
+        </p:grpSp>
+        <p:grpSp>
+          <p:nvGrpSpPr>
+            <p:cNvPr id="45" name="Groupe 44"/>
+            <p:cNvGrpSpPr/>
+            <p:nvPr/>
+          </p:nvGrpSpPr>
+          <p:grpSpPr>
+            <a:xfrm>
+              <a:off x="2405985" y="1675686"/>
+              <a:ext cx="614864" cy="1040251"/>
+              <a:chOff x="2036098" y="1305170"/>
+              <a:chExt cx="614864" cy="1040251"/>
+            </a:xfrm>
+          </p:grpSpPr>
+          <p:cxnSp>
+            <p:nvCxnSpPr>
+              <p:cNvPr id="46" name="Connecteur droit 45"/>
+              <p:cNvCxnSpPr>
+                <a:stCxn id="51" idx="4"/>
+                <a:endCxn id="47" idx="0"/>
+              </p:cNvCxnSpPr>
+              <p:nvPr/>
+            </p:nvCxnSpPr>
+            <p:spPr>
+              <a:xfrm flipH="1">
+                <a:off x="2179583" y="2111522"/>
+                <a:ext cx="398" cy="84290"/>
+              </a:xfrm>
+              <a:prstGeom prst="line">
+                <a:avLst/>
+              </a:prstGeom>
+              <a:noFill/>
+              <a:ln w="12700">
+                <a:solidFill>
+                  <a:schemeClr val="accent5">
+                    <a:lumMod val="50000"/>
+                  </a:schemeClr>
+                </a:solidFill>
+              </a:ln>
+            </p:spPr>
+            <p:style>
+              <a:lnRef idx="2">
+                <a:schemeClr val="accent1">
+                  <a:shade val="50000"/>
+                </a:schemeClr>
+              </a:lnRef>
+              <a:fillRef idx="1">
+                <a:schemeClr val="accent1"/>
+              </a:fillRef>
+              <a:effectRef idx="0">
+                <a:schemeClr val="accent1"/>
+              </a:effectRef>
+              <a:fontRef idx="minor">
+                <a:schemeClr val="lt1"/>
+              </a:fontRef>
+            </p:style>
+          </p:cxnSp>
+          <p:sp>
+            <p:nvSpPr>
+              <p:cNvPr id="47" name="Rectangle 46"/>
+              <p:cNvSpPr/>
+              <p:nvPr/>
+            </p:nvSpPr>
+            <p:spPr>
+              <a:xfrm>
+                <a:off x="2036098" y="2195812"/>
+                <a:ext cx="286969" cy="149609"/>
+              </a:xfrm>
+              <a:prstGeom prst="rect">
+                <a:avLst/>
+              </a:prstGeom>
+              <a:solidFill>
+                <a:schemeClr val="accent5">
+                  <a:lumMod val="20000"/>
+                  <a:lumOff val="80000"/>
+                </a:schemeClr>
+              </a:solidFill>
+              <a:ln>
+                <a:noFill/>
+              </a:ln>
+            </p:spPr>
+            <p:style>
+              <a:lnRef idx="2">
+                <a:schemeClr val="accent1">
+                  <a:shade val="50000"/>
+                </a:schemeClr>
+              </a:lnRef>
+              <a:fillRef idx="1">
+                <a:schemeClr val="accent1"/>
+              </a:fillRef>
+              <a:effectRef idx="0">
+                <a:schemeClr val="accent1"/>
+              </a:effectRef>
+              <a:fontRef idx="minor">
+                <a:schemeClr val="lt1"/>
+              </a:fontRef>
+            </p:style>
+            <p:txBody>
+              <a:bodyPr rtlCol="0" anchor="ctr"/>
+              <a:lstStyle/>
+              <a:p>
+                <a:pPr algn="ctr"/>
+                <a:endParaRPr lang="fr-FR" b="1"/>
+              </a:p>
+            </p:txBody>
+          </p:sp>
+          <p:cxnSp>
+            <p:nvCxnSpPr>
+              <p:cNvPr id="48" name="Connecteur droit 47"/>
+              <p:cNvCxnSpPr/>
+              <p:nvPr/>
+            </p:nvCxnSpPr>
+            <p:spPr>
+              <a:xfrm flipH="1">
+                <a:off x="2036099" y="2195812"/>
+                <a:ext cx="286969" cy="0"/>
+              </a:xfrm>
+              <a:prstGeom prst="line">
+                <a:avLst/>
+              </a:prstGeom>
+              <a:noFill/>
+              <a:ln w="12700">
+                <a:solidFill>
+                  <a:schemeClr val="accent5">
+                    <a:lumMod val="50000"/>
+                  </a:schemeClr>
+                </a:solidFill>
+              </a:ln>
+            </p:spPr>
+            <p:style>
+              <a:lnRef idx="2">
+                <a:schemeClr val="accent1">
+                  <a:shade val="50000"/>
+                </a:schemeClr>
+              </a:lnRef>
+              <a:fillRef idx="1">
+                <a:schemeClr val="accent1"/>
+              </a:fillRef>
+              <a:effectRef idx="0">
+                <a:schemeClr val="accent1"/>
+              </a:effectRef>
+              <a:fontRef idx="minor">
+                <a:schemeClr val="lt1"/>
+              </a:fontRef>
+            </p:style>
+          </p:cxnSp>
+          <p:cxnSp>
+            <p:nvCxnSpPr>
+              <p:cNvPr id="49" name="Connecteur droit 48"/>
+              <p:cNvCxnSpPr>
+                <a:endCxn id="53" idx="3"/>
+              </p:cNvCxnSpPr>
+              <p:nvPr/>
+            </p:nvCxnSpPr>
+            <p:spPr>
+              <a:xfrm flipV="1">
+                <a:off x="2179981" y="1509307"/>
+                <a:ext cx="266844" cy="482634"/>
+              </a:xfrm>
+              <a:prstGeom prst="line">
+                <a:avLst/>
+              </a:prstGeom>
+              <a:noFill/>
+              <a:ln w="12700">
+                <a:solidFill>
+                  <a:schemeClr val="accent5">
+                    <a:lumMod val="50000"/>
+                  </a:schemeClr>
+                </a:solidFill>
+              </a:ln>
+            </p:spPr>
+            <p:style>
+              <a:lnRef idx="2">
+                <a:schemeClr val="accent1">
+                  <a:shade val="50000"/>
+                </a:schemeClr>
+              </a:lnRef>
+              <a:fillRef idx="1">
+                <a:schemeClr val="accent1"/>
+              </a:fillRef>
+              <a:effectRef idx="0">
+                <a:schemeClr val="accent1"/>
+              </a:effectRef>
+              <a:fontRef idx="minor">
+                <a:schemeClr val="lt1"/>
+              </a:fontRef>
+            </p:style>
+          </p:cxnSp>
+          <p:sp>
+            <p:nvSpPr>
+              <p:cNvPr id="51" name="Ellipse 50"/>
+              <p:cNvSpPr/>
+              <p:nvPr/>
+            </p:nvSpPr>
+            <p:spPr>
+              <a:xfrm>
+                <a:off x="2060400" y="1872361"/>
+                <a:ext cx="239161" cy="239161"/>
+              </a:xfrm>
+              <a:prstGeom prst="ellipse">
+                <a:avLst/>
+              </a:prstGeom>
+              <a:solidFill>
+                <a:schemeClr val="bg1"/>
+              </a:solidFill>
+              <a:ln w="12700">
+                <a:solidFill>
+                  <a:schemeClr val="accent5">
+                    <a:lumMod val="50000"/>
+                  </a:schemeClr>
+                </a:solidFill>
+              </a:ln>
+            </p:spPr>
+            <p:style>
+              <a:lnRef idx="2">
+                <a:schemeClr val="accent1">
+                  <a:shade val="50000"/>
+                </a:schemeClr>
+              </a:lnRef>
+              <a:fillRef idx="1">
+                <a:schemeClr val="accent1"/>
+              </a:fillRef>
+              <a:effectRef idx="0">
+                <a:schemeClr val="accent1"/>
+              </a:effectRef>
+              <a:fontRef idx="minor">
+                <a:schemeClr val="lt1"/>
+              </a:fontRef>
+            </p:style>
+            <p:txBody>
+              <a:bodyPr lIns="0" tIns="0" rIns="0" bIns="0" rtlCol="0" anchor="ctr"/>
+              <a:lstStyle/>
+              <a:p>
+                <a:pPr algn="ctr"/>
+                <a:r>
+                  <a:rPr lang="fr-FR" sz="1200" b="1" dirty="0" smtClean="0">
+                    <a:solidFill>
+                      <a:schemeClr val="tx1"/>
+                    </a:solidFill>
+                  </a:rPr>
+                  <a:t>1</a:t>
+                </a:r>
+                <a:endParaRPr lang="fr-FR" sz="1200" b="1" dirty="0">
+                  <a:solidFill>
+                    <a:schemeClr val="tx1"/>
+                  </a:solidFill>
+                </a:endParaRPr>
+              </a:p>
+            </p:txBody>
+          </p:sp>
+          <p:sp>
+            <p:nvSpPr>
+              <p:cNvPr id="53" name="Ellipse 52"/>
+              <p:cNvSpPr/>
+              <p:nvPr/>
+            </p:nvSpPr>
+            <p:spPr>
+              <a:xfrm>
+                <a:off x="2411801" y="1305170"/>
+                <a:ext cx="239161" cy="239161"/>
+              </a:xfrm>
+              <a:prstGeom prst="ellipse">
+                <a:avLst/>
+              </a:prstGeom>
+              <a:solidFill>
+                <a:schemeClr val="bg1"/>
+              </a:solidFill>
+              <a:ln w="12700">
+                <a:solidFill>
+                  <a:schemeClr val="accent5">
+                    <a:lumMod val="50000"/>
+                  </a:schemeClr>
+                </a:solidFill>
+              </a:ln>
+            </p:spPr>
+            <p:style>
+              <a:lnRef idx="2">
+                <a:schemeClr val="accent1">
+                  <a:shade val="50000"/>
+                </a:schemeClr>
+              </a:lnRef>
+              <a:fillRef idx="1">
+                <a:schemeClr val="accent1"/>
+              </a:fillRef>
+              <a:effectRef idx="0">
+                <a:schemeClr val="accent1"/>
+              </a:effectRef>
+              <a:fontRef idx="minor">
+                <a:schemeClr val="lt1"/>
+              </a:fontRef>
+            </p:style>
+            <p:txBody>
+              <a:bodyPr lIns="0" tIns="0" rIns="0" bIns="0" rtlCol="0" anchor="ctr"/>
+              <a:lstStyle/>
+              <a:p>
+                <a:pPr algn="ctr"/>
+                <a:r>
+                  <a:rPr lang="fr-FR" sz="1200" b="1" dirty="0" smtClean="0">
+                    <a:solidFill>
+                      <a:schemeClr val="tx1"/>
+                    </a:solidFill>
+                  </a:rPr>
+                  <a:t>N</a:t>
+                </a:r>
+                <a:endParaRPr lang="fr-FR" sz="1200" b="1" dirty="0">
+                  <a:solidFill>
+                    <a:schemeClr val="tx1"/>
+                  </a:solidFill>
+                </a:endParaRPr>
+              </a:p>
+            </p:txBody>
+          </p:sp>
+        </p:grpSp>
+        <p:sp>
+          <p:nvSpPr>
+            <p:cNvPr id="58" name="ZoneTexte 57"/>
+            <p:cNvSpPr txBox="1"/>
+            <p:nvPr/>
+          </p:nvSpPr>
+          <p:spPr>
+            <a:xfrm>
+              <a:off x="2682203" y="1982640"/>
+              <a:ext cx="356188" cy="276999"/>
+            </a:xfrm>
+            <a:prstGeom prst="rect">
+              <a:avLst/>
+            </a:prstGeom>
+            <a:noFill/>
+          </p:spPr>
+          <p:txBody>
+            <a:bodyPr wrap="none" rtlCol="0">
+              <a:spAutoFit/>
+            </a:bodyPr>
+            <a:lstStyle/>
+            <a:p>
+              <a:r>
+                <a:rPr lang="fr-FR" sz="1200" b="1" dirty="0" err="1" smtClean="0"/>
+                <a:t>L</a:t>
+              </a:r>
+              <a:r>
+                <a:rPr lang="fr-FR" sz="1200" b="1" baseline="-25000" dirty="0" err="1" smtClean="0"/>
+                <a:t>eq</a:t>
+              </a:r>
+              <a:endParaRPr lang="fr-FR" sz="1200" b="1" baseline="-25000" dirty="0"/>
+            </a:p>
+          </p:txBody>
+        </p:sp>
+        <p:sp>
+          <p:nvSpPr>
+            <p:cNvPr id="19" name="Flèche droite 18"/>
+            <p:cNvSpPr/>
+            <p:nvPr/>
+          </p:nvSpPr>
+          <p:spPr>
+            <a:xfrm>
+              <a:off x="1907704" y="2026682"/>
+              <a:ext cx="360040" cy="189531"/>
+            </a:xfrm>
+            <a:prstGeom prst="rightArrow">
+              <a:avLst/>
+            </a:prstGeom>
+            <a:solidFill>
+              <a:schemeClr val="accent5">
+                <a:lumMod val="20000"/>
+                <a:lumOff val="80000"/>
+              </a:schemeClr>
+            </a:solidFill>
+            <a:ln w="12700">
+              <a:solidFill>
+                <a:schemeClr val="accent5">
+                  <a:lumMod val="50000"/>
+                </a:schemeClr>
+              </a:solidFill>
+            </a:ln>
+          </p:spPr>
+          <p:style>
+            <a:lnRef idx="2">
+              <a:schemeClr val="accent1">
+                <a:shade val="50000"/>
+              </a:schemeClr>
+            </a:lnRef>
+            <a:fillRef idx="1">
+              <a:schemeClr val="accent1"/>
+            </a:fillRef>
+            <a:effectRef idx="0">
+              <a:schemeClr val="accent1"/>
+            </a:effectRef>
+            <a:fontRef idx="minor">
+              <a:schemeClr val="lt1"/>
+            </a:fontRef>
+          </p:style>
+          <p:txBody>
+            <a:bodyPr rtlCol="0" anchor="ctr"/>
+            <a:lstStyle/>
+            <a:p>
+              <a:pPr algn="ctr"/>
+              <a:endParaRPr lang="fr-FR" b="1"/>
+            </a:p>
+          </p:txBody>
+        </p:sp>
+      </p:grpSp>
+    </p:spTree>
+    <p:extLst>
+      <p:ext uri="{BB962C8B-B14F-4D97-AF65-F5344CB8AC3E}">
+        <p14:creationId xmlns:p14="http://schemas.microsoft.com/office/powerpoint/2010/main" val="2731505109"/>
+      </p:ext>
+    </p:extLst>
+  </p:cSld>
+  <p:clrMapOvr>
+    <a:masterClrMapping/>
+  </p:clrMapOvr>
+</p:sld>
+</file>
+
+<file path=ppt/slides/slide3.xml><?xml version="1.0" encoding="utf-8"?>
+<p:sld xmlns:a="http://schemas.openxmlformats.org/drawingml/2006/main" xmlns:r="http://schemas.openxmlformats.org/officeDocument/2006/relationships" xmlns:p="http://schemas.openxmlformats.org/presentationml/2006/main">
+  <p:cSld>
+    <p:spTree>
+      <p:nvGrpSpPr>
+        <p:cNvPr id="1" name=""/>
+        <p:cNvGrpSpPr/>
+        <p:nvPr/>
+      </p:nvGrpSpPr>
+      <p:grpSpPr>
+        <a:xfrm>
+          <a:off x="0" y="0"/>
+          <a:ext cx="0" cy="0"/>
+          <a:chOff x="0" y="0"/>
+          <a:chExt cx="0" cy="0"/>
+        </a:xfrm>
+      </p:grpSpPr>
+      <p:cxnSp>
+        <p:nvCxnSpPr>
+          <p:cNvPr id="34" name="Connecteur droit 33"/>
+          <p:cNvCxnSpPr>
+            <a:stCxn id="39" idx="4"/>
+            <a:endCxn id="35" idx="0"/>
+          </p:cNvCxnSpPr>
+          <p:nvPr/>
+        </p:nvCxnSpPr>
+        <p:spPr>
+          <a:xfrm flipH="1">
+            <a:off x="1157331" y="2482038"/>
+            <a:ext cx="398" cy="84290"/>
+          </a:xfrm>
+          <a:prstGeom prst="line">
+            <a:avLst/>
+          </a:prstGeom>
+          <a:noFill/>
+          <a:ln w="12700">
+            <a:solidFill>
+              <a:schemeClr val="accent5">
+                <a:lumMod val="50000"/>
+              </a:schemeClr>
+            </a:solidFill>
+          </a:ln>
+        </p:spPr>
+        <p:style>
+          <a:lnRef idx="2">
+            <a:schemeClr val="accent1">
+              <a:shade val="50000"/>
+            </a:schemeClr>
+          </a:lnRef>
+          <a:fillRef idx="1">
+            <a:schemeClr val="accent1"/>
+          </a:fillRef>
+          <a:effectRef idx="0">
+            <a:schemeClr val="accent1"/>
+          </a:effectRef>
+          <a:fontRef idx="minor">
+            <a:schemeClr val="lt1"/>
+          </a:fontRef>
+        </p:style>
+      </p:cxnSp>
+      <p:sp>
+        <p:nvSpPr>
+          <p:cNvPr id="35" name="Rectangle 34"/>
+          <p:cNvSpPr/>
+          <p:nvPr/>
+        </p:nvSpPr>
+        <p:spPr>
+          <a:xfrm>
+            <a:off x="1013846" y="2566328"/>
+            <a:ext cx="286969" cy="149609"/>
+          </a:xfrm>
+          <a:prstGeom prst="rect">
+            <a:avLst/>
+          </a:prstGeom>
+          <a:solidFill>
+            <a:schemeClr val="accent5">
+              <a:lumMod val="20000"/>
+              <a:lumOff val="80000"/>
+            </a:schemeClr>
+          </a:solidFill>
+          <a:ln>
+            <a:noFill/>
+          </a:ln>
+        </p:spPr>
+        <p:style>
+          <a:lnRef idx="2">
+            <a:schemeClr val="accent1">
+              <a:shade val="50000"/>
+            </a:schemeClr>
+          </a:lnRef>
+          <a:fillRef idx="1">
+            <a:schemeClr val="accent1"/>
+          </a:fillRef>
+          <a:effectRef idx="0">
+            <a:schemeClr val="accent1"/>
+          </a:effectRef>
+          <a:fontRef idx="minor">
+            <a:schemeClr val="lt1"/>
+          </a:fontRef>
+        </p:style>
+        <p:txBody>
+          <a:bodyPr rtlCol="0" anchor="ctr"/>
+          <a:lstStyle/>
+          <a:p>
+            <a:pPr algn="ctr"/>
+            <a:endParaRPr lang="fr-FR" b="1"/>
+          </a:p>
+        </p:txBody>
+      </p:sp>
+      <p:cxnSp>
+        <p:nvCxnSpPr>
+          <p:cNvPr id="36" name="Connecteur droit 35"/>
+          <p:cNvCxnSpPr/>
+          <p:nvPr/>
+        </p:nvCxnSpPr>
+        <p:spPr>
+          <a:xfrm flipH="1">
+            <a:off x="1013847" y="2566328"/>
+            <a:ext cx="286969" cy="0"/>
+          </a:xfrm>
+          <a:prstGeom prst="line">
+            <a:avLst/>
+          </a:prstGeom>
+          <a:noFill/>
+          <a:ln w="12700">
+            <a:solidFill>
+              <a:schemeClr val="accent5">
+                <a:lumMod val="50000"/>
+              </a:schemeClr>
+            </a:solidFill>
+          </a:ln>
+        </p:spPr>
+        <p:style>
+          <a:lnRef idx="2">
+            <a:schemeClr val="accent1">
+              <a:shade val="50000"/>
+            </a:schemeClr>
+          </a:lnRef>
+          <a:fillRef idx="1">
+            <a:schemeClr val="accent1"/>
+          </a:fillRef>
+          <a:effectRef idx="0">
+            <a:schemeClr val="accent1"/>
+          </a:effectRef>
+          <a:fontRef idx="minor">
+            <a:schemeClr val="lt1"/>
+          </a:fontRef>
+        </p:style>
+      </p:cxnSp>
+      <p:cxnSp>
+        <p:nvCxnSpPr>
+          <p:cNvPr id="37" name="Connecteur droit 36"/>
+          <p:cNvCxnSpPr>
+            <a:stCxn id="39" idx="6"/>
+            <a:endCxn id="40" idx="2"/>
+          </p:cNvCxnSpPr>
+          <p:nvPr/>
+        </p:nvCxnSpPr>
+        <p:spPr>
+          <a:xfrm>
+            <a:off x="1277309" y="2362458"/>
+            <a:ext cx="486378" cy="0"/>
+          </a:xfrm>
+          <a:prstGeom prst="line">
+            <a:avLst/>
+          </a:prstGeom>
+          <a:noFill/>
+          <a:ln w="12700">
+            <a:solidFill>
+              <a:schemeClr val="accent5">
+                <a:lumMod val="50000"/>
+              </a:schemeClr>
+            </a:solidFill>
+          </a:ln>
+        </p:spPr>
+        <p:style>
+          <a:lnRef idx="2">
+            <a:schemeClr val="accent1">
+              <a:shade val="50000"/>
+            </a:schemeClr>
+          </a:lnRef>
+          <a:fillRef idx="1">
+            <a:schemeClr val="accent1"/>
+          </a:fillRef>
+          <a:effectRef idx="0">
+            <a:schemeClr val="accent1"/>
+          </a:effectRef>
+          <a:fontRef idx="minor">
+            <a:schemeClr val="lt1"/>
+          </a:fontRef>
+        </p:style>
+      </p:cxnSp>
+      <p:cxnSp>
+        <p:nvCxnSpPr>
+          <p:cNvPr id="38" name="Connecteur droit 37"/>
+          <p:cNvCxnSpPr>
+            <a:stCxn id="39" idx="0"/>
+            <a:endCxn id="40" idx="0"/>
+          </p:cNvCxnSpPr>
+          <p:nvPr/>
+        </p:nvCxnSpPr>
+        <p:spPr>
+          <a:xfrm rot="5400000" flipH="1" flipV="1">
+            <a:off x="1520498" y="1880108"/>
+            <a:ext cx="12700" cy="725539"/>
+          </a:xfrm>
+          <a:prstGeom prst="curvedConnector3">
+            <a:avLst>
+              <a:gd name="adj1" fmla="val 1559984"/>
+            </a:avLst>
+          </a:prstGeom>
+          <a:noFill/>
+          <a:ln w="12700">
+            <a:solidFill>
+              <a:schemeClr val="accent5">
+                <a:lumMod val="50000"/>
+              </a:schemeClr>
+            </a:solidFill>
+            <a:prstDash val="solid"/>
+          </a:ln>
+        </p:spPr>
+        <p:style>
+          <a:lnRef idx="2">
+            <a:schemeClr val="accent1">
+              <a:shade val="50000"/>
+            </a:schemeClr>
+          </a:lnRef>
+          <a:fillRef idx="1">
+            <a:schemeClr val="accent1"/>
+          </a:fillRef>
+          <a:effectRef idx="0">
+            <a:schemeClr val="accent1"/>
+          </a:effectRef>
+          <a:fontRef idx="minor">
+            <a:schemeClr val="lt1"/>
+          </a:fontRef>
+        </p:style>
+      </p:cxnSp>
+      <p:grpSp>
+        <p:nvGrpSpPr>
+          <p:cNvPr id="45" name="Groupe 44"/>
+          <p:cNvGrpSpPr/>
+          <p:nvPr/>
+        </p:nvGrpSpPr>
+        <p:grpSpPr>
+          <a:xfrm>
+            <a:off x="3867586" y="1675686"/>
+            <a:ext cx="614864" cy="1040251"/>
+            <a:chOff x="2036098" y="1305170"/>
+            <a:chExt cx="614864" cy="1040251"/>
+          </a:xfrm>
+        </p:grpSpPr>
+        <p:cxnSp>
+          <p:nvCxnSpPr>
+            <p:cNvPr id="46" name="Connecteur droit 45"/>
+            <p:cNvCxnSpPr>
+              <a:stCxn id="51" idx="4"/>
+              <a:endCxn id="47" idx="0"/>
+            </p:cNvCxnSpPr>
+            <p:nvPr/>
+          </p:nvCxnSpPr>
+          <p:spPr>
+            <a:xfrm flipH="1">
+              <a:off x="2179583" y="2111522"/>
+              <a:ext cx="398" cy="84290"/>
+            </a:xfrm>
+            <a:prstGeom prst="line">
+              <a:avLst/>
+            </a:prstGeom>
+            <a:noFill/>
+            <a:ln w="12700">
+              <a:solidFill>
+                <a:schemeClr val="accent5">
+                  <a:lumMod val="50000"/>
+                </a:schemeClr>
+              </a:solidFill>
+            </a:ln>
+          </p:spPr>
+          <p:style>
+            <a:lnRef idx="2">
+              <a:schemeClr val="accent1">
+                <a:shade val="50000"/>
+              </a:schemeClr>
+            </a:lnRef>
+            <a:fillRef idx="1">
+              <a:schemeClr val="accent1"/>
+            </a:fillRef>
+            <a:effectRef idx="0">
+              <a:schemeClr val="accent1"/>
+            </a:effectRef>
+            <a:fontRef idx="minor">
+              <a:schemeClr val="lt1"/>
+            </a:fontRef>
+          </p:style>
+        </p:cxnSp>
+        <p:sp>
+          <p:nvSpPr>
+            <p:cNvPr id="47" name="Rectangle 46"/>
+            <p:cNvSpPr/>
+            <p:nvPr/>
+          </p:nvSpPr>
+          <p:spPr>
+            <a:xfrm>
+              <a:off x="2036098" y="2195812"/>
+              <a:ext cx="286969" cy="149609"/>
+            </a:xfrm>
+            <a:prstGeom prst="rect">
+              <a:avLst/>
+            </a:prstGeom>
+            <a:solidFill>
+              <a:schemeClr val="accent5">
+                <a:lumMod val="20000"/>
+                <a:lumOff val="80000"/>
+              </a:schemeClr>
+            </a:solidFill>
+            <a:ln>
+              <a:noFill/>
+            </a:ln>
+          </p:spPr>
+          <p:style>
+            <a:lnRef idx="2">
+              <a:schemeClr val="accent1">
+                <a:shade val="50000"/>
+              </a:schemeClr>
+            </a:lnRef>
+            <a:fillRef idx="1">
+              <a:schemeClr val="accent1"/>
+            </a:fillRef>
+            <a:effectRef idx="0">
+              <a:schemeClr val="accent1"/>
+            </a:effectRef>
+            <a:fontRef idx="minor">
+              <a:schemeClr val="lt1"/>
+            </a:fontRef>
+          </p:style>
+          <p:txBody>
+            <a:bodyPr rtlCol="0" anchor="ctr"/>
+            <a:lstStyle/>
+            <a:p>
+              <a:pPr algn="ctr"/>
+              <a:endParaRPr lang="fr-FR" b="1"/>
+            </a:p>
+          </p:txBody>
+        </p:sp>
+        <p:cxnSp>
+          <p:nvCxnSpPr>
+            <p:cNvPr id="48" name="Connecteur droit 47"/>
+            <p:cNvCxnSpPr/>
+            <p:nvPr/>
+          </p:nvCxnSpPr>
+          <p:spPr>
+            <a:xfrm flipH="1">
+              <a:off x="2036099" y="2195812"/>
+              <a:ext cx="286969" cy="0"/>
+            </a:xfrm>
+            <a:prstGeom prst="line">
+              <a:avLst/>
+            </a:prstGeom>
+            <a:noFill/>
+            <a:ln w="12700">
+              <a:solidFill>
+                <a:schemeClr val="accent5">
+                  <a:lumMod val="50000"/>
+                </a:schemeClr>
+              </a:solidFill>
+            </a:ln>
+          </p:spPr>
+          <p:style>
+            <a:lnRef idx="2">
+              <a:schemeClr val="accent1">
+                <a:shade val="50000"/>
+              </a:schemeClr>
+            </a:lnRef>
+            <a:fillRef idx="1">
+              <a:schemeClr val="accent1"/>
+            </a:fillRef>
+            <a:effectRef idx="0">
+              <a:schemeClr val="accent1"/>
+            </a:effectRef>
+            <a:fontRef idx="minor">
+              <a:schemeClr val="lt1"/>
+            </a:fontRef>
+          </p:style>
+        </p:cxnSp>
+        <p:cxnSp>
+          <p:nvCxnSpPr>
+            <p:cNvPr id="49" name="Connecteur droit 48"/>
+            <p:cNvCxnSpPr>
+              <a:endCxn id="53" idx="3"/>
+            </p:cNvCxnSpPr>
+            <p:nvPr/>
+          </p:nvCxnSpPr>
+          <p:spPr>
+            <a:xfrm flipV="1">
+              <a:off x="2179981" y="1509307"/>
+              <a:ext cx="266844" cy="482634"/>
+            </a:xfrm>
+            <a:prstGeom prst="line">
+              <a:avLst/>
+            </a:prstGeom>
+            <a:noFill/>
+            <a:ln w="12700">
+              <a:solidFill>
+                <a:schemeClr val="accent5">
+                  <a:lumMod val="50000"/>
+                </a:schemeClr>
+              </a:solidFill>
+            </a:ln>
+          </p:spPr>
+          <p:style>
+            <a:lnRef idx="2">
+              <a:schemeClr val="accent1">
+                <a:shade val="50000"/>
+              </a:schemeClr>
+            </a:lnRef>
+            <a:fillRef idx="1">
+              <a:schemeClr val="accent1"/>
+            </a:fillRef>
+            <a:effectRef idx="0">
+              <a:schemeClr val="accent1"/>
+            </a:effectRef>
+            <a:fontRef idx="minor">
+              <a:schemeClr val="lt1"/>
+            </a:fontRef>
+          </p:style>
+        </p:cxnSp>
+        <p:sp>
+          <p:nvSpPr>
+            <p:cNvPr id="51" name="Ellipse 50"/>
+            <p:cNvSpPr/>
+            <p:nvPr/>
+          </p:nvSpPr>
+          <p:spPr>
+            <a:xfrm>
+              <a:off x="2060400" y="1872361"/>
+              <a:ext cx="239161" cy="239161"/>
+            </a:xfrm>
+            <a:prstGeom prst="ellipse">
+              <a:avLst/>
+            </a:prstGeom>
+            <a:solidFill>
+              <a:schemeClr val="bg1"/>
+            </a:solidFill>
+            <a:ln w="12700">
+              <a:solidFill>
+                <a:schemeClr val="accent5">
+                  <a:lumMod val="50000"/>
+                </a:schemeClr>
+              </a:solidFill>
+            </a:ln>
+          </p:spPr>
+          <p:style>
+            <a:lnRef idx="2">
+              <a:schemeClr val="accent1">
+                <a:shade val="50000"/>
+              </a:schemeClr>
+            </a:lnRef>
+            <a:fillRef idx="1">
+              <a:schemeClr val="accent1"/>
+            </a:fillRef>
+            <a:effectRef idx="0">
+              <a:schemeClr val="accent1"/>
+            </a:effectRef>
+            <a:fontRef idx="minor">
+              <a:schemeClr val="lt1"/>
+            </a:fontRef>
+          </p:style>
+          <p:txBody>
+            <a:bodyPr lIns="0" tIns="0" rIns="0" bIns="0" rtlCol="0" anchor="ctr"/>
+            <a:lstStyle/>
+            <a:p>
+              <a:pPr algn="ctr"/>
+              <a:r>
+                <a:rPr lang="fr-FR" sz="1200" b="1" dirty="0" smtClean="0">
+                  <a:solidFill>
+                    <a:schemeClr val="tx1"/>
+                  </a:solidFill>
+                </a:rPr>
+                <a:t>1</a:t>
+              </a:r>
+              <a:endParaRPr lang="fr-FR" sz="1200" b="1" dirty="0">
+                <a:solidFill>
+                  <a:schemeClr val="tx1"/>
+                </a:solidFill>
+              </a:endParaRPr>
+            </a:p>
+          </p:txBody>
+        </p:sp>
+        <p:sp>
+          <p:nvSpPr>
+            <p:cNvPr id="53" name="Ellipse 52"/>
+            <p:cNvSpPr/>
+            <p:nvPr/>
+          </p:nvSpPr>
+          <p:spPr>
+            <a:xfrm>
+              <a:off x="2411801" y="1305170"/>
+              <a:ext cx="239161" cy="239161"/>
+            </a:xfrm>
+            <a:prstGeom prst="ellipse">
+              <a:avLst/>
+            </a:prstGeom>
+            <a:solidFill>
+              <a:schemeClr val="bg1"/>
+            </a:solidFill>
+            <a:ln w="12700">
+              <a:solidFill>
+                <a:schemeClr val="accent5">
+                  <a:lumMod val="50000"/>
+                </a:schemeClr>
+              </a:solidFill>
+            </a:ln>
+          </p:spPr>
+          <p:style>
+            <a:lnRef idx="2">
+              <a:schemeClr val="accent1">
+                <a:shade val="50000"/>
+              </a:schemeClr>
+            </a:lnRef>
+            <a:fillRef idx="1">
+              <a:schemeClr val="accent1"/>
+            </a:fillRef>
+            <a:effectRef idx="0">
+              <a:schemeClr val="accent1"/>
+            </a:effectRef>
+            <a:fontRef idx="minor">
+              <a:schemeClr val="lt1"/>
+            </a:fontRef>
+          </p:style>
+          <p:txBody>
+            <a:bodyPr lIns="0" tIns="0" rIns="0" bIns="0" rtlCol="0" anchor="ctr"/>
+            <a:lstStyle/>
+            <a:p>
+              <a:pPr algn="ctr"/>
+              <a:r>
+                <a:rPr lang="fr-FR" sz="1200" b="1" dirty="0" smtClean="0">
+                  <a:solidFill>
+                    <a:schemeClr val="tx1"/>
+                  </a:solidFill>
+                </a:rPr>
+                <a:t>N</a:t>
+              </a:r>
+              <a:endParaRPr lang="fr-FR" sz="1200" b="1" dirty="0">
+                <a:solidFill>
+                  <a:schemeClr val="tx1"/>
+                </a:solidFill>
+              </a:endParaRPr>
+            </a:p>
+          </p:txBody>
+        </p:sp>
+      </p:grpSp>
+      <p:sp>
+        <p:nvSpPr>
+          <p:cNvPr id="58" name="ZoneTexte 57"/>
+          <p:cNvSpPr txBox="1"/>
+          <p:nvPr/>
+        </p:nvSpPr>
+        <p:spPr>
+          <a:xfrm>
+            <a:off x="4143804" y="1982640"/>
+            <a:ext cx="356188" cy="276999"/>
+          </a:xfrm>
+          <a:prstGeom prst="rect">
+            <a:avLst/>
+          </a:prstGeom>
+          <a:noFill/>
+        </p:spPr>
+        <p:txBody>
+          <a:bodyPr wrap="none" rtlCol="0">
+            <a:spAutoFit/>
+          </a:bodyPr>
+          <a:lstStyle/>
+          <a:p>
+            <a:r>
+              <a:rPr lang="fr-FR" sz="1200" b="1" dirty="0" err="1" smtClean="0"/>
+              <a:t>L</a:t>
+            </a:r>
+            <a:r>
+              <a:rPr lang="fr-FR" sz="1200" b="1" baseline="-25000" dirty="0" err="1" smtClean="0"/>
+              <a:t>eq</a:t>
+            </a:r>
+            <a:endParaRPr lang="fr-FR" sz="1200" b="1" baseline="-25000" dirty="0"/>
+          </a:p>
+        </p:txBody>
+      </p:sp>
+      <p:sp>
+        <p:nvSpPr>
+          <p:cNvPr id="19" name="Flèche droite 18"/>
+          <p:cNvSpPr/>
+          <p:nvPr/>
+        </p:nvSpPr>
+        <p:spPr>
+          <a:xfrm>
+            <a:off x="3369305" y="2026682"/>
+            <a:ext cx="360040" cy="189531"/>
+          </a:xfrm>
+          <a:prstGeom prst="rightArrow">
+            <a:avLst/>
+          </a:prstGeom>
+          <a:solidFill>
+            <a:schemeClr val="accent5">
+              <a:lumMod val="20000"/>
+              <a:lumOff val="80000"/>
+            </a:schemeClr>
+          </a:solidFill>
+          <a:ln w="12700">
+            <a:solidFill>
+              <a:schemeClr val="accent5">
+                <a:lumMod val="50000"/>
+              </a:schemeClr>
+            </a:solidFill>
+          </a:ln>
+        </p:spPr>
+        <p:style>
+          <a:lnRef idx="2">
+            <a:schemeClr val="accent1">
+              <a:shade val="50000"/>
+            </a:schemeClr>
+          </a:lnRef>
+          <a:fillRef idx="1">
+            <a:schemeClr val="accent1"/>
+          </a:fillRef>
+          <a:effectRef idx="0">
+            <a:schemeClr val="accent1"/>
+          </a:effectRef>
+          <a:fontRef idx="minor">
+            <a:schemeClr val="lt1"/>
+          </a:fontRef>
+        </p:style>
+        <p:txBody>
+          <a:bodyPr rtlCol="0" anchor="ctr"/>
+          <a:lstStyle/>
+          <a:p>
+            <a:pPr algn="ctr"/>
+            <a:endParaRPr lang="fr-FR" b="1"/>
+          </a:p>
+        </p:txBody>
+      </p:sp>
+      <p:cxnSp>
+        <p:nvCxnSpPr>
+          <p:cNvPr id="32" name="Connecteur droit 37"/>
+          <p:cNvCxnSpPr/>
+          <p:nvPr/>
+        </p:nvCxnSpPr>
+        <p:spPr>
+          <a:xfrm rot="16200000" flipH="1">
+            <a:off x="1513750" y="2104723"/>
+            <a:ext cx="12700" cy="725539"/>
+          </a:xfrm>
+          <a:prstGeom prst="curvedConnector3">
+            <a:avLst>
+              <a:gd name="adj1" fmla="val 1379984"/>
+            </a:avLst>
+          </a:prstGeom>
+          <a:noFill/>
+          <a:ln w="12700">
+            <a:solidFill>
+              <a:schemeClr val="accent5">
+                <a:lumMod val="50000"/>
+              </a:schemeClr>
+            </a:solidFill>
+            <a:prstDash val="solid"/>
+          </a:ln>
+        </p:spPr>
+        <p:style>
+          <a:lnRef idx="2">
+            <a:schemeClr val="accent1">
+              <a:shade val="50000"/>
+            </a:schemeClr>
+          </a:lnRef>
+          <a:fillRef idx="1">
+            <a:schemeClr val="accent1"/>
+          </a:fillRef>
+          <a:effectRef idx="0">
+            <a:schemeClr val="accent1"/>
+          </a:effectRef>
+          <a:fontRef idx="minor">
+            <a:schemeClr val="lt1"/>
+          </a:fontRef>
+        </p:style>
+      </p:cxnSp>
+      <p:sp>
+        <p:nvSpPr>
+          <p:cNvPr id="39" name="Ellipse 38"/>
+          <p:cNvSpPr/>
+          <p:nvPr/>
+        </p:nvSpPr>
+        <p:spPr>
+          <a:xfrm>
+            <a:off x="1038148" y="2242877"/>
+            <a:ext cx="239161" cy="239161"/>
+          </a:xfrm>
+          <a:prstGeom prst="ellipse">
+            <a:avLst/>
+          </a:prstGeom>
+          <a:solidFill>
+            <a:schemeClr val="bg1"/>
+          </a:solidFill>
+          <a:ln w="12700">
+            <a:solidFill>
+              <a:schemeClr val="accent5">
+                <a:lumMod val="50000"/>
+              </a:schemeClr>
+            </a:solidFill>
+          </a:ln>
+        </p:spPr>
+        <p:style>
+          <a:lnRef idx="2">
+            <a:schemeClr val="accent1">
+              <a:shade val="50000"/>
+            </a:schemeClr>
+          </a:lnRef>
+          <a:fillRef idx="1">
+            <a:schemeClr val="accent1"/>
+          </a:fillRef>
+          <a:effectRef idx="0">
+            <a:schemeClr val="accent1"/>
+          </a:effectRef>
+          <a:fontRef idx="minor">
+            <a:schemeClr val="lt1"/>
+          </a:fontRef>
+        </p:style>
+        <p:txBody>
+          <a:bodyPr lIns="0" tIns="0" rIns="0" bIns="0" rtlCol="0" anchor="ctr"/>
+          <a:lstStyle/>
+          <a:p>
+            <a:pPr algn="ctr"/>
+            <a:r>
+              <a:rPr lang="fr-FR" sz="1200" b="1" dirty="0" smtClean="0">
+                <a:solidFill>
+                  <a:schemeClr val="tx1"/>
+                </a:solidFill>
+              </a:rPr>
+              <a:t>1</a:t>
+            </a:r>
+            <a:endParaRPr lang="fr-FR" sz="1200" b="1" dirty="0">
+              <a:solidFill>
+                <a:schemeClr val="tx1"/>
+              </a:solidFill>
+            </a:endParaRPr>
+          </a:p>
+        </p:txBody>
+      </p:sp>
+      <p:sp>
+        <p:nvSpPr>
+          <p:cNvPr id="40" name="Ellipse 39"/>
+          <p:cNvSpPr/>
+          <p:nvPr/>
+        </p:nvSpPr>
+        <p:spPr>
+          <a:xfrm>
+            <a:off x="1763687" y="2242877"/>
+            <a:ext cx="239161" cy="239161"/>
+          </a:xfrm>
+          <a:prstGeom prst="ellipse">
+            <a:avLst/>
+          </a:prstGeom>
+          <a:solidFill>
+            <a:schemeClr val="bg1"/>
+          </a:solidFill>
+          <a:ln w="12700">
+            <a:solidFill>
+              <a:schemeClr val="accent5">
+                <a:lumMod val="50000"/>
+              </a:schemeClr>
+            </a:solidFill>
+          </a:ln>
+        </p:spPr>
+        <p:style>
+          <a:lnRef idx="2">
+            <a:schemeClr val="accent1">
+              <a:shade val="50000"/>
+            </a:schemeClr>
+          </a:lnRef>
+          <a:fillRef idx="1">
+            <a:schemeClr val="accent1"/>
+          </a:fillRef>
+          <a:effectRef idx="0">
+            <a:schemeClr val="accent1"/>
+          </a:effectRef>
+          <a:fontRef idx="minor">
+            <a:schemeClr val="lt1"/>
+          </a:fontRef>
+        </p:style>
+        <p:txBody>
+          <a:bodyPr lIns="0" tIns="0" rIns="0" bIns="0" rtlCol="0" anchor="ctr"/>
+          <a:lstStyle/>
+          <a:p>
+            <a:pPr algn="ctr"/>
+            <a:r>
+              <a:rPr lang="fr-FR" sz="1200" b="1" dirty="0" smtClean="0">
+                <a:solidFill>
+                  <a:schemeClr val="tx1"/>
+                </a:solidFill>
+              </a:rPr>
+              <a:t>2</a:t>
+            </a:r>
+            <a:endParaRPr lang="fr-FR" sz="1200" b="1" dirty="0">
+              <a:solidFill>
+                <a:schemeClr val="tx1"/>
+              </a:solidFill>
+            </a:endParaRPr>
+          </a:p>
+        </p:txBody>
+      </p:sp>
+      <mc:AlternateContent xmlns:mc="http://schemas.openxmlformats.org/markup-compatibility/2006">
+        <mc:Choice xmlns:a14="http://schemas.microsoft.com/office/drawing/2010/main" Requires="a14">
+          <p:sp>
+            <p:nvSpPr>
+              <p:cNvPr id="11" name="ZoneTexte 10"/>
+              <p:cNvSpPr txBox="1"/>
+              <p:nvPr/>
+            </p:nvSpPr>
+            <p:spPr>
+              <a:xfrm>
+                <a:off x="1320221" y="1795266"/>
+                <a:ext cx="413254" cy="263534"/>
+              </a:xfrm>
+              <a:prstGeom prst="rect">
+                <a:avLst/>
+              </a:prstGeom>
+              <a:noFill/>
+            </p:spPr>
+            <p:txBody>
+              <a:bodyPr wrap="none" rtlCol="0">
+                <a:spAutoFit/>
+              </a:bodyPr>
+              <a:lstStyle/>
+              <a:p>
+                <a14:m>
+                  <m:oMathPara xmlns:m="http://schemas.openxmlformats.org/officeDocument/2006/math">
+                    <m:oMathParaPr>
+                      <m:jc m:val="centerGroup"/>
+                    </m:oMathParaPr>
+                    <m:oMath xmlns:m="http://schemas.openxmlformats.org/officeDocument/2006/math">
+                      <m:sSubSup>
+                        <m:sSubSupPr>
+                          <m:ctrlPr>
+                            <a:rPr lang="fr-FR" sz="1100" b="0" i="1" smtClean="0">
+                              <a:latin typeface="Cambria Math"/>
+                            </a:rPr>
+                          </m:ctrlPr>
+                        </m:sSubSupPr>
+                        <m:e>
+                          <m:r>
+                            <a:rPr lang="fr-FR" sz="1100" b="0" i="1" smtClean="0">
+                              <a:latin typeface="Cambria Math"/>
+                            </a:rPr>
+                            <m:t>𝐿</m:t>
+                          </m:r>
+                        </m:e>
+                        <m:sub>
+                          <m:r>
+                            <a:rPr lang="fr-FR" sz="1100" b="0" i="1" smtClean="0">
+                              <a:latin typeface="Cambria Math"/>
+                            </a:rPr>
+                            <m:t>12</m:t>
+                          </m:r>
+                        </m:sub>
+                        <m:sup>
+                          <m:r>
+                            <a:rPr lang="fr-FR" sz="1100" b="0" i="1" smtClean="0">
+                              <a:latin typeface="Cambria Math"/>
+                            </a:rPr>
+                            <m:t>1</m:t>
+                          </m:r>
+                        </m:sup>
+                      </m:sSubSup>
+                    </m:oMath>
+                  </m:oMathPara>
+                </a14:m>
+                <a:endParaRPr lang="fr-FR" sz="1100" i="1" dirty="0"/>
+              </a:p>
+            </p:txBody>
+          </p:sp>
+        </mc:Choice>
+        <mc:Fallback>
+          <p:sp>
+            <p:nvSpPr>
+              <p:cNvPr id="11" name="ZoneTexte 10"/>
+              <p:cNvSpPr txBox="1">
+                <a:spLocks noRot="1" noChangeAspect="1" noMove="1" noResize="1" noEditPoints="1" noAdjustHandles="1" noChangeArrowheads="1" noChangeShapeType="1" noTextEdit="1"/>
+              </p:cNvSpPr>
+              <p:nvPr/>
+            </p:nvSpPr>
+            <p:spPr>
+              <a:xfrm>
+                <a:off x="1320221" y="1795266"/>
+                <a:ext cx="413254" cy="263534"/>
+              </a:xfrm>
+              <a:prstGeom prst="rect">
+                <a:avLst/>
+              </a:prstGeom>
+              <a:blipFill rotWithShape="1">
+                <a:blip r:embed="rId2"/>
+                <a:stretch>
+                  <a:fillRect/>
+                </a:stretch>
+              </a:blipFill>
+            </p:spPr>
+            <p:txBody>
+              <a:bodyPr/>
+              <a:lstStyle/>
+              <a:p>
+                <a:r>
+                  <a:rPr lang="fr-FR">
+                    <a:noFill/>
+                  </a:rPr>
+                  <a:t> </a:t>
+                </a:r>
+              </a:p>
+            </p:txBody>
+          </p:sp>
+        </mc:Fallback>
+      </mc:AlternateContent>
+      <mc:AlternateContent xmlns:mc="http://schemas.openxmlformats.org/markup-compatibility/2006">
+        <mc:Choice xmlns:a14="http://schemas.microsoft.com/office/drawing/2010/main" Requires="a14">
+          <p:sp>
+            <p:nvSpPr>
+              <p:cNvPr id="44" name="ZoneTexte 43"/>
+              <p:cNvSpPr txBox="1"/>
+              <p:nvPr/>
+            </p:nvSpPr>
+            <p:spPr>
+              <a:xfrm>
+                <a:off x="1320221" y="2094390"/>
+                <a:ext cx="413254" cy="263534"/>
+              </a:xfrm>
+              <a:prstGeom prst="rect">
+                <a:avLst/>
+              </a:prstGeom>
+              <a:noFill/>
+            </p:spPr>
+            <p:txBody>
+              <a:bodyPr wrap="none" rtlCol="0">
+                <a:spAutoFit/>
+              </a:bodyPr>
+              <a:lstStyle/>
+              <a:p>
+                <a14:m>
+                  <m:oMathPara xmlns:m="http://schemas.openxmlformats.org/officeDocument/2006/math">
+                    <m:oMathParaPr>
+                      <m:jc m:val="centerGroup"/>
+                    </m:oMathParaPr>
+                    <m:oMath xmlns:m="http://schemas.openxmlformats.org/officeDocument/2006/math">
+                      <m:sSubSup>
+                        <m:sSubSupPr>
+                          <m:ctrlPr>
+                            <a:rPr lang="fr-FR" sz="1100" b="0" i="1" smtClean="0">
+                              <a:latin typeface="Cambria Math"/>
+                            </a:rPr>
+                          </m:ctrlPr>
+                        </m:sSubSupPr>
+                        <m:e>
+                          <m:r>
+                            <a:rPr lang="fr-FR" sz="1100" b="0" i="1" smtClean="0">
+                              <a:latin typeface="Cambria Math"/>
+                            </a:rPr>
+                            <m:t>𝐿</m:t>
+                          </m:r>
+                        </m:e>
+                        <m:sub>
+                          <m:r>
+                            <a:rPr lang="fr-FR" sz="1100" b="0" i="1" smtClean="0">
+                              <a:latin typeface="Cambria Math"/>
+                            </a:rPr>
+                            <m:t>12</m:t>
+                          </m:r>
+                        </m:sub>
+                        <m:sup>
+                          <m:r>
+                            <a:rPr lang="fr-FR" sz="1100" b="0" i="1" smtClean="0">
+                              <a:latin typeface="Cambria Math"/>
+                            </a:rPr>
+                            <m:t>2</m:t>
+                          </m:r>
+                        </m:sup>
+                      </m:sSubSup>
+                    </m:oMath>
+                  </m:oMathPara>
+                </a14:m>
+                <a:endParaRPr lang="fr-FR" sz="1100" i="1" dirty="0"/>
+              </a:p>
+            </p:txBody>
+          </p:sp>
+        </mc:Choice>
+        <mc:Fallback>
+          <p:sp>
+            <p:nvSpPr>
+              <p:cNvPr id="44" name="ZoneTexte 43"/>
+              <p:cNvSpPr txBox="1">
+                <a:spLocks noRot="1" noChangeAspect="1" noMove="1" noResize="1" noEditPoints="1" noAdjustHandles="1" noChangeArrowheads="1" noChangeShapeType="1" noTextEdit="1"/>
+              </p:cNvSpPr>
+              <p:nvPr/>
+            </p:nvSpPr>
+            <p:spPr>
+              <a:xfrm>
+                <a:off x="1320221" y="2094390"/>
+                <a:ext cx="413254" cy="263534"/>
+              </a:xfrm>
+              <a:prstGeom prst="rect">
+                <a:avLst/>
+              </a:prstGeom>
+              <a:blipFill rotWithShape="1">
+                <a:blip r:embed="rId3"/>
+                <a:stretch>
+                  <a:fillRect/>
+                </a:stretch>
+              </a:blipFill>
+            </p:spPr>
+            <p:txBody>
+              <a:bodyPr/>
+              <a:lstStyle/>
+              <a:p>
+                <a:r>
+                  <a:rPr lang="fr-FR">
+                    <a:noFill/>
+                  </a:rPr>
+                  <a:t> </a:t>
+                </a:r>
+              </a:p>
+            </p:txBody>
+          </p:sp>
+        </mc:Fallback>
+      </mc:AlternateContent>
+      <mc:AlternateContent xmlns:mc="http://schemas.openxmlformats.org/markup-compatibility/2006">
+        <mc:Choice xmlns:a14="http://schemas.microsoft.com/office/drawing/2010/main" Requires="a14">
+          <p:sp>
+            <p:nvSpPr>
+              <p:cNvPr id="50" name="ZoneTexte 49"/>
+              <p:cNvSpPr txBox="1"/>
+              <p:nvPr/>
+            </p:nvSpPr>
+            <p:spPr>
+              <a:xfrm>
+                <a:off x="1320221" y="2362458"/>
+                <a:ext cx="413254" cy="263534"/>
+              </a:xfrm>
+              <a:prstGeom prst="rect">
+                <a:avLst/>
+              </a:prstGeom>
+              <a:noFill/>
+            </p:spPr>
+            <p:txBody>
+              <a:bodyPr wrap="none" rtlCol="0">
+                <a:spAutoFit/>
+              </a:bodyPr>
+              <a:lstStyle/>
+              <a:p>
+                <a14:m>
+                  <m:oMathPara xmlns:m="http://schemas.openxmlformats.org/officeDocument/2006/math">
+                    <m:oMathParaPr>
+                      <m:jc m:val="centerGroup"/>
+                    </m:oMathParaPr>
+                    <m:oMath xmlns:m="http://schemas.openxmlformats.org/officeDocument/2006/math">
+                      <m:sSubSup>
+                        <m:sSubSupPr>
+                          <m:ctrlPr>
+                            <a:rPr lang="fr-FR" sz="1100" b="0" i="1" smtClean="0">
+                              <a:latin typeface="Cambria Math"/>
+                            </a:rPr>
+                          </m:ctrlPr>
+                        </m:sSubSupPr>
+                        <m:e>
+                          <m:r>
+                            <a:rPr lang="fr-FR" sz="1100" b="0" i="1" smtClean="0">
+                              <a:latin typeface="Cambria Math"/>
+                            </a:rPr>
+                            <m:t>𝐿</m:t>
+                          </m:r>
+                        </m:e>
+                        <m:sub>
+                          <m:r>
+                            <a:rPr lang="fr-FR" sz="1100" b="0" i="1" smtClean="0">
+                              <a:latin typeface="Cambria Math"/>
+                            </a:rPr>
+                            <m:t>12</m:t>
+                          </m:r>
+                        </m:sub>
+                        <m:sup>
+                          <m:r>
+                            <a:rPr lang="fr-FR" sz="1100" b="0" i="1" smtClean="0">
+                              <a:latin typeface="Cambria Math"/>
+                            </a:rPr>
+                            <m:t>𝑛</m:t>
+                          </m:r>
+                        </m:sup>
+                      </m:sSubSup>
+                    </m:oMath>
+                  </m:oMathPara>
+                </a14:m>
+                <a:endParaRPr lang="fr-FR" sz="1100" i="1" dirty="0"/>
+              </a:p>
+            </p:txBody>
+          </p:sp>
+        </mc:Choice>
+        <mc:Fallback>
+          <p:sp>
+            <p:nvSpPr>
+              <p:cNvPr id="50" name="ZoneTexte 49"/>
+              <p:cNvSpPr txBox="1">
+                <a:spLocks noRot="1" noChangeAspect="1" noMove="1" noResize="1" noEditPoints="1" noAdjustHandles="1" noChangeArrowheads="1" noChangeShapeType="1" noTextEdit="1"/>
+              </p:cNvSpPr>
+              <p:nvPr/>
+            </p:nvSpPr>
+            <p:spPr>
+              <a:xfrm>
+                <a:off x="1320221" y="2362458"/>
+                <a:ext cx="413254" cy="263534"/>
+              </a:xfrm>
+              <a:prstGeom prst="rect">
+                <a:avLst/>
+              </a:prstGeom>
+              <a:blipFill rotWithShape="1">
+                <a:blip r:embed="rId4"/>
+                <a:stretch>
+                  <a:fillRect/>
+                </a:stretch>
+              </a:blipFill>
+            </p:spPr>
+            <p:txBody>
+              <a:bodyPr/>
+              <a:lstStyle/>
+              <a:p>
+                <a:r>
+                  <a:rPr lang="fr-FR">
+                    <a:noFill/>
+                  </a:rPr>
+                  <a:t> </a:t>
+                </a:r>
+              </a:p>
+            </p:txBody>
+          </p:sp>
+        </mc:Fallback>
+      </mc:AlternateContent>
+    </p:spTree>
+    <p:extLst>
+      <p:ext uri="{BB962C8B-B14F-4D97-AF65-F5344CB8AC3E}">
+        <p14:creationId xmlns:p14="http://schemas.microsoft.com/office/powerpoint/2010/main" val="2346082743"/>
+      </p:ext>
+    </p:extLst>
+  </p:cSld>
+  <p:clrMapOvr>
+    <a:masterClrMapping/>
+  </p:clrMapOvr>
+</p:sld>
+</file>
+
+<file path=ppt/slides/slide4.xml><?xml version="1.0" encoding="utf-8"?>
+<p:sld xmlns:a="http://schemas.openxmlformats.org/drawingml/2006/main" xmlns:r="http://schemas.openxmlformats.org/officeDocument/2006/relationships" xmlns:p="http://schemas.openxmlformats.org/presentationml/2006/main">
+  <p:cSld>
+    <p:spTree>
+      <p:nvGrpSpPr>
+        <p:cNvPr id="1" name=""/>
+        <p:cNvGrpSpPr/>
+        <p:nvPr/>
+      </p:nvGrpSpPr>
+      <p:grpSpPr>
+        <a:xfrm>
+          <a:off x="0" y="0"/>
+          <a:ext cx="0" cy="0"/>
+          <a:chOff x="0" y="0"/>
+          <a:chExt cx="0" cy="0"/>
+        </a:xfrm>
+      </p:grpSpPr>
       <p:cxnSp>
         <p:nvCxnSpPr>
           <p:cNvPr id="7" name="Connecteur droit 6"/>
@@ -4214,11 +6284,6 @@
               </a:rPr>
               <a:t>3</a:t>
             </a:r>
-            <a:endParaRPr lang="fr-FR" sz="1200" b="1" dirty="0">
-              <a:solidFill>
-                <a:schemeClr val="tx1"/>
-              </a:solidFill>
-            </a:endParaRPr>
           </a:p>
         </p:txBody>
       </p:sp>
@@ -4235,7 +6300,7 @@
 </p:sld>
 </file>
 
-<file path=ppt/slides/slide3.xml><?xml version="1.0" encoding="utf-8"?>
+<file path=ppt/slides/slide5.xml><?xml version="1.0" encoding="utf-8"?>
 <p:sld xmlns:a="http://schemas.openxmlformats.org/drawingml/2006/main" xmlns:r="http://schemas.openxmlformats.org/officeDocument/2006/relationships" xmlns:p="http://schemas.openxmlformats.org/presentationml/2006/main">
   <p:cSld>
     <p:spTree>

--- a/Chapitre_01_LiaisonsEquivalentes/Cours/images/Figures.pptx
+++ b/Chapitre_01_LiaisonsEquivalentes/Cours/images/Figures.pptx
@@ -3775,10 +3775,10 @@
         </p:nvGrpSpPr>
         <p:grpSpPr>
           <a:xfrm>
-            <a:off x="827584" y="1675686"/>
-            <a:ext cx="2210807" cy="1040251"/>
-            <a:chOff x="827584" y="1675686"/>
-            <a:chExt cx="2210807" cy="1040251"/>
+            <a:off x="1013846" y="1675686"/>
+            <a:ext cx="2007003" cy="1040251"/>
+            <a:chOff x="1013846" y="1675686"/>
+            <a:chExt cx="2007003" cy="1040251"/>
           </a:xfrm>
         </p:grpSpPr>
         <p:grpSp>
@@ -3789,10 +3789,10 @@
           </p:nvGrpSpPr>
           <p:grpSpPr>
             <a:xfrm>
-              <a:off x="827584" y="1675686"/>
-              <a:ext cx="840109" cy="1040251"/>
-              <a:chOff x="1849836" y="1305170"/>
-              <a:chExt cx="840109" cy="1040251"/>
+              <a:off x="1013846" y="1675686"/>
+              <a:ext cx="614864" cy="1040251"/>
+              <a:chOff x="2036098" y="1305170"/>
+              <a:chExt cx="614864" cy="1040251"/>
             </a:xfrm>
           </p:grpSpPr>
           <p:cxnSp>
@@ -4197,74 +4197,6 @@
               </a:p>
             </p:txBody>
           </p:sp>
-          <p:sp>
-            <p:nvSpPr>
-              <p:cNvPr id="42" name="ZoneTexte 41"/>
-              <p:cNvSpPr txBox="1"/>
-              <p:nvPr/>
-            </p:nvSpPr>
-            <p:spPr>
-              <a:xfrm>
-                <a:off x="1849836" y="1663911"/>
-                <a:ext cx="351378" cy="276999"/>
-              </a:xfrm>
-              <a:prstGeom prst="rect">
-                <a:avLst/>
-              </a:prstGeom>
-              <a:noFill/>
-            </p:spPr>
-            <p:txBody>
-              <a:bodyPr wrap="none" rtlCol="0">
-                <a:spAutoFit/>
-              </a:bodyPr>
-              <a:lstStyle/>
-              <a:p>
-                <a:r>
-                  <a:rPr lang="fr-FR" sz="1200" b="1" dirty="0" smtClean="0"/>
-                  <a:t>L</a:t>
-                </a:r>
-                <a:r>
-                  <a:rPr lang="fr-FR" sz="1200" b="1" baseline="-25000" dirty="0" smtClean="0"/>
-                  <a:t>12</a:t>
-                </a:r>
-                <a:endParaRPr lang="fr-FR" sz="1200" b="1" baseline="-25000" dirty="0"/>
-              </a:p>
-            </p:txBody>
-          </p:sp>
-          <p:sp>
-            <p:nvSpPr>
-              <p:cNvPr id="43" name="ZoneTexte 42"/>
-              <p:cNvSpPr txBox="1"/>
-              <p:nvPr/>
-            </p:nvSpPr>
-            <p:spPr>
-              <a:xfrm>
-                <a:off x="2320933" y="1501205"/>
-                <a:ext cx="369012" cy="276999"/>
-              </a:xfrm>
-              <a:prstGeom prst="rect">
-                <a:avLst/>
-              </a:prstGeom>
-              <a:noFill/>
-            </p:spPr>
-            <p:txBody>
-              <a:bodyPr wrap="none" rtlCol="0">
-                <a:spAutoFit/>
-              </a:bodyPr>
-              <a:lstStyle/>
-              <a:p>
-                <a:r>
-                  <a:rPr lang="fr-FR" sz="1200" b="1" dirty="0" smtClean="0"/>
-                  <a:t>L</a:t>
-                </a:r>
-                <a:r>
-                  <a:rPr lang="fr-FR" sz="1200" b="1" baseline="-25000" dirty="0" smtClean="0"/>
-                  <a:t>2N</a:t>
-                </a:r>
-                <a:endParaRPr lang="fr-FR" sz="1200" b="1" baseline="-25000" dirty="0"/>
-              </a:p>
-            </p:txBody>
-          </p:sp>
         </p:grpSp>
         <p:grpSp>
           <p:nvGrpSpPr>
@@ -4581,40 +4513,6 @@
         </p:grpSp>
         <p:sp>
           <p:nvSpPr>
-            <p:cNvPr id="58" name="ZoneTexte 57"/>
-            <p:cNvSpPr txBox="1"/>
-            <p:nvPr/>
-          </p:nvSpPr>
-          <p:spPr>
-            <a:xfrm>
-              <a:off x="2682203" y="1982640"/>
-              <a:ext cx="356188" cy="276999"/>
-            </a:xfrm>
-            <a:prstGeom prst="rect">
-              <a:avLst/>
-            </a:prstGeom>
-            <a:noFill/>
-          </p:spPr>
-          <p:txBody>
-            <a:bodyPr wrap="none" rtlCol="0">
-              <a:spAutoFit/>
-            </a:bodyPr>
-            <a:lstStyle/>
-            <a:p>
-              <a:r>
-                <a:rPr lang="fr-FR" sz="1200" b="1" dirty="0" err="1" smtClean="0"/>
-                <a:t>L</a:t>
-              </a:r>
-              <a:r>
-                <a:rPr lang="fr-FR" sz="1200" b="1" baseline="-25000" dirty="0" err="1" smtClean="0"/>
-                <a:t>eq</a:t>
-              </a:r>
-              <a:endParaRPr lang="fr-FR" sz="1200" b="1" baseline="-25000" dirty="0"/>
-            </a:p>
-          </p:txBody>
-        </p:sp>
-        <p:sp>
-          <p:nvSpPr>
             <p:cNvPr id="19" name="Flèche droite 18"/>
             <p:cNvSpPr/>
             <p:nvPr/>
@@ -4667,6 +4565,332 @@
           </p:txBody>
         </p:sp>
       </p:grpSp>
+      <mc:AlternateContent xmlns:mc="http://schemas.openxmlformats.org/markup-compatibility/2006">
+        <mc:Choice xmlns:a14="http://schemas.microsoft.com/office/drawing/2010/main" Requires="a14">
+          <p:sp>
+            <p:nvSpPr>
+              <p:cNvPr id="61" name="ZoneTexte 60"/>
+              <p:cNvSpPr txBox="1"/>
+              <p:nvPr/>
+            </p:nvSpPr>
+            <p:spPr>
+              <a:xfrm>
+                <a:off x="742106" y="2034427"/>
+                <a:ext cx="413255" cy="261610"/>
+              </a:xfrm>
+              <a:prstGeom prst="rect">
+                <a:avLst/>
+              </a:prstGeom>
+              <a:noFill/>
+            </p:spPr>
+            <p:txBody>
+              <a:bodyPr wrap="none" rtlCol="0">
+                <a:spAutoFit/>
+              </a:bodyPr>
+              <a:lstStyle/>
+              <a:p>
+                <a14:m>
+                  <m:oMathPara xmlns:m="http://schemas.openxmlformats.org/officeDocument/2006/math">
+                    <m:oMathParaPr>
+                      <m:jc m:val="centerGroup"/>
+                    </m:oMathParaPr>
+                    <m:oMath xmlns:m="http://schemas.openxmlformats.org/officeDocument/2006/math">
+                      <m:sSub>
+                        <m:sSubPr>
+                          <m:ctrlPr>
+                            <a:rPr lang="fr-FR" sz="1100" b="0" i="1" smtClean="0">
+                              <a:latin typeface="Cambria Math"/>
+                            </a:rPr>
+                          </m:ctrlPr>
+                        </m:sSubPr>
+                        <m:e>
+                          <m:r>
+                            <a:rPr lang="fr-FR" sz="1100" b="0" i="1" smtClean="0">
+                              <a:latin typeface="Cambria Math"/>
+                            </a:rPr>
+                            <m:t>𝐿</m:t>
+                          </m:r>
+                        </m:e>
+                        <m:sub>
+                          <m:r>
+                            <a:rPr lang="fr-FR" sz="1100" b="0" i="1" smtClean="0">
+                              <a:latin typeface="Cambria Math"/>
+                            </a:rPr>
+                            <m:t>12</m:t>
+                          </m:r>
+                        </m:sub>
+                      </m:sSub>
+                    </m:oMath>
+                  </m:oMathPara>
+                </a14:m>
+                <a:endParaRPr lang="fr-FR" sz="1100" i="1" dirty="0"/>
+              </a:p>
+            </p:txBody>
+          </p:sp>
+        </mc:Choice>
+        <mc:Fallback>
+          <p:sp>
+            <p:nvSpPr>
+              <p:cNvPr id="61" name="ZoneTexte 60"/>
+              <p:cNvSpPr txBox="1">
+                <a:spLocks noRot="1" noChangeAspect="1" noMove="1" noResize="1" noEditPoints="1" noAdjustHandles="1" noChangeArrowheads="1" noChangeShapeType="1" noTextEdit="1"/>
+              </p:cNvSpPr>
+              <p:nvPr/>
+            </p:nvSpPr>
+            <p:spPr>
+              <a:xfrm>
+                <a:off x="742106" y="2034427"/>
+                <a:ext cx="413255" cy="261610"/>
+              </a:xfrm>
+              <a:prstGeom prst="rect">
+                <a:avLst/>
+              </a:prstGeom>
+              <a:blipFill rotWithShape="1">
+                <a:blip r:embed="rId2"/>
+                <a:stretch>
+                  <a:fillRect/>
+                </a:stretch>
+              </a:blipFill>
+            </p:spPr>
+            <p:txBody>
+              <a:bodyPr/>
+              <a:lstStyle/>
+              <a:p>
+                <a:r>
+                  <a:rPr lang="fr-FR">
+                    <a:noFill/>
+                  </a:rPr>
+                  <a:t> </a:t>
+                </a:r>
+              </a:p>
+            </p:txBody>
+          </p:sp>
+        </mc:Fallback>
+      </mc:AlternateContent>
+      <mc:AlternateContent xmlns:mc="http://schemas.openxmlformats.org/markup-compatibility/2006">
+        <mc:Choice xmlns:a14="http://schemas.microsoft.com/office/drawing/2010/main" Requires="a14">
+          <p:sp>
+            <p:nvSpPr>
+              <p:cNvPr id="62" name="ZoneTexte 61"/>
+              <p:cNvSpPr txBox="1"/>
+              <p:nvPr/>
+            </p:nvSpPr>
+            <p:spPr>
+              <a:xfrm>
+                <a:off x="1038148" y="1685723"/>
+                <a:ext cx="438197" cy="261610"/>
+              </a:xfrm>
+              <a:prstGeom prst="rect">
+                <a:avLst/>
+              </a:prstGeom>
+              <a:noFill/>
+            </p:spPr>
+            <p:txBody>
+              <a:bodyPr wrap="none" rtlCol="0">
+                <a:spAutoFit/>
+              </a:bodyPr>
+              <a:lstStyle/>
+              <a:p>
+                <a14:m>
+                  <m:oMathPara xmlns:m="http://schemas.openxmlformats.org/officeDocument/2006/math">
+                    <m:oMathParaPr>
+                      <m:jc m:val="centerGroup"/>
+                    </m:oMathParaPr>
+                    <m:oMath xmlns:m="http://schemas.openxmlformats.org/officeDocument/2006/math">
+                      <m:sSub>
+                        <m:sSubPr>
+                          <m:ctrlPr>
+                            <a:rPr lang="fr-FR" sz="1100" b="0" i="1" smtClean="0">
+                              <a:latin typeface="Cambria Math"/>
+                            </a:rPr>
+                          </m:ctrlPr>
+                        </m:sSubPr>
+                        <m:e>
+                          <m:r>
+                            <a:rPr lang="fr-FR" sz="1100" b="0" i="1" smtClean="0">
+                              <a:latin typeface="Cambria Math"/>
+                            </a:rPr>
+                            <m:t>𝐿</m:t>
+                          </m:r>
+                        </m:e>
+                        <m:sub>
+                          <m:r>
+                            <a:rPr lang="fr-FR" sz="1100" b="0" i="1" smtClean="0">
+                              <a:latin typeface="Cambria Math"/>
+                            </a:rPr>
+                            <m:t>2</m:t>
+                          </m:r>
+                          <m:r>
+                            <a:rPr lang="fr-FR" sz="1100" b="0" i="1" smtClean="0">
+                              <a:latin typeface="Cambria Math"/>
+                            </a:rPr>
+                            <m:t>𝑁</m:t>
+                          </m:r>
+                        </m:sub>
+                      </m:sSub>
+                    </m:oMath>
+                  </m:oMathPara>
+                </a14:m>
+                <a:endParaRPr lang="fr-FR" sz="1100" i="1" dirty="0"/>
+              </a:p>
+            </p:txBody>
+          </p:sp>
+        </mc:Choice>
+        <mc:Fallback>
+          <p:sp>
+            <p:nvSpPr>
+              <p:cNvPr id="62" name="ZoneTexte 61"/>
+              <p:cNvSpPr txBox="1">
+                <a:spLocks noRot="1" noChangeAspect="1" noMove="1" noResize="1" noEditPoints="1" noAdjustHandles="1" noChangeArrowheads="1" noChangeShapeType="1" noTextEdit="1"/>
+              </p:cNvSpPr>
+              <p:nvPr/>
+            </p:nvSpPr>
+            <p:spPr>
+              <a:xfrm>
+                <a:off x="1038148" y="1685723"/>
+                <a:ext cx="438197" cy="261610"/>
+              </a:xfrm>
+              <a:prstGeom prst="rect">
+                <a:avLst/>
+              </a:prstGeom>
+              <a:blipFill rotWithShape="1">
+                <a:blip r:embed="rId3"/>
+                <a:stretch>
+                  <a:fillRect/>
+                </a:stretch>
+              </a:blipFill>
+            </p:spPr>
+            <p:txBody>
+              <a:bodyPr/>
+              <a:lstStyle/>
+              <a:p>
+                <a:r>
+                  <a:rPr lang="fr-FR">
+                    <a:noFill/>
+                  </a:rPr>
+                  <a:t> </a:t>
+                </a:r>
+              </a:p>
+            </p:txBody>
+          </p:sp>
+        </mc:Fallback>
+      </mc:AlternateContent>
+      <mc:AlternateContent xmlns:mc="http://schemas.openxmlformats.org/markup-compatibility/2006">
+        <mc:Choice xmlns:a14="http://schemas.microsoft.com/office/drawing/2010/main" Requires="a14">
+          <p:sp>
+            <p:nvSpPr>
+              <p:cNvPr id="63" name="ZoneTexte 62"/>
+              <p:cNvSpPr txBox="1"/>
+              <p:nvPr/>
+            </p:nvSpPr>
+            <p:spPr>
+              <a:xfrm>
+                <a:off x="2342841" y="1843679"/>
+                <a:ext cx="434926" cy="277768"/>
+              </a:xfrm>
+              <a:prstGeom prst="rect">
+                <a:avLst/>
+              </a:prstGeom>
+              <a:noFill/>
+            </p:spPr>
+            <p:txBody>
+              <a:bodyPr wrap="none" rtlCol="0">
+                <a:spAutoFit/>
+              </a:bodyPr>
+              <a:lstStyle/>
+              <a:p>
+                <a14:m>
+                  <m:oMathPara xmlns:m="http://schemas.openxmlformats.org/officeDocument/2006/math">
+                    <m:oMathParaPr>
+                      <m:jc m:val="centerGroup"/>
+                    </m:oMathParaPr>
+                    <m:oMath xmlns:m="http://schemas.openxmlformats.org/officeDocument/2006/math">
+                      <m:sSubSup>
+                        <m:sSubSupPr>
+                          <m:ctrlPr>
+                            <a:rPr lang="fr-FR" sz="1100" b="0" i="1" smtClean="0">
+                              <a:latin typeface="Cambria Math"/>
+                            </a:rPr>
+                          </m:ctrlPr>
+                        </m:sSubSupPr>
+                        <m:e>
+                          <m:r>
+                            <a:rPr lang="fr-FR" sz="1100" b="0" i="1" smtClean="0">
+                              <a:latin typeface="Cambria Math"/>
+                            </a:rPr>
+                            <m:t>𝐿</m:t>
+                          </m:r>
+                        </m:e>
+                        <m:sub>
+                          <m:r>
+                            <a:rPr lang="fr-FR" sz="1100" b="0" i="1" smtClean="0">
+                              <a:latin typeface="Cambria Math"/>
+                            </a:rPr>
+                            <m:t>1</m:t>
+                          </m:r>
+                          <m:r>
+                            <a:rPr lang="fr-FR" sz="1100" b="0" i="1" smtClean="0">
+                              <a:latin typeface="Cambria Math"/>
+                            </a:rPr>
+                            <m:t>𝑁</m:t>
+                          </m:r>
+                        </m:sub>
+                        <m:sup>
+                          <m:r>
+                            <a:rPr lang="fr-FR" sz="1100" b="0" i="1" smtClean="0">
+                              <a:latin typeface="Cambria Math"/>
+                            </a:rPr>
+                            <m:t>𝑒𝑞</m:t>
+                          </m:r>
+                        </m:sup>
+                      </m:sSubSup>
+                    </m:oMath>
+                  </m:oMathPara>
+                </a14:m>
+                <a:endParaRPr lang="fr-FR" sz="1100" i="1" dirty="0"/>
+              </a:p>
+            </p:txBody>
+          </p:sp>
+        </mc:Choice>
+        <mc:Fallback>
+          <p:sp>
+            <p:nvSpPr>
+              <p:cNvPr id="63" name="ZoneTexte 62"/>
+              <p:cNvSpPr txBox="1">
+                <a:spLocks noRot="1" noChangeAspect="1" noMove="1" noResize="1" noEditPoints="1" noAdjustHandles="1" noChangeArrowheads="1" noChangeShapeType="1" noTextEdit="1"/>
+              </p:cNvSpPr>
+              <p:nvPr/>
+            </p:nvSpPr>
+            <p:spPr>
+              <a:xfrm>
+                <a:off x="2342841" y="1843679"/>
+                <a:ext cx="434926" cy="277768"/>
+              </a:xfrm>
+              <a:prstGeom prst="rect">
+                <a:avLst/>
+              </a:prstGeom>
+              <a:blipFill rotWithShape="1">
+                <a:blip r:embed="rId4"/>
+                <a:stretch>
+                  <a:fillRect/>
+                </a:stretch>
+              </a:blipFill>
+            </p:spPr>
+            <p:txBody>
+              <a:bodyPr/>
+              <a:lstStyle/>
+              <a:p>
+                <a:r>
+                  <a:rPr lang="fr-FR">
+                    <a:noFill/>
+                  </a:rPr>
+                  <a:t> </a:t>
+                </a:r>
+              </a:p>
+            </p:txBody>
+          </p:sp>
+        </mc:Fallback>
+      </mc:AlternateContent>
     </p:spTree>
     <p:extLst>
       <p:ext uri="{BB962C8B-B14F-4D97-AF65-F5344CB8AC3E}">
@@ -4697,293 +4921,29 @@
           <a:chExt cx="0" cy="0"/>
         </a:xfrm>
       </p:grpSpPr>
-      <p:cxnSp>
-        <p:nvCxnSpPr>
-          <p:cNvPr id="34" name="Connecteur droit 33"/>
-          <p:cNvCxnSpPr>
-            <a:stCxn id="39" idx="4"/>
-            <a:endCxn id="35" idx="0"/>
-          </p:cNvCxnSpPr>
-          <p:nvPr/>
-        </p:nvCxnSpPr>
-        <p:spPr>
-          <a:xfrm flipH="1">
-            <a:off x="1157331" y="2482038"/>
-            <a:ext cx="398" cy="84290"/>
-          </a:xfrm>
-          <a:prstGeom prst="line">
-            <a:avLst/>
-          </a:prstGeom>
-          <a:noFill/>
-          <a:ln w="12700">
-            <a:solidFill>
-              <a:schemeClr val="accent5">
-                <a:lumMod val="50000"/>
-              </a:schemeClr>
-            </a:solidFill>
-          </a:ln>
-        </p:spPr>
-        <p:style>
-          <a:lnRef idx="2">
-            <a:schemeClr val="accent1">
-              <a:shade val="50000"/>
-            </a:schemeClr>
-          </a:lnRef>
-          <a:fillRef idx="1">
-            <a:schemeClr val="accent1"/>
-          </a:fillRef>
-          <a:effectRef idx="0">
-            <a:schemeClr val="accent1"/>
-          </a:effectRef>
-          <a:fontRef idx="minor">
-            <a:schemeClr val="lt1"/>
-          </a:fontRef>
-        </p:style>
-      </p:cxnSp>
-      <p:sp>
-        <p:nvSpPr>
-          <p:cNvPr id="35" name="Rectangle 34"/>
-          <p:cNvSpPr/>
-          <p:nvPr/>
-        </p:nvSpPr>
-        <p:spPr>
-          <a:xfrm>
-            <a:off x="1013846" y="2566328"/>
-            <a:ext cx="286969" cy="149609"/>
-          </a:xfrm>
-          <a:prstGeom prst="rect">
-            <a:avLst/>
-          </a:prstGeom>
-          <a:solidFill>
-            <a:schemeClr val="accent5">
-              <a:lumMod val="20000"/>
-              <a:lumOff val="80000"/>
-            </a:schemeClr>
-          </a:solidFill>
-          <a:ln>
-            <a:noFill/>
-          </a:ln>
-        </p:spPr>
-        <p:style>
-          <a:lnRef idx="2">
-            <a:schemeClr val="accent1">
-              <a:shade val="50000"/>
-            </a:schemeClr>
-          </a:lnRef>
-          <a:fillRef idx="1">
-            <a:schemeClr val="accent1"/>
-          </a:fillRef>
-          <a:effectRef idx="0">
-            <a:schemeClr val="accent1"/>
-          </a:effectRef>
-          <a:fontRef idx="minor">
-            <a:schemeClr val="lt1"/>
-          </a:fontRef>
-        </p:style>
-        <p:txBody>
-          <a:bodyPr rtlCol="0" anchor="ctr"/>
-          <a:lstStyle/>
-          <a:p>
-            <a:pPr algn="ctr"/>
-            <a:endParaRPr lang="fr-FR" b="1"/>
-          </a:p>
-        </p:txBody>
-      </p:sp>
-      <p:cxnSp>
-        <p:nvCxnSpPr>
-          <p:cNvPr id="36" name="Connecteur droit 35"/>
-          <p:cNvCxnSpPr/>
-          <p:nvPr/>
-        </p:nvCxnSpPr>
-        <p:spPr>
-          <a:xfrm flipH="1">
-            <a:off x="1013847" y="2566328"/>
-            <a:ext cx="286969" cy="0"/>
-          </a:xfrm>
-          <a:prstGeom prst="line">
-            <a:avLst/>
-          </a:prstGeom>
-          <a:noFill/>
-          <a:ln w="12700">
-            <a:solidFill>
-              <a:schemeClr val="accent5">
-                <a:lumMod val="50000"/>
-              </a:schemeClr>
-            </a:solidFill>
-          </a:ln>
-        </p:spPr>
-        <p:style>
-          <a:lnRef idx="2">
-            <a:schemeClr val="accent1">
-              <a:shade val="50000"/>
-            </a:schemeClr>
-          </a:lnRef>
-          <a:fillRef idx="1">
-            <a:schemeClr val="accent1"/>
-          </a:fillRef>
-          <a:effectRef idx="0">
-            <a:schemeClr val="accent1"/>
-          </a:effectRef>
-          <a:fontRef idx="minor">
-            <a:schemeClr val="lt1"/>
-          </a:fontRef>
-        </p:style>
-      </p:cxnSp>
-      <p:cxnSp>
-        <p:nvCxnSpPr>
-          <p:cNvPr id="37" name="Connecteur droit 36"/>
-          <p:cNvCxnSpPr>
-            <a:stCxn id="39" idx="6"/>
-            <a:endCxn id="40" idx="2"/>
-          </p:cNvCxnSpPr>
-          <p:nvPr/>
-        </p:nvCxnSpPr>
-        <p:spPr>
-          <a:xfrm>
-            <a:off x="1277309" y="2362458"/>
-            <a:ext cx="486378" cy="0"/>
-          </a:xfrm>
-          <a:prstGeom prst="line">
-            <a:avLst/>
-          </a:prstGeom>
-          <a:noFill/>
-          <a:ln w="12700">
-            <a:solidFill>
-              <a:schemeClr val="accent5">
-                <a:lumMod val="50000"/>
-              </a:schemeClr>
-            </a:solidFill>
-          </a:ln>
-        </p:spPr>
-        <p:style>
-          <a:lnRef idx="2">
-            <a:schemeClr val="accent1">
-              <a:shade val="50000"/>
-            </a:schemeClr>
-          </a:lnRef>
-          <a:fillRef idx="1">
-            <a:schemeClr val="accent1"/>
-          </a:fillRef>
-          <a:effectRef idx="0">
-            <a:schemeClr val="accent1"/>
-          </a:effectRef>
-          <a:fontRef idx="minor">
-            <a:schemeClr val="lt1"/>
-          </a:fontRef>
-        </p:style>
-      </p:cxnSp>
-      <p:cxnSp>
-        <p:nvCxnSpPr>
-          <p:cNvPr id="38" name="Connecteur droit 37"/>
-          <p:cNvCxnSpPr>
-            <a:stCxn id="39" idx="0"/>
-            <a:endCxn id="40" idx="0"/>
-          </p:cNvCxnSpPr>
-          <p:nvPr/>
-        </p:nvCxnSpPr>
-        <p:spPr>
-          <a:xfrm rot="5400000" flipH="1" flipV="1">
-            <a:off x="1520498" y="1880108"/>
-            <a:ext cx="12700" cy="725539"/>
-          </a:xfrm>
-          <a:prstGeom prst="curvedConnector3">
-            <a:avLst>
-              <a:gd name="adj1" fmla="val 1559984"/>
-            </a:avLst>
-          </a:prstGeom>
-          <a:noFill/>
-          <a:ln w="12700">
-            <a:solidFill>
-              <a:schemeClr val="accent5">
-                <a:lumMod val="50000"/>
-              </a:schemeClr>
-            </a:solidFill>
-            <a:prstDash val="solid"/>
-          </a:ln>
-        </p:spPr>
-        <p:style>
-          <a:lnRef idx="2">
-            <a:schemeClr val="accent1">
-              <a:shade val="50000"/>
-            </a:schemeClr>
-          </a:lnRef>
-          <a:fillRef idx="1">
-            <a:schemeClr val="accent1"/>
-          </a:fillRef>
-          <a:effectRef idx="0">
-            <a:schemeClr val="accent1"/>
-          </a:effectRef>
-          <a:fontRef idx="minor">
-            <a:schemeClr val="lt1"/>
-          </a:fontRef>
-        </p:style>
-      </p:cxnSp>
       <p:grpSp>
         <p:nvGrpSpPr>
-          <p:cNvPr id="45" name="Groupe 44"/>
+          <p:cNvPr id="14" name="Groupe 13"/>
           <p:cNvGrpSpPr/>
           <p:nvPr/>
         </p:nvGrpSpPr>
         <p:grpSpPr>
-          <a:xfrm>
-            <a:off x="3867586" y="1675686"/>
-            <a:ext cx="614864" cy="1040251"/>
-            <a:chOff x="2036098" y="1305170"/>
-            <a:chExt cx="614864" cy="1040251"/>
+          <a:xfrm rot="5400000">
+            <a:off x="659072" y="2287654"/>
+            <a:ext cx="286970" cy="149609"/>
+            <a:chOff x="1013846" y="2566328"/>
+            <a:chExt cx="286970" cy="149609"/>
           </a:xfrm>
         </p:grpSpPr>
-        <p:cxnSp>
-          <p:nvCxnSpPr>
-            <p:cNvPr id="46" name="Connecteur droit 45"/>
-            <p:cNvCxnSpPr>
-              <a:stCxn id="51" idx="4"/>
-              <a:endCxn id="47" idx="0"/>
-            </p:cNvCxnSpPr>
-            <p:nvPr/>
-          </p:nvCxnSpPr>
-          <p:spPr>
-            <a:xfrm flipH="1">
-              <a:off x="2179583" y="2111522"/>
-              <a:ext cx="398" cy="84290"/>
-            </a:xfrm>
-            <a:prstGeom prst="line">
-              <a:avLst/>
-            </a:prstGeom>
-            <a:noFill/>
-            <a:ln w="12700">
-              <a:solidFill>
-                <a:schemeClr val="accent5">
-                  <a:lumMod val="50000"/>
-                </a:schemeClr>
-              </a:solidFill>
-            </a:ln>
-          </p:spPr>
-          <p:style>
-            <a:lnRef idx="2">
-              <a:schemeClr val="accent1">
-                <a:shade val="50000"/>
-              </a:schemeClr>
-            </a:lnRef>
-            <a:fillRef idx="1">
-              <a:schemeClr val="accent1"/>
-            </a:fillRef>
-            <a:effectRef idx="0">
-              <a:schemeClr val="accent1"/>
-            </a:effectRef>
-            <a:fontRef idx="minor">
-              <a:schemeClr val="lt1"/>
-            </a:fontRef>
-          </p:style>
-        </p:cxnSp>
         <p:sp>
           <p:nvSpPr>
-            <p:cNvPr id="47" name="Rectangle 46"/>
+            <p:cNvPr id="35" name="Rectangle 34"/>
             <p:cNvSpPr/>
             <p:nvPr/>
           </p:nvSpPr>
           <p:spPr>
             <a:xfrm>
-              <a:off x="2036098" y="2195812"/>
+              <a:off x="1013846" y="2566328"/>
               <a:ext cx="286969" cy="149609"/>
             </a:xfrm>
             <a:prstGeom prst="rect">
@@ -5026,13 +4986,13 @@
         </p:sp>
         <p:cxnSp>
           <p:nvCxnSpPr>
-            <p:cNvPr id="48" name="Connecteur droit 47"/>
+            <p:cNvPr id="36" name="Connecteur droit 35"/>
             <p:cNvCxnSpPr/>
             <p:nvPr/>
           </p:nvCxnSpPr>
           <p:spPr>
             <a:xfrm flipH="1">
-              <a:off x="2036099" y="2195812"/>
+              <a:off x="1013847" y="2566328"/>
               <a:ext cx="286969" cy="0"/>
             </a:xfrm>
             <a:prstGeom prst="line">
@@ -5064,207 +5024,96 @@
             </a:fontRef>
           </p:style>
         </p:cxnSp>
-        <p:cxnSp>
-          <p:nvCxnSpPr>
-            <p:cNvPr id="49" name="Connecteur droit 48"/>
-            <p:cNvCxnSpPr>
-              <a:endCxn id="53" idx="3"/>
-            </p:cNvCxnSpPr>
-            <p:nvPr/>
-          </p:nvCxnSpPr>
-          <p:spPr>
-            <a:xfrm flipV="1">
-              <a:off x="2179981" y="1509307"/>
-              <a:ext cx="266844" cy="482634"/>
-            </a:xfrm>
-            <a:prstGeom prst="line">
-              <a:avLst/>
-            </a:prstGeom>
-            <a:noFill/>
-            <a:ln w="12700">
-              <a:solidFill>
-                <a:schemeClr val="accent5">
-                  <a:lumMod val="50000"/>
-                </a:schemeClr>
-              </a:solidFill>
-            </a:ln>
-          </p:spPr>
-          <p:style>
-            <a:lnRef idx="2">
-              <a:schemeClr val="accent1">
-                <a:shade val="50000"/>
-              </a:schemeClr>
-            </a:lnRef>
-            <a:fillRef idx="1">
-              <a:schemeClr val="accent1"/>
-            </a:fillRef>
-            <a:effectRef idx="0">
-              <a:schemeClr val="accent1"/>
-            </a:effectRef>
-            <a:fontRef idx="minor">
-              <a:schemeClr val="lt1"/>
-            </a:fontRef>
-          </p:style>
-        </p:cxnSp>
-        <p:sp>
-          <p:nvSpPr>
-            <p:cNvPr id="51" name="Ellipse 50"/>
-            <p:cNvSpPr/>
-            <p:nvPr/>
-          </p:nvSpPr>
-          <p:spPr>
-            <a:xfrm>
-              <a:off x="2060400" y="1872361"/>
-              <a:ext cx="239161" cy="239161"/>
-            </a:xfrm>
-            <a:prstGeom prst="ellipse">
-              <a:avLst/>
-            </a:prstGeom>
-            <a:solidFill>
-              <a:schemeClr val="bg1"/>
-            </a:solidFill>
-            <a:ln w="12700">
-              <a:solidFill>
-                <a:schemeClr val="accent5">
-                  <a:lumMod val="50000"/>
-                </a:schemeClr>
-              </a:solidFill>
-            </a:ln>
-          </p:spPr>
-          <p:style>
-            <a:lnRef idx="2">
-              <a:schemeClr val="accent1">
-                <a:shade val="50000"/>
-              </a:schemeClr>
-            </a:lnRef>
-            <a:fillRef idx="1">
-              <a:schemeClr val="accent1"/>
-            </a:fillRef>
-            <a:effectRef idx="0">
-              <a:schemeClr val="accent1"/>
-            </a:effectRef>
-            <a:fontRef idx="minor">
-              <a:schemeClr val="lt1"/>
-            </a:fontRef>
-          </p:style>
-          <p:txBody>
-            <a:bodyPr lIns="0" tIns="0" rIns="0" bIns="0" rtlCol="0" anchor="ctr"/>
-            <a:lstStyle/>
-            <a:p>
-              <a:pPr algn="ctr"/>
-              <a:r>
-                <a:rPr lang="fr-FR" sz="1200" b="1" dirty="0" smtClean="0">
-                  <a:solidFill>
-                    <a:schemeClr val="tx1"/>
-                  </a:solidFill>
-                </a:rPr>
-                <a:t>1</a:t>
-              </a:r>
-              <a:endParaRPr lang="fr-FR" sz="1200" b="1" dirty="0">
-                <a:solidFill>
-                  <a:schemeClr val="tx1"/>
-                </a:solidFill>
-              </a:endParaRPr>
-            </a:p>
-          </p:txBody>
-        </p:sp>
-        <p:sp>
-          <p:nvSpPr>
-            <p:cNvPr id="53" name="Ellipse 52"/>
-            <p:cNvSpPr/>
-            <p:nvPr/>
-          </p:nvSpPr>
-          <p:spPr>
-            <a:xfrm>
-              <a:off x="2411801" y="1305170"/>
-              <a:ext cx="239161" cy="239161"/>
-            </a:xfrm>
-            <a:prstGeom prst="ellipse">
-              <a:avLst/>
-            </a:prstGeom>
-            <a:solidFill>
-              <a:schemeClr val="bg1"/>
-            </a:solidFill>
-            <a:ln w="12700">
-              <a:solidFill>
-                <a:schemeClr val="accent5">
-                  <a:lumMod val="50000"/>
-                </a:schemeClr>
-              </a:solidFill>
-            </a:ln>
-          </p:spPr>
-          <p:style>
-            <a:lnRef idx="2">
-              <a:schemeClr val="accent1">
-                <a:shade val="50000"/>
-              </a:schemeClr>
-            </a:lnRef>
-            <a:fillRef idx="1">
-              <a:schemeClr val="accent1"/>
-            </a:fillRef>
-            <a:effectRef idx="0">
-              <a:schemeClr val="accent1"/>
-            </a:effectRef>
-            <a:fontRef idx="minor">
-              <a:schemeClr val="lt1"/>
-            </a:fontRef>
-          </p:style>
-          <p:txBody>
-            <a:bodyPr lIns="0" tIns="0" rIns="0" bIns="0" rtlCol="0" anchor="ctr"/>
-            <a:lstStyle/>
-            <a:p>
-              <a:pPr algn="ctr"/>
-              <a:r>
-                <a:rPr lang="fr-FR" sz="1200" b="1" dirty="0" smtClean="0">
-                  <a:solidFill>
-                    <a:schemeClr val="tx1"/>
-                  </a:solidFill>
-                </a:rPr>
-                <a:t>N</a:t>
-              </a:r>
-              <a:endParaRPr lang="fr-FR" sz="1200" b="1" dirty="0">
-                <a:solidFill>
-                  <a:schemeClr val="tx1"/>
-                </a:solidFill>
-              </a:endParaRPr>
-            </a:p>
-          </p:txBody>
-        </p:sp>
       </p:grpSp>
-      <p:sp>
-        <p:nvSpPr>
-          <p:cNvPr id="58" name="ZoneTexte 57"/>
-          <p:cNvSpPr txBox="1"/>
+      <p:cxnSp>
+        <p:nvCxnSpPr>
+          <p:cNvPr id="37" name="Connecteur droit 36"/>
+          <p:cNvCxnSpPr>
+            <a:stCxn id="39" idx="6"/>
+            <a:endCxn id="40" idx="2"/>
+          </p:cNvCxnSpPr>
           <p:nvPr/>
-        </p:nvSpPr>
+        </p:nvCxnSpPr>
         <p:spPr>
           <a:xfrm>
-            <a:off x="4143804" y="1982640"/>
-            <a:ext cx="356188" cy="276999"/>
-          </a:xfrm>
-          <a:prstGeom prst="rect">
+            <a:off x="1277309" y="2362458"/>
+            <a:ext cx="486378" cy="0"/>
+          </a:xfrm>
+          <a:prstGeom prst="line">
             <a:avLst/>
           </a:prstGeom>
           <a:noFill/>
-        </p:spPr>
-        <p:txBody>
-          <a:bodyPr wrap="none" rtlCol="0">
-            <a:spAutoFit/>
-          </a:bodyPr>
-          <a:lstStyle/>
-          <a:p>
-            <a:r>
-              <a:rPr lang="fr-FR" sz="1200" b="1" dirty="0" err="1" smtClean="0"/>
-              <a:t>L</a:t>
-            </a:r>
-            <a:r>
-              <a:rPr lang="fr-FR" sz="1200" b="1" baseline="-25000" dirty="0" err="1" smtClean="0"/>
-              <a:t>eq</a:t>
-            </a:r>
-            <a:endParaRPr lang="fr-FR" sz="1200" b="1" baseline="-25000" dirty="0"/>
-          </a:p>
-        </p:txBody>
-      </p:sp>
+          <a:ln w="12700">
+            <a:solidFill>
+              <a:schemeClr val="accent5">
+                <a:lumMod val="50000"/>
+              </a:schemeClr>
+            </a:solidFill>
+          </a:ln>
+        </p:spPr>
+        <p:style>
+          <a:lnRef idx="2">
+            <a:schemeClr val="accent1">
+              <a:shade val="50000"/>
+            </a:schemeClr>
+          </a:lnRef>
+          <a:fillRef idx="1">
+            <a:schemeClr val="accent1"/>
+          </a:fillRef>
+          <a:effectRef idx="0">
+            <a:schemeClr val="accent1"/>
+          </a:effectRef>
+          <a:fontRef idx="minor">
+            <a:schemeClr val="lt1"/>
+          </a:fontRef>
+        </p:style>
+      </p:cxnSp>
+      <p:cxnSp>
+        <p:nvCxnSpPr>
+          <p:cNvPr id="38" name="Connecteur droit 37"/>
+          <p:cNvCxnSpPr>
+            <a:stCxn id="39" idx="0"/>
+            <a:endCxn id="40" idx="0"/>
+          </p:cNvCxnSpPr>
+          <p:nvPr/>
+        </p:nvCxnSpPr>
+        <p:spPr>
+          <a:xfrm rot="5400000" flipH="1" flipV="1">
+            <a:off x="1520498" y="1880108"/>
+            <a:ext cx="12700" cy="725539"/>
+          </a:xfrm>
+          <a:prstGeom prst="curvedConnector3">
+            <a:avLst>
+              <a:gd name="adj1" fmla="val 1559984"/>
+            </a:avLst>
+          </a:prstGeom>
+          <a:noFill/>
+          <a:ln w="12700">
+            <a:solidFill>
+              <a:schemeClr val="accent5">
+                <a:lumMod val="50000"/>
+              </a:schemeClr>
+            </a:solidFill>
+            <a:prstDash val="solid"/>
+          </a:ln>
+        </p:spPr>
+        <p:style>
+          <a:lnRef idx="2">
+            <a:schemeClr val="accent1">
+              <a:shade val="50000"/>
+            </a:schemeClr>
+          </a:lnRef>
+          <a:fillRef idx="1">
+            <a:schemeClr val="accent1"/>
+          </a:fillRef>
+          <a:effectRef idx="0">
+            <a:schemeClr val="accent1"/>
+          </a:effectRef>
+          <a:fontRef idx="minor">
+            <a:schemeClr val="lt1"/>
+          </a:fontRef>
+        </p:style>
+      </p:cxnSp>
       <p:sp>
         <p:nvSpPr>
           <p:cNvPr id="19" name="Flèche droite 18"/>
@@ -5273,7 +5122,7 @@
         </p:nvSpPr>
         <p:spPr>
           <a:xfrm>
-            <a:off x="3369305" y="2026682"/>
+            <a:off x="2195736" y="2271611"/>
             <a:ext cx="360040" cy="189531"/>
           </a:xfrm>
           <a:prstGeom prst="rightArrow">
@@ -5815,6 +5664,473 @@
           </p:sp>
         </mc:Fallback>
       </mc:AlternateContent>
+      <p:cxnSp>
+        <p:nvCxnSpPr>
+          <p:cNvPr id="52" name="Connecteur droit 51"/>
+          <p:cNvCxnSpPr>
+            <a:stCxn id="39" idx="2"/>
+            <a:endCxn id="35" idx="0"/>
+          </p:cNvCxnSpPr>
+          <p:nvPr/>
+        </p:nvCxnSpPr>
+        <p:spPr>
+          <a:xfrm flipH="1">
+            <a:off x="877362" y="2362458"/>
+            <a:ext cx="160786" cy="1"/>
+          </a:xfrm>
+          <a:prstGeom prst="line">
+            <a:avLst/>
+          </a:prstGeom>
+          <a:noFill/>
+          <a:ln w="12700">
+            <a:solidFill>
+              <a:schemeClr val="accent5">
+                <a:lumMod val="50000"/>
+              </a:schemeClr>
+            </a:solidFill>
+          </a:ln>
+        </p:spPr>
+        <p:style>
+          <a:lnRef idx="2">
+            <a:schemeClr val="accent1">
+              <a:shade val="50000"/>
+            </a:schemeClr>
+          </a:lnRef>
+          <a:fillRef idx="1">
+            <a:schemeClr val="accent1"/>
+          </a:fillRef>
+          <a:effectRef idx="0">
+            <a:schemeClr val="accent1"/>
+          </a:effectRef>
+          <a:fontRef idx="minor">
+            <a:schemeClr val="lt1"/>
+          </a:fontRef>
+        </p:style>
+      </p:cxnSp>
+      <p:grpSp>
+        <p:nvGrpSpPr>
+          <p:cNvPr id="54" name="Groupe 53"/>
+          <p:cNvGrpSpPr/>
+          <p:nvPr/>
+        </p:nvGrpSpPr>
+        <p:grpSpPr>
+          <a:xfrm rot="5400000">
+            <a:off x="2561574" y="2287654"/>
+            <a:ext cx="286970" cy="149609"/>
+            <a:chOff x="1013846" y="2566328"/>
+            <a:chExt cx="286970" cy="149609"/>
+          </a:xfrm>
+        </p:grpSpPr>
+        <p:sp>
+          <p:nvSpPr>
+            <p:cNvPr id="55" name="Rectangle 54"/>
+            <p:cNvSpPr/>
+            <p:nvPr/>
+          </p:nvSpPr>
+          <p:spPr>
+            <a:xfrm>
+              <a:off x="1013846" y="2566328"/>
+              <a:ext cx="286969" cy="149609"/>
+            </a:xfrm>
+            <a:prstGeom prst="rect">
+              <a:avLst/>
+            </a:prstGeom>
+            <a:solidFill>
+              <a:schemeClr val="accent5">
+                <a:lumMod val="20000"/>
+                <a:lumOff val="80000"/>
+              </a:schemeClr>
+            </a:solidFill>
+            <a:ln>
+              <a:noFill/>
+            </a:ln>
+          </p:spPr>
+          <p:style>
+            <a:lnRef idx="2">
+              <a:schemeClr val="accent1">
+                <a:shade val="50000"/>
+              </a:schemeClr>
+            </a:lnRef>
+            <a:fillRef idx="1">
+              <a:schemeClr val="accent1"/>
+            </a:fillRef>
+            <a:effectRef idx="0">
+              <a:schemeClr val="accent1"/>
+            </a:effectRef>
+            <a:fontRef idx="minor">
+              <a:schemeClr val="lt1"/>
+            </a:fontRef>
+          </p:style>
+          <p:txBody>
+            <a:bodyPr rtlCol="0" anchor="ctr"/>
+            <a:lstStyle/>
+            <a:p>
+              <a:pPr algn="ctr"/>
+              <a:endParaRPr lang="fr-FR" b="1"/>
+            </a:p>
+          </p:txBody>
+        </p:sp>
+        <p:cxnSp>
+          <p:nvCxnSpPr>
+            <p:cNvPr id="56" name="Connecteur droit 55"/>
+            <p:cNvCxnSpPr/>
+            <p:nvPr/>
+          </p:nvCxnSpPr>
+          <p:spPr>
+            <a:xfrm flipH="1">
+              <a:off x="1013847" y="2566328"/>
+              <a:ext cx="286969" cy="0"/>
+            </a:xfrm>
+            <a:prstGeom prst="line">
+              <a:avLst/>
+            </a:prstGeom>
+            <a:noFill/>
+            <a:ln w="12700">
+              <a:solidFill>
+                <a:schemeClr val="accent5">
+                  <a:lumMod val="50000"/>
+                </a:schemeClr>
+              </a:solidFill>
+            </a:ln>
+          </p:spPr>
+          <p:style>
+            <a:lnRef idx="2">
+              <a:schemeClr val="accent1">
+                <a:shade val="50000"/>
+              </a:schemeClr>
+            </a:lnRef>
+            <a:fillRef idx="1">
+              <a:schemeClr val="accent1"/>
+            </a:fillRef>
+            <a:effectRef idx="0">
+              <a:schemeClr val="accent1"/>
+            </a:effectRef>
+            <a:fontRef idx="minor">
+              <a:schemeClr val="lt1"/>
+            </a:fontRef>
+          </p:style>
+        </p:cxnSp>
+      </p:grpSp>
+      <p:cxnSp>
+        <p:nvCxnSpPr>
+          <p:cNvPr id="57" name="Connecteur droit 56"/>
+          <p:cNvCxnSpPr>
+            <a:stCxn id="61" idx="6"/>
+            <a:endCxn id="62" idx="2"/>
+          </p:cNvCxnSpPr>
+          <p:nvPr/>
+        </p:nvCxnSpPr>
+        <p:spPr>
+          <a:xfrm>
+            <a:off x="3179811" y="2362458"/>
+            <a:ext cx="486378" cy="0"/>
+          </a:xfrm>
+          <a:prstGeom prst="line">
+            <a:avLst/>
+          </a:prstGeom>
+          <a:noFill/>
+          <a:ln w="12700">
+            <a:solidFill>
+              <a:schemeClr val="accent5">
+                <a:lumMod val="50000"/>
+              </a:schemeClr>
+            </a:solidFill>
+          </a:ln>
+        </p:spPr>
+        <p:style>
+          <a:lnRef idx="2">
+            <a:schemeClr val="accent1">
+              <a:shade val="50000"/>
+            </a:schemeClr>
+          </a:lnRef>
+          <a:fillRef idx="1">
+            <a:schemeClr val="accent1"/>
+          </a:fillRef>
+          <a:effectRef idx="0">
+            <a:schemeClr val="accent1"/>
+          </a:effectRef>
+          <a:fontRef idx="minor">
+            <a:schemeClr val="lt1"/>
+          </a:fontRef>
+        </p:style>
+      </p:cxnSp>
+      <p:sp>
+        <p:nvSpPr>
+          <p:cNvPr id="61" name="Ellipse 60"/>
+          <p:cNvSpPr/>
+          <p:nvPr/>
+        </p:nvSpPr>
+        <p:spPr>
+          <a:xfrm>
+            <a:off x="2940650" y="2242877"/>
+            <a:ext cx="239161" cy="239161"/>
+          </a:xfrm>
+          <a:prstGeom prst="ellipse">
+            <a:avLst/>
+          </a:prstGeom>
+          <a:solidFill>
+            <a:schemeClr val="bg1"/>
+          </a:solidFill>
+          <a:ln w="12700">
+            <a:solidFill>
+              <a:schemeClr val="accent5">
+                <a:lumMod val="50000"/>
+              </a:schemeClr>
+            </a:solidFill>
+          </a:ln>
+        </p:spPr>
+        <p:style>
+          <a:lnRef idx="2">
+            <a:schemeClr val="accent1">
+              <a:shade val="50000"/>
+            </a:schemeClr>
+          </a:lnRef>
+          <a:fillRef idx="1">
+            <a:schemeClr val="accent1"/>
+          </a:fillRef>
+          <a:effectRef idx="0">
+            <a:schemeClr val="accent1"/>
+          </a:effectRef>
+          <a:fontRef idx="minor">
+            <a:schemeClr val="lt1"/>
+          </a:fontRef>
+        </p:style>
+        <p:txBody>
+          <a:bodyPr lIns="0" tIns="0" rIns="0" bIns="0" rtlCol="0" anchor="ctr"/>
+          <a:lstStyle/>
+          <a:p>
+            <a:pPr algn="ctr"/>
+            <a:r>
+              <a:rPr lang="fr-FR" sz="1200" b="1" dirty="0" smtClean="0">
+                <a:solidFill>
+                  <a:schemeClr val="tx1"/>
+                </a:solidFill>
+              </a:rPr>
+              <a:t>1</a:t>
+            </a:r>
+            <a:endParaRPr lang="fr-FR" sz="1200" b="1" dirty="0">
+              <a:solidFill>
+                <a:schemeClr val="tx1"/>
+              </a:solidFill>
+            </a:endParaRPr>
+          </a:p>
+        </p:txBody>
+      </p:sp>
+      <p:sp>
+        <p:nvSpPr>
+          <p:cNvPr id="62" name="Ellipse 61"/>
+          <p:cNvSpPr/>
+          <p:nvPr/>
+        </p:nvSpPr>
+        <p:spPr>
+          <a:xfrm>
+            <a:off x="3666189" y="2242877"/>
+            <a:ext cx="239161" cy="239161"/>
+          </a:xfrm>
+          <a:prstGeom prst="ellipse">
+            <a:avLst/>
+          </a:prstGeom>
+          <a:solidFill>
+            <a:schemeClr val="bg1"/>
+          </a:solidFill>
+          <a:ln w="12700">
+            <a:solidFill>
+              <a:schemeClr val="accent5">
+                <a:lumMod val="50000"/>
+              </a:schemeClr>
+            </a:solidFill>
+          </a:ln>
+        </p:spPr>
+        <p:style>
+          <a:lnRef idx="2">
+            <a:schemeClr val="accent1">
+              <a:shade val="50000"/>
+            </a:schemeClr>
+          </a:lnRef>
+          <a:fillRef idx="1">
+            <a:schemeClr val="accent1"/>
+          </a:fillRef>
+          <a:effectRef idx="0">
+            <a:schemeClr val="accent1"/>
+          </a:effectRef>
+          <a:fontRef idx="minor">
+            <a:schemeClr val="lt1"/>
+          </a:fontRef>
+        </p:style>
+        <p:txBody>
+          <a:bodyPr lIns="0" tIns="0" rIns="0" bIns="0" rtlCol="0" anchor="ctr"/>
+          <a:lstStyle/>
+          <a:p>
+            <a:pPr algn="ctr"/>
+            <a:r>
+              <a:rPr lang="fr-FR" sz="1200" b="1" dirty="0" smtClean="0">
+                <a:solidFill>
+                  <a:schemeClr val="tx1"/>
+                </a:solidFill>
+              </a:rPr>
+              <a:t>2</a:t>
+            </a:r>
+            <a:endParaRPr lang="fr-FR" sz="1200" b="1" dirty="0">
+              <a:solidFill>
+                <a:schemeClr val="tx1"/>
+              </a:solidFill>
+            </a:endParaRPr>
+          </a:p>
+        </p:txBody>
+      </p:sp>
+      <mc:AlternateContent xmlns:mc="http://schemas.openxmlformats.org/markup-compatibility/2006">
+        <mc:Choice xmlns:a14="http://schemas.microsoft.com/office/drawing/2010/main" Requires="a14">
+          <p:sp>
+            <p:nvSpPr>
+              <p:cNvPr id="64" name="ZoneTexte 63"/>
+              <p:cNvSpPr txBox="1"/>
+              <p:nvPr/>
+            </p:nvSpPr>
+            <p:spPr>
+              <a:xfrm>
+                <a:off x="3222723" y="2094390"/>
+                <a:ext cx="413255" cy="277768"/>
+              </a:xfrm>
+              <a:prstGeom prst="rect">
+                <a:avLst/>
+              </a:prstGeom>
+              <a:noFill/>
+            </p:spPr>
+            <p:txBody>
+              <a:bodyPr wrap="none" rtlCol="0">
+                <a:spAutoFit/>
+              </a:bodyPr>
+              <a:lstStyle/>
+              <a:p>
+                <a14:m>
+                  <m:oMathPara xmlns:m="http://schemas.openxmlformats.org/officeDocument/2006/math">
+                    <m:oMathParaPr>
+                      <m:jc m:val="centerGroup"/>
+                    </m:oMathParaPr>
+                    <m:oMath xmlns:m="http://schemas.openxmlformats.org/officeDocument/2006/math">
+                      <m:sSubSup>
+                        <m:sSubSupPr>
+                          <m:ctrlPr>
+                            <a:rPr lang="fr-FR" sz="1100" b="0" i="1" smtClean="0">
+                              <a:latin typeface="Cambria Math"/>
+                            </a:rPr>
+                          </m:ctrlPr>
+                        </m:sSubSupPr>
+                        <m:e>
+                          <m:r>
+                            <a:rPr lang="fr-FR" sz="1100" b="0" i="1" smtClean="0">
+                              <a:latin typeface="Cambria Math"/>
+                            </a:rPr>
+                            <m:t>𝐿</m:t>
+                          </m:r>
+                        </m:e>
+                        <m:sub>
+                          <m:r>
+                            <a:rPr lang="fr-FR" sz="1100" b="0" i="1" smtClean="0">
+                              <a:latin typeface="Cambria Math"/>
+                            </a:rPr>
+                            <m:t>12</m:t>
+                          </m:r>
+                        </m:sub>
+                        <m:sup>
+                          <m:r>
+                            <a:rPr lang="fr-FR" sz="1100" b="0" i="1" smtClean="0">
+                              <a:latin typeface="Cambria Math"/>
+                            </a:rPr>
+                            <m:t>𝑒𝑞</m:t>
+                          </m:r>
+                        </m:sup>
+                      </m:sSubSup>
+                    </m:oMath>
+                  </m:oMathPara>
+                </a14:m>
+                <a:endParaRPr lang="fr-FR" sz="1100" i="1" dirty="0"/>
+              </a:p>
+            </p:txBody>
+          </p:sp>
+        </mc:Choice>
+        <mc:Fallback>
+          <p:sp>
+            <p:nvSpPr>
+              <p:cNvPr id="64" name="ZoneTexte 63"/>
+              <p:cNvSpPr txBox="1">
+                <a:spLocks noRot="1" noChangeAspect="1" noMove="1" noResize="1" noEditPoints="1" noAdjustHandles="1" noChangeArrowheads="1" noChangeShapeType="1" noTextEdit="1"/>
+              </p:cNvSpPr>
+              <p:nvPr/>
+            </p:nvSpPr>
+            <p:spPr>
+              <a:xfrm>
+                <a:off x="3222723" y="2094390"/>
+                <a:ext cx="413255" cy="277768"/>
+              </a:xfrm>
+              <a:prstGeom prst="rect">
+                <a:avLst/>
+              </a:prstGeom>
+              <a:blipFill rotWithShape="1">
+                <a:blip r:embed="rId5"/>
+                <a:stretch>
+                  <a:fillRect/>
+                </a:stretch>
+              </a:blipFill>
+            </p:spPr>
+            <p:txBody>
+              <a:bodyPr/>
+              <a:lstStyle/>
+              <a:p>
+                <a:r>
+                  <a:rPr lang="fr-FR">
+                    <a:noFill/>
+                  </a:rPr>
+                  <a:t> </a:t>
+                </a:r>
+              </a:p>
+            </p:txBody>
+          </p:sp>
+        </mc:Fallback>
+      </mc:AlternateContent>
+      <p:cxnSp>
+        <p:nvCxnSpPr>
+          <p:cNvPr id="66" name="Connecteur droit 65"/>
+          <p:cNvCxnSpPr>
+            <a:stCxn id="61" idx="2"/>
+            <a:endCxn id="55" idx="0"/>
+          </p:cNvCxnSpPr>
+          <p:nvPr/>
+        </p:nvCxnSpPr>
+        <p:spPr>
+          <a:xfrm flipH="1">
+            <a:off x="2779864" y="2362458"/>
+            <a:ext cx="160786" cy="1"/>
+          </a:xfrm>
+          <a:prstGeom prst="line">
+            <a:avLst/>
+          </a:prstGeom>
+          <a:noFill/>
+          <a:ln w="12700">
+            <a:solidFill>
+              <a:schemeClr val="accent5">
+                <a:lumMod val="50000"/>
+              </a:schemeClr>
+            </a:solidFill>
+          </a:ln>
+        </p:spPr>
+        <p:style>
+          <a:lnRef idx="2">
+            <a:schemeClr val="accent1">
+              <a:shade val="50000"/>
+            </a:schemeClr>
+          </a:lnRef>
+          <a:fillRef idx="1">
+            <a:schemeClr val="accent1"/>
+          </a:fillRef>
+          <a:effectRef idx="0">
+            <a:schemeClr val="accent1"/>
+          </a:effectRef>
+          <a:fontRef idx="minor">
+            <a:schemeClr val="lt1"/>
+          </a:fontRef>
+        </p:style>
+      </p:cxnSp>
     </p:spTree>
     <p:extLst>
       <p:ext uri="{BB962C8B-B14F-4D97-AF65-F5344CB8AC3E}">

--- a/Chapitre_01_LiaisonsEquivalentes/Cours/images/Figures.pptx
+++ b/Chapitre_01_LiaisonsEquivalentes/Cours/images/Figures.pptx
@@ -108,6 +108,22 @@
       </a:defRPr>
     </a:lvl9pPr>
   </p:defaultTextStyle>
+  <p:extLst>
+    <p:ext uri="{EFAFB233-063F-42B5-8137-9DF3F51BA10A}">
+      <p15:sldGuideLst xmlns:p15="http://schemas.microsoft.com/office/powerpoint/2012/main">
+        <p15:guide id="1" orient="horz" pos="2160">
+          <p15:clr>
+            <a:srgbClr val="A4A3A4"/>
+          </p15:clr>
+        </p15:guide>
+        <p15:guide id="2" pos="2880">
+          <p15:clr>
+            <a:srgbClr val="A4A3A4"/>
+          </p15:clr>
+        </p15:guide>
+      </p15:sldGuideLst>
+    </p:ext>
+  </p:extLst>
 </p:presentation>
 </file>
 
@@ -149,7 +165,7 @@
           <a:lstStyle/>
           <a:p>
             <a:r>
-              <a:rPr lang="fr-FR" smtClean="0"/>
+              <a:rPr lang="fr-FR"/>
               <a:t>Cliquez pour modifier le style du titre</a:t>
             </a:r>
             <a:endParaRPr lang="fr-BE"/>
@@ -268,7 +284,7 @@
           </a:lstStyle>
           <a:p>
             <a:r>
-              <a:rPr lang="fr-FR" smtClean="0"/>
+              <a:rPr lang="fr-FR"/>
               <a:t>Cliquez pour modifier le style des sous-titres du masque</a:t>
             </a:r>
             <a:endParaRPr lang="fr-BE"/>
@@ -292,7 +308,7 @@
           <a:p>
             <a:fld id="{AA309A6D-C09C-4548-B29A-6CF363A7E532}" type="datetimeFigureOut">
               <a:rPr lang="fr-FR" smtClean="0"/>
-              <a:t>25/01/2018</a:t>
+              <a:t>13/04/2019</a:t>
             </a:fld>
             <a:endParaRPr lang="fr-BE"/>
           </a:p>
@@ -381,7 +397,7 @@
           <a:lstStyle/>
           <a:p>
             <a:r>
-              <a:rPr lang="fr-FR" smtClean="0"/>
+              <a:rPr lang="fr-FR"/>
               <a:t>Cliquez pour modifier le style du titre</a:t>
             </a:r>
             <a:endParaRPr lang="fr-BE"/>
@@ -405,35 +421,35 @@
           <a:p>
             <a:pPr lvl="0"/>
             <a:r>
-              <a:rPr lang="fr-FR" smtClean="0"/>
+              <a:rPr lang="fr-FR"/>
               <a:t>Cliquez pour modifier les styles du texte du masque</a:t>
             </a:r>
           </a:p>
           <a:p>
             <a:pPr lvl="1"/>
             <a:r>
-              <a:rPr lang="fr-FR" smtClean="0"/>
+              <a:rPr lang="fr-FR"/>
               <a:t>Deuxième niveau</a:t>
             </a:r>
           </a:p>
           <a:p>
             <a:pPr lvl="2"/>
             <a:r>
-              <a:rPr lang="fr-FR" smtClean="0"/>
+              <a:rPr lang="fr-FR"/>
               <a:t>Troisième niveau</a:t>
             </a:r>
           </a:p>
           <a:p>
             <a:pPr lvl="3"/>
             <a:r>
-              <a:rPr lang="fr-FR" smtClean="0"/>
+              <a:rPr lang="fr-FR"/>
               <a:t>Quatrième niveau</a:t>
             </a:r>
           </a:p>
           <a:p>
             <a:pPr lvl="4"/>
             <a:r>
-              <a:rPr lang="fr-FR" smtClean="0"/>
+              <a:rPr lang="fr-FR"/>
               <a:t>Cinquième niveau</a:t>
             </a:r>
             <a:endParaRPr lang="fr-BE"/>
@@ -457,7 +473,7 @@
           <a:p>
             <a:fld id="{AA309A6D-C09C-4548-B29A-6CF363A7E532}" type="datetimeFigureOut">
               <a:rPr lang="fr-FR" smtClean="0"/>
-              <a:t>25/01/2018</a:t>
+              <a:t>13/04/2019</a:t>
             </a:fld>
             <a:endParaRPr lang="fr-BE"/>
           </a:p>
@@ -551,7 +567,7 @@
           <a:lstStyle/>
           <a:p>
             <a:r>
-              <a:rPr lang="fr-FR" smtClean="0"/>
+              <a:rPr lang="fr-FR"/>
               <a:t>Cliquez pour modifier le style du titre</a:t>
             </a:r>
             <a:endParaRPr lang="fr-BE"/>
@@ -580,35 +596,35 @@
           <a:p>
             <a:pPr lvl="0"/>
             <a:r>
-              <a:rPr lang="fr-FR" smtClean="0"/>
+              <a:rPr lang="fr-FR"/>
               <a:t>Cliquez pour modifier les styles du texte du masque</a:t>
             </a:r>
           </a:p>
           <a:p>
             <a:pPr lvl="1"/>
             <a:r>
-              <a:rPr lang="fr-FR" smtClean="0"/>
+              <a:rPr lang="fr-FR"/>
               <a:t>Deuxième niveau</a:t>
             </a:r>
           </a:p>
           <a:p>
             <a:pPr lvl="2"/>
             <a:r>
-              <a:rPr lang="fr-FR" smtClean="0"/>
+              <a:rPr lang="fr-FR"/>
               <a:t>Troisième niveau</a:t>
             </a:r>
           </a:p>
           <a:p>
             <a:pPr lvl="3"/>
             <a:r>
-              <a:rPr lang="fr-FR" smtClean="0"/>
+              <a:rPr lang="fr-FR"/>
               <a:t>Quatrième niveau</a:t>
             </a:r>
           </a:p>
           <a:p>
             <a:pPr lvl="4"/>
             <a:r>
-              <a:rPr lang="fr-FR" smtClean="0"/>
+              <a:rPr lang="fr-FR"/>
               <a:t>Cinquième niveau</a:t>
             </a:r>
             <a:endParaRPr lang="fr-BE"/>
@@ -632,7 +648,7 @@
           <a:p>
             <a:fld id="{AA309A6D-C09C-4548-B29A-6CF363A7E532}" type="datetimeFigureOut">
               <a:rPr lang="fr-FR" smtClean="0"/>
-              <a:t>25/01/2018</a:t>
+              <a:t>13/04/2019</a:t>
             </a:fld>
             <a:endParaRPr lang="fr-BE"/>
           </a:p>
@@ -721,7 +737,7 @@
           <a:lstStyle/>
           <a:p>
             <a:r>
-              <a:rPr lang="fr-FR" smtClean="0"/>
+              <a:rPr lang="fr-FR"/>
               <a:t>Cliquez pour modifier le style du titre</a:t>
             </a:r>
             <a:endParaRPr lang="fr-BE"/>
@@ -745,35 +761,35 @@
           <a:p>
             <a:pPr lvl="0"/>
             <a:r>
-              <a:rPr lang="fr-FR" smtClean="0"/>
+              <a:rPr lang="fr-FR"/>
               <a:t>Cliquez pour modifier les styles du texte du masque</a:t>
             </a:r>
           </a:p>
           <a:p>
             <a:pPr lvl="1"/>
             <a:r>
-              <a:rPr lang="fr-FR" smtClean="0"/>
+              <a:rPr lang="fr-FR"/>
               <a:t>Deuxième niveau</a:t>
             </a:r>
           </a:p>
           <a:p>
             <a:pPr lvl="2"/>
             <a:r>
-              <a:rPr lang="fr-FR" smtClean="0"/>
+              <a:rPr lang="fr-FR"/>
               <a:t>Troisième niveau</a:t>
             </a:r>
           </a:p>
           <a:p>
             <a:pPr lvl="3"/>
             <a:r>
-              <a:rPr lang="fr-FR" smtClean="0"/>
+              <a:rPr lang="fr-FR"/>
               <a:t>Quatrième niveau</a:t>
             </a:r>
           </a:p>
           <a:p>
             <a:pPr lvl="4"/>
             <a:r>
-              <a:rPr lang="fr-FR" smtClean="0"/>
+              <a:rPr lang="fr-FR"/>
               <a:t>Cinquième niveau</a:t>
             </a:r>
             <a:endParaRPr lang="fr-BE"/>
@@ -797,7 +813,7 @@
           <a:p>
             <a:fld id="{AA309A6D-C09C-4548-B29A-6CF363A7E532}" type="datetimeFigureOut">
               <a:rPr lang="fr-FR" smtClean="0"/>
-              <a:t>25/01/2018</a:t>
+              <a:t>13/04/2019</a:t>
             </a:fld>
             <a:endParaRPr lang="fr-BE"/>
           </a:p>
@@ -895,7 +911,7 @@
           </a:lstStyle>
           <a:p>
             <a:r>
-              <a:rPr lang="fr-FR" smtClean="0"/>
+              <a:rPr lang="fr-FR"/>
               <a:t>Cliquez pour modifier le style du titre</a:t>
             </a:r>
             <a:endParaRPr lang="fr-BE"/>
@@ -1015,7 +1031,7 @@
           <a:p>
             <a:pPr lvl="0"/>
             <a:r>
-              <a:rPr lang="fr-FR" smtClean="0"/>
+              <a:rPr lang="fr-FR"/>
               <a:t>Cliquez pour modifier les styles du texte du masque</a:t>
             </a:r>
           </a:p>
@@ -1038,7 +1054,7 @@
           <a:p>
             <a:fld id="{AA309A6D-C09C-4548-B29A-6CF363A7E532}" type="datetimeFigureOut">
               <a:rPr lang="fr-FR" smtClean="0"/>
-              <a:t>25/01/2018</a:t>
+              <a:t>13/04/2019</a:t>
             </a:fld>
             <a:endParaRPr lang="fr-BE"/>
           </a:p>
@@ -1127,7 +1143,7 @@
           <a:lstStyle/>
           <a:p>
             <a:r>
-              <a:rPr lang="fr-FR" smtClean="0"/>
+              <a:rPr lang="fr-FR"/>
               <a:t>Cliquez pour modifier le style du titre</a:t>
             </a:r>
             <a:endParaRPr lang="fr-BE"/>
@@ -1184,35 +1200,35 @@
           <a:p>
             <a:pPr lvl="0"/>
             <a:r>
-              <a:rPr lang="fr-FR" smtClean="0"/>
+              <a:rPr lang="fr-FR"/>
               <a:t>Cliquez pour modifier les styles du texte du masque</a:t>
             </a:r>
           </a:p>
           <a:p>
             <a:pPr lvl="1"/>
             <a:r>
-              <a:rPr lang="fr-FR" smtClean="0"/>
+              <a:rPr lang="fr-FR"/>
               <a:t>Deuxième niveau</a:t>
             </a:r>
           </a:p>
           <a:p>
             <a:pPr lvl="2"/>
             <a:r>
-              <a:rPr lang="fr-FR" smtClean="0"/>
+              <a:rPr lang="fr-FR"/>
               <a:t>Troisième niveau</a:t>
             </a:r>
           </a:p>
           <a:p>
             <a:pPr lvl="3"/>
             <a:r>
-              <a:rPr lang="fr-FR" smtClean="0"/>
+              <a:rPr lang="fr-FR"/>
               <a:t>Quatrième niveau</a:t>
             </a:r>
           </a:p>
           <a:p>
             <a:pPr lvl="4"/>
             <a:r>
-              <a:rPr lang="fr-FR" smtClean="0"/>
+              <a:rPr lang="fr-FR"/>
               <a:t>Cinquième niveau</a:t>
             </a:r>
             <a:endParaRPr lang="fr-BE"/>
@@ -1269,35 +1285,35 @@
           <a:p>
             <a:pPr lvl="0"/>
             <a:r>
-              <a:rPr lang="fr-FR" smtClean="0"/>
+              <a:rPr lang="fr-FR"/>
               <a:t>Cliquez pour modifier les styles du texte du masque</a:t>
             </a:r>
           </a:p>
           <a:p>
             <a:pPr lvl="1"/>
             <a:r>
-              <a:rPr lang="fr-FR" smtClean="0"/>
+              <a:rPr lang="fr-FR"/>
               <a:t>Deuxième niveau</a:t>
             </a:r>
           </a:p>
           <a:p>
             <a:pPr lvl="2"/>
             <a:r>
-              <a:rPr lang="fr-FR" smtClean="0"/>
+              <a:rPr lang="fr-FR"/>
               <a:t>Troisième niveau</a:t>
             </a:r>
           </a:p>
           <a:p>
             <a:pPr lvl="3"/>
             <a:r>
-              <a:rPr lang="fr-FR" smtClean="0"/>
+              <a:rPr lang="fr-FR"/>
               <a:t>Quatrième niveau</a:t>
             </a:r>
           </a:p>
           <a:p>
             <a:pPr lvl="4"/>
             <a:r>
-              <a:rPr lang="fr-FR" smtClean="0"/>
+              <a:rPr lang="fr-FR"/>
               <a:t>Cinquième niveau</a:t>
             </a:r>
             <a:endParaRPr lang="fr-BE"/>
@@ -1321,7 +1337,7 @@
           <a:p>
             <a:fld id="{AA309A6D-C09C-4548-B29A-6CF363A7E532}" type="datetimeFigureOut">
               <a:rPr lang="fr-FR" smtClean="0"/>
-              <a:t>25/01/2018</a:t>
+              <a:t>13/04/2019</a:t>
             </a:fld>
             <a:endParaRPr lang="fr-BE"/>
           </a:p>
@@ -1414,7 +1430,7 @@
           </a:lstStyle>
           <a:p>
             <a:r>
-              <a:rPr lang="fr-FR" smtClean="0"/>
+              <a:rPr lang="fr-FR"/>
               <a:t>Cliquez pour modifier le style du titre</a:t>
             </a:r>
             <a:endParaRPr lang="fr-BE"/>
@@ -1480,7 +1496,7 @@
           <a:p>
             <a:pPr lvl="0"/>
             <a:r>
-              <a:rPr lang="fr-FR" smtClean="0"/>
+              <a:rPr lang="fr-FR"/>
               <a:t>Cliquez pour modifier les styles du texte du masque</a:t>
             </a:r>
           </a:p>
@@ -1536,35 +1552,35 @@
           <a:p>
             <a:pPr lvl="0"/>
             <a:r>
-              <a:rPr lang="fr-FR" smtClean="0"/>
+              <a:rPr lang="fr-FR"/>
               <a:t>Cliquez pour modifier les styles du texte du masque</a:t>
             </a:r>
           </a:p>
           <a:p>
             <a:pPr lvl="1"/>
             <a:r>
-              <a:rPr lang="fr-FR" smtClean="0"/>
+              <a:rPr lang="fr-FR"/>
               <a:t>Deuxième niveau</a:t>
             </a:r>
           </a:p>
           <a:p>
             <a:pPr lvl="2"/>
             <a:r>
-              <a:rPr lang="fr-FR" smtClean="0"/>
+              <a:rPr lang="fr-FR"/>
               <a:t>Troisième niveau</a:t>
             </a:r>
           </a:p>
           <a:p>
             <a:pPr lvl="3"/>
             <a:r>
-              <a:rPr lang="fr-FR" smtClean="0"/>
+              <a:rPr lang="fr-FR"/>
               <a:t>Quatrième niveau</a:t>
             </a:r>
           </a:p>
           <a:p>
             <a:pPr lvl="4"/>
             <a:r>
-              <a:rPr lang="fr-FR" smtClean="0"/>
+              <a:rPr lang="fr-FR"/>
               <a:t>Cinquième niveau</a:t>
             </a:r>
             <a:endParaRPr lang="fr-BE"/>
@@ -1630,7 +1646,7 @@
           <a:p>
             <a:pPr lvl="0"/>
             <a:r>
-              <a:rPr lang="fr-FR" smtClean="0"/>
+              <a:rPr lang="fr-FR"/>
               <a:t>Cliquez pour modifier les styles du texte du masque</a:t>
             </a:r>
           </a:p>
@@ -1686,35 +1702,35 @@
           <a:p>
             <a:pPr lvl="0"/>
             <a:r>
-              <a:rPr lang="fr-FR" smtClean="0"/>
+              <a:rPr lang="fr-FR"/>
               <a:t>Cliquez pour modifier les styles du texte du masque</a:t>
             </a:r>
           </a:p>
           <a:p>
             <a:pPr lvl="1"/>
             <a:r>
-              <a:rPr lang="fr-FR" smtClean="0"/>
+              <a:rPr lang="fr-FR"/>
               <a:t>Deuxième niveau</a:t>
             </a:r>
           </a:p>
           <a:p>
             <a:pPr lvl="2"/>
             <a:r>
-              <a:rPr lang="fr-FR" smtClean="0"/>
+              <a:rPr lang="fr-FR"/>
               <a:t>Troisième niveau</a:t>
             </a:r>
           </a:p>
           <a:p>
             <a:pPr lvl="3"/>
             <a:r>
-              <a:rPr lang="fr-FR" smtClean="0"/>
+              <a:rPr lang="fr-FR"/>
               <a:t>Quatrième niveau</a:t>
             </a:r>
           </a:p>
           <a:p>
             <a:pPr lvl="4"/>
             <a:r>
-              <a:rPr lang="fr-FR" smtClean="0"/>
+              <a:rPr lang="fr-FR"/>
               <a:t>Cinquième niveau</a:t>
             </a:r>
             <a:endParaRPr lang="fr-BE"/>
@@ -1738,7 +1754,7 @@
           <a:p>
             <a:fld id="{AA309A6D-C09C-4548-B29A-6CF363A7E532}" type="datetimeFigureOut">
               <a:rPr lang="fr-FR" smtClean="0"/>
-              <a:t>25/01/2018</a:t>
+              <a:t>13/04/2019</a:t>
             </a:fld>
             <a:endParaRPr lang="fr-BE"/>
           </a:p>
@@ -1827,7 +1843,7 @@
           <a:lstStyle/>
           <a:p>
             <a:r>
-              <a:rPr lang="fr-FR" smtClean="0"/>
+              <a:rPr lang="fr-FR"/>
               <a:t>Cliquez pour modifier le style du titre</a:t>
             </a:r>
             <a:endParaRPr lang="fr-BE"/>
@@ -1851,7 +1867,7 @@
           <a:p>
             <a:fld id="{AA309A6D-C09C-4548-B29A-6CF363A7E532}" type="datetimeFigureOut">
               <a:rPr lang="fr-FR" smtClean="0"/>
-              <a:t>25/01/2018</a:t>
+              <a:t>13/04/2019</a:t>
             </a:fld>
             <a:endParaRPr lang="fr-BE"/>
           </a:p>
@@ -1941,7 +1957,7 @@
           <a:p>
             <a:fld id="{AA309A6D-C09C-4548-B29A-6CF363A7E532}" type="datetimeFigureOut">
               <a:rPr lang="fr-FR" smtClean="0"/>
-              <a:t>25/01/2018</a:t>
+              <a:t>13/04/2019</a:t>
             </a:fld>
             <a:endParaRPr lang="fr-BE"/>
           </a:p>
@@ -2039,7 +2055,7 @@
           </a:lstStyle>
           <a:p>
             <a:r>
-              <a:rPr lang="fr-FR" smtClean="0"/>
+              <a:rPr lang="fr-FR"/>
               <a:t>Cliquez pour modifier le style du titre</a:t>
             </a:r>
             <a:endParaRPr lang="fr-BE"/>
@@ -2096,35 +2112,35 @@
           <a:p>
             <a:pPr lvl="0"/>
             <a:r>
-              <a:rPr lang="fr-FR" smtClean="0"/>
+              <a:rPr lang="fr-FR"/>
               <a:t>Cliquez pour modifier les styles du texte du masque</a:t>
             </a:r>
           </a:p>
           <a:p>
             <a:pPr lvl="1"/>
             <a:r>
-              <a:rPr lang="fr-FR" smtClean="0"/>
+              <a:rPr lang="fr-FR"/>
               <a:t>Deuxième niveau</a:t>
             </a:r>
           </a:p>
           <a:p>
             <a:pPr lvl="2"/>
             <a:r>
-              <a:rPr lang="fr-FR" smtClean="0"/>
+              <a:rPr lang="fr-FR"/>
               <a:t>Troisième niveau</a:t>
             </a:r>
           </a:p>
           <a:p>
             <a:pPr lvl="3"/>
             <a:r>
-              <a:rPr lang="fr-FR" smtClean="0"/>
+              <a:rPr lang="fr-FR"/>
               <a:t>Quatrième niveau</a:t>
             </a:r>
           </a:p>
           <a:p>
             <a:pPr lvl="4"/>
             <a:r>
-              <a:rPr lang="fr-FR" smtClean="0"/>
+              <a:rPr lang="fr-FR"/>
               <a:t>Cinquième niveau</a:t>
             </a:r>
             <a:endParaRPr lang="fr-BE"/>
@@ -2190,7 +2206,7 @@
           <a:p>
             <a:pPr lvl="0"/>
             <a:r>
-              <a:rPr lang="fr-FR" smtClean="0"/>
+              <a:rPr lang="fr-FR"/>
               <a:t>Cliquez pour modifier les styles du texte du masque</a:t>
             </a:r>
           </a:p>
@@ -2213,7 +2229,7 @@
           <a:p>
             <a:fld id="{AA309A6D-C09C-4548-B29A-6CF363A7E532}" type="datetimeFigureOut">
               <a:rPr lang="fr-FR" smtClean="0"/>
-              <a:t>25/01/2018</a:t>
+              <a:t>13/04/2019</a:t>
             </a:fld>
             <a:endParaRPr lang="fr-BE"/>
           </a:p>
@@ -2311,7 +2327,7 @@
           </a:lstStyle>
           <a:p>
             <a:r>
-              <a:rPr lang="fr-FR" smtClean="0"/>
+              <a:rPr lang="fr-FR"/>
               <a:t>Cliquez pour modifier le style du titre</a:t>
             </a:r>
             <a:endParaRPr lang="fr-BE"/>
@@ -2438,7 +2454,7 @@
           <a:p>
             <a:pPr lvl="0"/>
             <a:r>
-              <a:rPr lang="fr-FR" smtClean="0"/>
+              <a:rPr lang="fr-FR"/>
               <a:t>Cliquez pour modifier les styles du texte du masque</a:t>
             </a:r>
           </a:p>
@@ -2461,7 +2477,7 @@
           <a:p>
             <a:fld id="{AA309A6D-C09C-4548-B29A-6CF363A7E532}" type="datetimeFigureOut">
               <a:rPr lang="fr-FR" smtClean="0"/>
-              <a:t>25/01/2018</a:t>
+              <a:t>13/04/2019</a:t>
             </a:fld>
             <a:endParaRPr lang="fr-BE"/>
           </a:p>
@@ -2565,7 +2581,7 @@
           <a:lstStyle/>
           <a:p>
             <a:r>
-              <a:rPr lang="fr-FR" smtClean="0"/>
+              <a:rPr lang="fr-FR"/>
               <a:t>Cliquez pour modifier le style du titre</a:t>
             </a:r>
             <a:endParaRPr lang="fr-BE"/>
@@ -2599,35 +2615,35 @@
           <a:p>
             <a:pPr lvl="0"/>
             <a:r>
-              <a:rPr lang="fr-FR" smtClean="0"/>
+              <a:rPr lang="fr-FR"/>
               <a:t>Cliquez pour modifier les styles du texte du masque</a:t>
             </a:r>
           </a:p>
           <a:p>
             <a:pPr lvl="1"/>
             <a:r>
-              <a:rPr lang="fr-FR" smtClean="0"/>
+              <a:rPr lang="fr-FR"/>
               <a:t>Deuxième niveau</a:t>
             </a:r>
           </a:p>
           <a:p>
             <a:pPr lvl="2"/>
             <a:r>
-              <a:rPr lang="fr-FR" smtClean="0"/>
+              <a:rPr lang="fr-FR"/>
               <a:t>Troisième niveau</a:t>
             </a:r>
           </a:p>
           <a:p>
             <a:pPr lvl="3"/>
             <a:r>
-              <a:rPr lang="fr-FR" smtClean="0"/>
+              <a:rPr lang="fr-FR"/>
               <a:t>Quatrième niveau</a:t>
             </a:r>
           </a:p>
           <a:p>
             <a:pPr lvl="4"/>
             <a:r>
-              <a:rPr lang="fr-FR" smtClean="0"/>
+              <a:rPr lang="fr-FR"/>
               <a:t>Cinquième niveau</a:t>
             </a:r>
             <a:endParaRPr lang="fr-BE"/>
@@ -2669,7 +2685,7 @@
           <a:p>
             <a:fld id="{AA309A6D-C09C-4548-B29A-6CF363A7E532}" type="datetimeFigureOut">
               <a:rPr lang="fr-FR" smtClean="0"/>
-              <a:t>25/01/2018</a:t>
+              <a:t>13/04/2019</a:t>
             </a:fld>
             <a:endParaRPr lang="fr-BE"/>
           </a:p>
@@ -3422,18 +3438,13 @@
           <a:p>
             <a:pPr algn="ctr"/>
             <a:r>
-              <a:rPr lang="fr-FR" sz="1200" b="1" dirty="0" smtClean="0">
+              <a:rPr lang="fr-FR" sz="1200" b="1" dirty="0">
                 <a:solidFill>
                   <a:schemeClr val="tx1"/>
                 </a:solidFill>
               </a:rPr>
               <a:t>1</a:t>
             </a:r>
-            <a:endParaRPr lang="fr-FR" sz="1200" b="1" dirty="0">
-              <a:solidFill>
-                <a:schemeClr val="tx1"/>
-              </a:solidFill>
-            </a:endParaRPr>
           </a:p>
         </p:txBody>
       </p:sp>
@@ -3484,18 +3495,13 @@
           <a:p>
             <a:pPr algn="ctr"/>
             <a:r>
-              <a:rPr lang="fr-FR" sz="1200" b="1" dirty="0" smtClean="0">
+              <a:rPr lang="fr-FR" sz="1200" b="1" dirty="0">
                 <a:solidFill>
                   <a:schemeClr val="tx1"/>
                 </a:solidFill>
               </a:rPr>
               <a:t>2</a:t>
             </a:r>
-            <a:endParaRPr lang="fr-FR" sz="1200" b="1" dirty="0">
-              <a:solidFill>
-                <a:schemeClr val="tx1"/>
-              </a:solidFill>
-            </a:endParaRPr>
           </a:p>
         </p:txBody>
       </p:sp>
@@ -3660,18 +3666,13 @@
           <a:p>
             <a:pPr algn="ctr"/>
             <a:r>
-              <a:rPr lang="fr-FR" sz="1200" b="1" dirty="0" smtClean="0">
+              <a:rPr lang="fr-FR" sz="1200" b="1" dirty="0">
                 <a:solidFill>
                   <a:schemeClr val="tx1"/>
                 </a:solidFill>
               </a:rPr>
               <a:t>4</a:t>
             </a:r>
-            <a:endParaRPr lang="fr-FR" sz="1200" b="1" dirty="0">
-              <a:solidFill>
-                <a:schemeClr val="tx1"/>
-              </a:solidFill>
-            </a:endParaRPr>
           </a:p>
         </p:txBody>
       </p:sp>
@@ -3722,21 +3723,2860 @@
           <a:p>
             <a:pPr algn="ctr"/>
             <a:r>
-              <a:rPr lang="fr-FR" sz="1200" b="1" dirty="0" smtClean="0">
+              <a:rPr lang="fr-FR" sz="1200" b="1" dirty="0">
                 <a:solidFill>
                   <a:schemeClr val="tx1"/>
                 </a:solidFill>
               </a:rPr>
               <a:t>5</a:t>
             </a:r>
-            <a:endParaRPr lang="fr-FR" sz="1200" b="1" dirty="0">
-              <a:solidFill>
-                <a:schemeClr val="tx1"/>
-              </a:solidFill>
-            </a:endParaRPr>
           </a:p>
         </p:txBody>
       </p:sp>
+      <p:cxnSp>
+        <p:nvCxnSpPr>
+          <p:cNvPr id="16" name="Connecteur droit 15">
+            <a:extLst>
+              <a:ext uri="{FF2B5EF4-FFF2-40B4-BE49-F238E27FC236}">
+                <a16:creationId xmlns:a16="http://schemas.microsoft.com/office/drawing/2014/main" id="{EECCA468-CC50-4425-BA5B-695E8AB9DEE8}"/>
+              </a:ext>
+            </a:extLst>
+          </p:cNvPr>
+          <p:cNvCxnSpPr>
+            <a:stCxn id="23" idx="4"/>
+            <a:endCxn id="17" idx="0"/>
+          </p:cNvCxnSpPr>
+          <p:nvPr/>
+        </p:nvCxnSpPr>
+        <p:spPr>
+          <a:xfrm flipH="1">
+            <a:off x="1068169" y="5211325"/>
+            <a:ext cx="398" cy="84290"/>
+          </a:xfrm>
+          <a:prstGeom prst="line">
+            <a:avLst/>
+          </a:prstGeom>
+          <a:noFill/>
+          <a:ln w="12700">
+            <a:solidFill>
+              <a:schemeClr val="accent5">
+                <a:lumMod val="50000"/>
+              </a:schemeClr>
+            </a:solidFill>
+          </a:ln>
+        </p:spPr>
+        <p:style>
+          <a:lnRef idx="2">
+            <a:schemeClr val="accent1">
+              <a:shade val="50000"/>
+            </a:schemeClr>
+          </a:lnRef>
+          <a:fillRef idx="1">
+            <a:schemeClr val="accent1"/>
+          </a:fillRef>
+          <a:effectRef idx="0">
+            <a:schemeClr val="accent1"/>
+          </a:effectRef>
+          <a:fontRef idx="minor">
+            <a:schemeClr val="lt1"/>
+          </a:fontRef>
+        </p:style>
+      </p:cxnSp>
+      <p:sp>
+        <p:nvSpPr>
+          <p:cNvPr id="17" name="Rectangle 16">
+            <a:extLst>
+              <a:ext uri="{FF2B5EF4-FFF2-40B4-BE49-F238E27FC236}">
+                <a16:creationId xmlns:a16="http://schemas.microsoft.com/office/drawing/2014/main" id="{CFCB4BE9-F248-4A62-BDD5-521C024683CA}"/>
+              </a:ext>
+            </a:extLst>
+          </p:cNvPr>
+          <p:cNvSpPr/>
+          <p:nvPr/>
+        </p:nvSpPr>
+        <p:spPr>
+          <a:xfrm>
+            <a:off x="924684" y="5295615"/>
+            <a:ext cx="286969" cy="149609"/>
+          </a:xfrm>
+          <a:prstGeom prst="rect">
+            <a:avLst/>
+          </a:prstGeom>
+          <a:solidFill>
+            <a:schemeClr val="accent5">
+              <a:lumMod val="20000"/>
+              <a:lumOff val="80000"/>
+            </a:schemeClr>
+          </a:solidFill>
+          <a:ln>
+            <a:noFill/>
+          </a:ln>
+        </p:spPr>
+        <p:style>
+          <a:lnRef idx="2">
+            <a:schemeClr val="accent1">
+              <a:shade val="50000"/>
+            </a:schemeClr>
+          </a:lnRef>
+          <a:fillRef idx="1">
+            <a:schemeClr val="accent1"/>
+          </a:fillRef>
+          <a:effectRef idx="0">
+            <a:schemeClr val="accent1"/>
+          </a:effectRef>
+          <a:fontRef idx="minor">
+            <a:schemeClr val="lt1"/>
+          </a:fontRef>
+        </p:style>
+        <p:txBody>
+          <a:bodyPr rtlCol="0" anchor="ctr"/>
+          <a:lstStyle/>
+          <a:p>
+            <a:pPr algn="ctr"/>
+            <a:endParaRPr lang="fr-FR"/>
+          </a:p>
+        </p:txBody>
+      </p:sp>
+      <p:cxnSp>
+        <p:nvCxnSpPr>
+          <p:cNvPr id="18" name="Connecteur droit 17">
+            <a:extLst>
+              <a:ext uri="{FF2B5EF4-FFF2-40B4-BE49-F238E27FC236}">
+                <a16:creationId xmlns:a16="http://schemas.microsoft.com/office/drawing/2014/main" id="{0B2AD169-E762-4484-A375-66D5176AB7AD}"/>
+              </a:ext>
+            </a:extLst>
+          </p:cNvPr>
+          <p:cNvCxnSpPr/>
+          <p:nvPr/>
+        </p:nvCxnSpPr>
+        <p:spPr>
+          <a:xfrm flipH="1">
+            <a:off x="924685" y="5295615"/>
+            <a:ext cx="286969" cy="0"/>
+          </a:xfrm>
+          <a:prstGeom prst="line">
+            <a:avLst/>
+          </a:prstGeom>
+          <a:noFill/>
+          <a:ln w="12700">
+            <a:solidFill>
+              <a:schemeClr val="accent5">
+                <a:lumMod val="50000"/>
+              </a:schemeClr>
+            </a:solidFill>
+          </a:ln>
+        </p:spPr>
+        <p:style>
+          <a:lnRef idx="2">
+            <a:schemeClr val="accent1">
+              <a:shade val="50000"/>
+            </a:schemeClr>
+          </a:lnRef>
+          <a:fillRef idx="1">
+            <a:schemeClr val="accent1"/>
+          </a:fillRef>
+          <a:effectRef idx="0">
+            <a:schemeClr val="accent1"/>
+          </a:effectRef>
+          <a:fontRef idx="minor">
+            <a:schemeClr val="lt1"/>
+          </a:fontRef>
+        </p:style>
+      </p:cxnSp>
+      <p:cxnSp>
+        <p:nvCxnSpPr>
+          <p:cNvPr id="19" name="Connecteur droit 18">
+            <a:extLst>
+              <a:ext uri="{FF2B5EF4-FFF2-40B4-BE49-F238E27FC236}">
+                <a16:creationId xmlns:a16="http://schemas.microsoft.com/office/drawing/2014/main" id="{3A7F2D07-0209-4E49-AADF-62F74F072B7F}"/>
+              </a:ext>
+            </a:extLst>
+          </p:cNvPr>
+          <p:cNvCxnSpPr>
+            <a:stCxn id="23" idx="1"/>
+            <a:endCxn id="24" idx="5"/>
+          </p:cNvCxnSpPr>
+          <p:nvPr/>
+        </p:nvCxnSpPr>
+        <p:spPr>
+          <a:xfrm flipH="1" flipV="1">
+            <a:off x="872677" y="4855789"/>
+            <a:ext cx="111333" cy="151399"/>
+          </a:xfrm>
+          <a:prstGeom prst="line">
+            <a:avLst/>
+          </a:prstGeom>
+          <a:noFill/>
+          <a:ln w="12700">
+            <a:solidFill>
+              <a:schemeClr val="accent5">
+                <a:lumMod val="50000"/>
+              </a:schemeClr>
+            </a:solidFill>
+          </a:ln>
+        </p:spPr>
+        <p:style>
+          <a:lnRef idx="2">
+            <a:schemeClr val="accent1">
+              <a:shade val="50000"/>
+            </a:schemeClr>
+          </a:lnRef>
+          <a:fillRef idx="1">
+            <a:schemeClr val="accent1"/>
+          </a:fillRef>
+          <a:effectRef idx="0">
+            <a:schemeClr val="accent1"/>
+          </a:effectRef>
+          <a:fontRef idx="minor">
+            <a:schemeClr val="lt1"/>
+          </a:fontRef>
+        </p:style>
+      </p:cxnSp>
+      <p:cxnSp>
+        <p:nvCxnSpPr>
+          <p:cNvPr id="21" name="Connecteur droit 20">
+            <a:extLst>
+              <a:ext uri="{FF2B5EF4-FFF2-40B4-BE49-F238E27FC236}">
+                <a16:creationId xmlns:a16="http://schemas.microsoft.com/office/drawing/2014/main" id="{5443C208-F8A1-4900-82B0-94D9970E2C57}"/>
+              </a:ext>
+            </a:extLst>
+          </p:cNvPr>
+          <p:cNvCxnSpPr>
+            <a:stCxn id="23" idx="7"/>
+            <a:endCxn id="25" idx="3"/>
+          </p:cNvCxnSpPr>
+          <p:nvPr/>
+        </p:nvCxnSpPr>
+        <p:spPr>
+          <a:xfrm flipV="1">
+            <a:off x="1153123" y="4855788"/>
+            <a:ext cx="99478" cy="151400"/>
+          </a:xfrm>
+          <a:prstGeom prst="line">
+            <a:avLst/>
+          </a:prstGeom>
+          <a:noFill/>
+          <a:ln w="12700">
+            <a:solidFill>
+              <a:schemeClr val="accent5">
+                <a:lumMod val="50000"/>
+              </a:schemeClr>
+            </a:solidFill>
+          </a:ln>
+        </p:spPr>
+        <p:style>
+          <a:lnRef idx="2">
+            <a:schemeClr val="accent1">
+              <a:shade val="50000"/>
+            </a:schemeClr>
+          </a:lnRef>
+          <a:fillRef idx="1">
+            <a:schemeClr val="accent1"/>
+          </a:fillRef>
+          <a:effectRef idx="0">
+            <a:schemeClr val="accent1"/>
+          </a:effectRef>
+          <a:fontRef idx="minor">
+            <a:schemeClr val="lt1"/>
+          </a:fontRef>
+        </p:style>
+      </p:cxnSp>
+      <p:cxnSp>
+        <p:nvCxnSpPr>
+          <p:cNvPr id="22" name="Connecteur droit 21">
+            <a:extLst>
+              <a:ext uri="{FF2B5EF4-FFF2-40B4-BE49-F238E27FC236}">
+                <a16:creationId xmlns:a16="http://schemas.microsoft.com/office/drawing/2014/main" id="{B2E9B299-9F7F-478E-ACA2-2305905A35B0}"/>
+              </a:ext>
+            </a:extLst>
+          </p:cNvPr>
+          <p:cNvCxnSpPr>
+            <a:stCxn id="25" idx="2"/>
+            <a:endCxn id="24" idx="6"/>
+          </p:cNvCxnSpPr>
+          <p:nvPr/>
+        </p:nvCxnSpPr>
+        <p:spPr>
+          <a:xfrm flipH="1">
+            <a:off x="907701" y="4771232"/>
+            <a:ext cx="309876" cy="1"/>
+          </a:xfrm>
+          <a:prstGeom prst="line">
+            <a:avLst/>
+          </a:prstGeom>
+          <a:noFill/>
+          <a:ln w="12700">
+            <a:solidFill>
+              <a:schemeClr val="accent5">
+                <a:lumMod val="50000"/>
+              </a:schemeClr>
+            </a:solidFill>
+          </a:ln>
+        </p:spPr>
+        <p:style>
+          <a:lnRef idx="2">
+            <a:schemeClr val="accent1">
+              <a:shade val="50000"/>
+            </a:schemeClr>
+          </a:lnRef>
+          <a:fillRef idx="1">
+            <a:schemeClr val="accent1"/>
+          </a:fillRef>
+          <a:effectRef idx="0">
+            <a:schemeClr val="accent1"/>
+          </a:effectRef>
+          <a:fontRef idx="minor">
+            <a:schemeClr val="lt1"/>
+          </a:fontRef>
+        </p:style>
+      </p:cxnSp>
+      <p:sp>
+        <p:nvSpPr>
+          <p:cNvPr id="23" name="Ellipse 22">
+            <a:extLst>
+              <a:ext uri="{FF2B5EF4-FFF2-40B4-BE49-F238E27FC236}">
+                <a16:creationId xmlns:a16="http://schemas.microsoft.com/office/drawing/2014/main" id="{F9CF05B7-47FF-4CED-8E4A-F12C07C1CE93}"/>
+              </a:ext>
+            </a:extLst>
+          </p:cNvPr>
+          <p:cNvSpPr/>
+          <p:nvPr/>
+        </p:nvSpPr>
+        <p:spPr>
+          <a:xfrm>
+            <a:off x="948986" y="4972164"/>
+            <a:ext cx="239161" cy="239161"/>
+          </a:xfrm>
+          <a:prstGeom prst="ellipse">
+            <a:avLst/>
+          </a:prstGeom>
+          <a:solidFill>
+            <a:schemeClr val="bg1"/>
+          </a:solidFill>
+          <a:ln w="12700">
+            <a:solidFill>
+              <a:schemeClr val="accent5">
+                <a:lumMod val="50000"/>
+              </a:schemeClr>
+            </a:solidFill>
+          </a:ln>
+        </p:spPr>
+        <p:style>
+          <a:lnRef idx="2">
+            <a:schemeClr val="accent1">
+              <a:shade val="50000"/>
+            </a:schemeClr>
+          </a:lnRef>
+          <a:fillRef idx="1">
+            <a:schemeClr val="accent1"/>
+          </a:fillRef>
+          <a:effectRef idx="0">
+            <a:schemeClr val="accent1"/>
+          </a:effectRef>
+          <a:fontRef idx="minor">
+            <a:schemeClr val="lt1"/>
+          </a:fontRef>
+        </p:style>
+        <p:txBody>
+          <a:bodyPr lIns="0" tIns="0" rIns="0" bIns="0" rtlCol="0" anchor="ctr"/>
+          <a:lstStyle/>
+          <a:p>
+            <a:pPr algn="ctr"/>
+            <a:r>
+              <a:rPr lang="fr-FR" sz="1200" b="1" dirty="0">
+                <a:solidFill>
+                  <a:schemeClr val="tx1"/>
+                </a:solidFill>
+              </a:rPr>
+              <a:t>1</a:t>
+            </a:r>
+          </a:p>
+        </p:txBody>
+      </p:sp>
+      <p:sp>
+        <p:nvSpPr>
+          <p:cNvPr id="24" name="Ellipse 23">
+            <a:extLst>
+              <a:ext uri="{FF2B5EF4-FFF2-40B4-BE49-F238E27FC236}">
+                <a16:creationId xmlns:a16="http://schemas.microsoft.com/office/drawing/2014/main" id="{21EFC229-D0C6-49D6-B795-FCDDD7758667}"/>
+              </a:ext>
+            </a:extLst>
+          </p:cNvPr>
+          <p:cNvSpPr/>
+          <p:nvPr/>
+        </p:nvSpPr>
+        <p:spPr>
+          <a:xfrm>
+            <a:off x="668540" y="4651652"/>
+            <a:ext cx="239161" cy="239161"/>
+          </a:xfrm>
+          <a:prstGeom prst="ellipse">
+            <a:avLst/>
+          </a:prstGeom>
+          <a:solidFill>
+            <a:schemeClr val="bg1"/>
+          </a:solidFill>
+          <a:ln w="12700">
+            <a:solidFill>
+              <a:schemeClr val="accent5">
+                <a:lumMod val="50000"/>
+              </a:schemeClr>
+            </a:solidFill>
+          </a:ln>
+        </p:spPr>
+        <p:style>
+          <a:lnRef idx="2">
+            <a:schemeClr val="accent1">
+              <a:shade val="50000"/>
+            </a:schemeClr>
+          </a:lnRef>
+          <a:fillRef idx="1">
+            <a:schemeClr val="accent1"/>
+          </a:fillRef>
+          <a:effectRef idx="0">
+            <a:schemeClr val="accent1"/>
+          </a:effectRef>
+          <a:fontRef idx="minor">
+            <a:schemeClr val="lt1"/>
+          </a:fontRef>
+        </p:style>
+        <p:txBody>
+          <a:bodyPr lIns="0" tIns="0" rIns="0" bIns="0" rtlCol="0" anchor="ctr"/>
+          <a:lstStyle/>
+          <a:p>
+            <a:pPr algn="ctr"/>
+            <a:r>
+              <a:rPr lang="fr-FR" sz="1200" b="1" dirty="0">
+                <a:solidFill>
+                  <a:schemeClr val="tx1"/>
+                </a:solidFill>
+              </a:rPr>
+              <a:t>2</a:t>
+            </a:r>
+          </a:p>
+        </p:txBody>
+      </p:sp>
+      <p:sp>
+        <p:nvSpPr>
+          <p:cNvPr id="25" name="Ellipse 24">
+            <a:extLst>
+              <a:ext uri="{FF2B5EF4-FFF2-40B4-BE49-F238E27FC236}">
+                <a16:creationId xmlns:a16="http://schemas.microsoft.com/office/drawing/2014/main" id="{C7BEEA86-91D1-467D-BF25-80C4A3B216DA}"/>
+              </a:ext>
+            </a:extLst>
+          </p:cNvPr>
+          <p:cNvSpPr/>
+          <p:nvPr/>
+        </p:nvSpPr>
+        <p:spPr>
+          <a:xfrm>
+            <a:off x="1217577" y="4651651"/>
+            <a:ext cx="239161" cy="239161"/>
+          </a:xfrm>
+          <a:prstGeom prst="ellipse">
+            <a:avLst/>
+          </a:prstGeom>
+          <a:solidFill>
+            <a:schemeClr val="bg1"/>
+          </a:solidFill>
+          <a:ln w="12700">
+            <a:solidFill>
+              <a:schemeClr val="accent5">
+                <a:lumMod val="50000"/>
+              </a:schemeClr>
+            </a:solidFill>
+          </a:ln>
+        </p:spPr>
+        <p:style>
+          <a:lnRef idx="2">
+            <a:schemeClr val="accent1">
+              <a:shade val="50000"/>
+            </a:schemeClr>
+          </a:lnRef>
+          <a:fillRef idx="1">
+            <a:schemeClr val="accent1"/>
+          </a:fillRef>
+          <a:effectRef idx="0">
+            <a:schemeClr val="accent1"/>
+          </a:effectRef>
+          <a:fontRef idx="minor">
+            <a:schemeClr val="lt1"/>
+          </a:fontRef>
+        </p:style>
+        <p:txBody>
+          <a:bodyPr lIns="0" tIns="0" rIns="0" bIns="0" rtlCol="0" anchor="ctr"/>
+          <a:lstStyle/>
+          <a:p>
+            <a:pPr algn="ctr"/>
+            <a:r>
+              <a:rPr lang="fr-FR" sz="1200" b="1" dirty="0">
+                <a:solidFill>
+                  <a:schemeClr val="tx1"/>
+                </a:solidFill>
+              </a:rPr>
+              <a:t>3</a:t>
+            </a:r>
+          </a:p>
+        </p:txBody>
+      </p:sp>
+      <p:cxnSp>
+        <p:nvCxnSpPr>
+          <p:cNvPr id="26" name="Connecteur droit 25">
+            <a:extLst>
+              <a:ext uri="{FF2B5EF4-FFF2-40B4-BE49-F238E27FC236}">
+                <a16:creationId xmlns:a16="http://schemas.microsoft.com/office/drawing/2014/main" id="{E7362F62-363B-4C1B-BC0B-597979E0BAE9}"/>
+              </a:ext>
+            </a:extLst>
+          </p:cNvPr>
+          <p:cNvCxnSpPr>
+            <a:stCxn id="31" idx="4"/>
+            <a:endCxn id="27" idx="0"/>
+          </p:cNvCxnSpPr>
+          <p:nvPr/>
+        </p:nvCxnSpPr>
+        <p:spPr>
+          <a:xfrm>
+            <a:off x="3689089" y="3075800"/>
+            <a:ext cx="1" cy="129877"/>
+          </a:xfrm>
+          <a:prstGeom prst="line">
+            <a:avLst/>
+          </a:prstGeom>
+          <a:noFill/>
+          <a:ln w="12700">
+            <a:solidFill>
+              <a:schemeClr val="accent5">
+                <a:lumMod val="50000"/>
+              </a:schemeClr>
+            </a:solidFill>
+          </a:ln>
+        </p:spPr>
+        <p:style>
+          <a:lnRef idx="2">
+            <a:schemeClr val="accent1">
+              <a:shade val="50000"/>
+            </a:schemeClr>
+          </a:lnRef>
+          <a:fillRef idx="1">
+            <a:schemeClr val="accent1"/>
+          </a:fillRef>
+          <a:effectRef idx="0">
+            <a:schemeClr val="accent1"/>
+          </a:effectRef>
+          <a:fontRef idx="minor">
+            <a:schemeClr val="lt1"/>
+          </a:fontRef>
+        </p:style>
+      </p:cxnSp>
+      <p:sp>
+        <p:nvSpPr>
+          <p:cNvPr id="27" name="Rectangle 26">
+            <a:extLst>
+              <a:ext uri="{FF2B5EF4-FFF2-40B4-BE49-F238E27FC236}">
+                <a16:creationId xmlns:a16="http://schemas.microsoft.com/office/drawing/2014/main" id="{717CD507-218C-4256-B1F5-15666756E928}"/>
+              </a:ext>
+            </a:extLst>
+          </p:cNvPr>
+          <p:cNvSpPr/>
+          <p:nvPr/>
+        </p:nvSpPr>
+        <p:spPr>
+          <a:xfrm>
+            <a:off x="3545605" y="3205677"/>
+            <a:ext cx="286969" cy="149609"/>
+          </a:xfrm>
+          <a:prstGeom prst="rect">
+            <a:avLst/>
+          </a:prstGeom>
+          <a:solidFill>
+            <a:schemeClr val="accent5">
+              <a:lumMod val="20000"/>
+              <a:lumOff val="80000"/>
+            </a:schemeClr>
+          </a:solidFill>
+          <a:ln>
+            <a:noFill/>
+          </a:ln>
+        </p:spPr>
+        <p:style>
+          <a:lnRef idx="2">
+            <a:schemeClr val="accent1">
+              <a:shade val="50000"/>
+            </a:schemeClr>
+          </a:lnRef>
+          <a:fillRef idx="1">
+            <a:schemeClr val="accent1"/>
+          </a:fillRef>
+          <a:effectRef idx="0">
+            <a:schemeClr val="accent1"/>
+          </a:effectRef>
+          <a:fontRef idx="minor">
+            <a:schemeClr val="lt1"/>
+          </a:fontRef>
+        </p:style>
+        <p:txBody>
+          <a:bodyPr rtlCol="0" anchor="ctr"/>
+          <a:lstStyle/>
+          <a:p>
+            <a:pPr algn="ctr"/>
+            <a:endParaRPr lang="fr-FR"/>
+          </a:p>
+        </p:txBody>
+      </p:sp>
+      <p:cxnSp>
+        <p:nvCxnSpPr>
+          <p:cNvPr id="28" name="Connecteur droit 27">
+            <a:extLst>
+              <a:ext uri="{FF2B5EF4-FFF2-40B4-BE49-F238E27FC236}">
+                <a16:creationId xmlns:a16="http://schemas.microsoft.com/office/drawing/2014/main" id="{559212AD-8EC1-4203-BDAA-FAE320F1BB79}"/>
+              </a:ext>
+            </a:extLst>
+          </p:cNvPr>
+          <p:cNvCxnSpPr/>
+          <p:nvPr/>
+        </p:nvCxnSpPr>
+        <p:spPr>
+          <a:xfrm flipH="1">
+            <a:off x="3545606" y="3205677"/>
+            <a:ext cx="286969" cy="0"/>
+          </a:xfrm>
+          <a:prstGeom prst="line">
+            <a:avLst/>
+          </a:prstGeom>
+          <a:noFill/>
+          <a:ln w="12700">
+            <a:solidFill>
+              <a:schemeClr val="accent5">
+                <a:lumMod val="50000"/>
+              </a:schemeClr>
+            </a:solidFill>
+          </a:ln>
+        </p:spPr>
+        <p:style>
+          <a:lnRef idx="2">
+            <a:schemeClr val="accent1">
+              <a:shade val="50000"/>
+            </a:schemeClr>
+          </a:lnRef>
+          <a:fillRef idx="1">
+            <a:schemeClr val="accent1"/>
+          </a:fillRef>
+          <a:effectRef idx="0">
+            <a:schemeClr val="accent1"/>
+          </a:effectRef>
+          <a:fontRef idx="minor">
+            <a:schemeClr val="lt1"/>
+          </a:fontRef>
+        </p:style>
+      </p:cxnSp>
+      <p:cxnSp>
+        <p:nvCxnSpPr>
+          <p:cNvPr id="29" name="Connecteur droit 28">
+            <a:extLst>
+              <a:ext uri="{FF2B5EF4-FFF2-40B4-BE49-F238E27FC236}">
+                <a16:creationId xmlns:a16="http://schemas.microsoft.com/office/drawing/2014/main" id="{B43BD4E4-7383-460B-A12F-945D5A45794D}"/>
+              </a:ext>
+            </a:extLst>
+          </p:cNvPr>
+          <p:cNvCxnSpPr>
+            <a:stCxn id="35" idx="2"/>
+            <a:endCxn id="31" idx="6"/>
+          </p:cNvCxnSpPr>
+          <p:nvPr/>
+        </p:nvCxnSpPr>
+        <p:spPr>
+          <a:xfrm flipH="1">
+            <a:off x="3808669" y="2956220"/>
+            <a:ext cx="359916" cy="0"/>
+          </a:xfrm>
+          <a:prstGeom prst="line">
+            <a:avLst/>
+          </a:prstGeom>
+          <a:noFill/>
+          <a:ln w="12700">
+            <a:solidFill>
+              <a:schemeClr val="accent5">
+                <a:lumMod val="50000"/>
+              </a:schemeClr>
+            </a:solidFill>
+          </a:ln>
+        </p:spPr>
+        <p:style>
+          <a:lnRef idx="2">
+            <a:schemeClr val="accent1">
+              <a:shade val="50000"/>
+            </a:schemeClr>
+          </a:lnRef>
+          <a:fillRef idx="1">
+            <a:schemeClr val="accent1"/>
+          </a:fillRef>
+          <a:effectRef idx="0">
+            <a:schemeClr val="accent1"/>
+          </a:effectRef>
+          <a:fontRef idx="minor">
+            <a:schemeClr val="lt1"/>
+          </a:fontRef>
+        </p:style>
+      </p:cxnSp>
+      <p:sp>
+        <p:nvSpPr>
+          <p:cNvPr id="31" name="Ellipse 30">
+            <a:extLst>
+              <a:ext uri="{FF2B5EF4-FFF2-40B4-BE49-F238E27FC236}">
+                <a16:creationId xmlns:a16="http://schemas.microsoft.com/office/drawing/2014/main" id="{B63F334D-0C06-44CC-A8BF-587772D8B0A8}"/>
+              </a:ext>
+            </a:extLst>
+          </p:cNvPr>
+          <p:cNvSpPr/>
+          <p:nvPr/>
+        </p:nvSpPr>
+        <p:spPr>
+          <a:xfrm>
+            <a:off x="3569508" y="2836639"/>
+            <a:ext cx="239161" cy="239161"/>
+          </a:xfrm>
+          <a:prstGeom prst="ellipse">
+            <a:avLst/>
+          </a:prstGeom>
+          <a:solidFill>
+            <a:schemeClr val="bg1"/>
+          </a:solidFill>
+          <a:ln w="12700">
+            <a:solidFill>
+              <a:schemeClr val="accent5">
+                <a:lumMod val="50000"/>
+              </a:schemeClr>
+            </a:solidFill>
+          </a:ln>
+        </p:spPr>
+        <p:style>
+          <a:lnRef idx="2">
+            <a:schemeClr val="accent1">
+              <a:shade val="50000"/>
+            </a:schemeClr>
+          </a:lnRef>
+          <a:fillRef idx="1">
+            <a:schemeClr val="accent1"/>
+          </a:fillRef>
+          <a:effectRef idx="0">
+            <a:schemeClr val="accent1"/>
+          </a:effectRef>
+          <a:fontRef idx="minor">
+            <a:schemeClr val="lt1"/>
+          </a:fontRef>
+        </p:style>
+        <p:txBody>
+          <a:bodyPr lIns="0" tIns="0" rIns="0" bIns="0" rtlCol="0" anchor="ctr"/>
+          <a:lstStyle/>
+          <a:p>
+            <a:pPr algn="ctr"/>
+            <a:r>
+              <a:rPr lang="fr-FR" sz="1200" b="1" dirty="0">
+                <a:solidFill>
+                  <a:schemeClr val="tx1"/>
+                </a:solidFill>
+              </a:rPr>
+              <a:t>1</a:t>
+            </a:r>
+          </a:p>
+        </p:txBody>
+      </p:sp>
+      <p:sp>
+        <p:nvSpPr>
+          <p:cNvPr id="32" name="Ellipse 31">
+            <a:extLst>
+              <a:ext uri="{FF2B5EF4-FFF2-40B4-BE49-F238E27FC236}">
+                <a16:creationId xmlns:a16="http://schemas.microsoft.com/office/drawing/2014/main" id="{9115BE78-E05D-4B68-B210-F8820DAA6059}"/>
+              </a:ext>
+            </a:extLst>
+          </p:cNvPr>
+          <p:cNvSpPr/>
+          <p:nvPr/>
+        </p:nvSpPr>
+        <p:spPr>
+          <a:xfrm>
+            <a:off x="4168585" y="2291800"/>
+            <a:ext cx="239161" cy="239161"/>
+          </a:xfrm>
+          <a:prstGeom prst="ellipse">
+            <a:avLst/>
+          </a:prstGeom>
+          <a:solidFill>
+            <a:schemeClr val="bg1"/>
+          </a:solidFill>
+          <a:ln w="12700">
+            <a:solidFill>
+              <a:schemeClr val="accent5">
+                <a:lumMod val="50000"/>
+              </a:schemeClr>
+            </a:solidFill>
+          </a:ln>
+        </p:spPr>
+        <p:style>
+          <a:lnRef idx="2">
+            <a:schemeClr val="accent1">
+              <a:shade val="50000"/>
+            </a:schemeClr>
+          </a:lnRef>
+          <a:fillRef idx="1">
+            <a:schemeClr val="accent1"/>
+          </a:fillRef>
+          <a:effectRef idx="0">
+            <a:schemeClr val="accent1"/>
+          </a:effectRef>
+          <a:fontRef idx="minor">
+            <a:schemeClr val="lt1"/>
+          </a:fontRef>
+        </p:style>
+        <p:txBody>
+          <a:bodyPr lIns="0" tIns="0" rIns="0" bIns="0" rtlCol="0" anchor="ctr"/>
+          <a:lstStyle/>
+          <a:p>
+            <a:pPr algn="ctr"/>
+            <a:r>
+              <a:rPr lang="fr-FR" sz="1200" b="1" dirty="0">
+                <a:solidFill>
+                  <a:schemeClr val="tx1"/>
+                </a:solidFill>
+              </a:rPr>
+              <a:t>2</a:t>
+            </a:r>
+            <a:r>
+              <a:rPr lang="fr-FR" sz="1200" b="1" baseline="-25000" dirty="0">
+                <a:solidFill>
+                  <a:schemeClr val="tx1"/>
+                </a:solidFill>
+              </a:rPr>
+              <a:t>1</a:t>
+            </a:r>
+          </a:p>
+        </p:txBody>
+      </p:sp>
+      <p:sp>
+        <p:nvSpPr>
+          <p:cNvPr id="33" name="Ellipse 32">
+            <a:extLst>
+              <a:ext uri="{FF2B5EF4-FFF2-40B4-BE49-F238E27FC236}">
+                <a16:creationId xmlns:a16="http://schemas.microsoft.com/office/drawing/2014/main" id="{2CBD559C-60C4-47ED-8A08-E13842280C64}"/>
+              </a:ext>
+            </a:extLst>
+          </p:cNvPr>
+          <p:cNvSpPr/>
+          <p:nvPr/>
+        </p:nvSpPr>
+        <p:spPr>
+          <a:xfrm>
+            <a:off x="5369584" y="2140725"/>
+            <a:ext cx="239161" cy="239161"/>
+          </a:xfrm>
+          <a:prstGeom prst="ellipse">
+            <a:avLst/>
+          </a:prstGeom>
+          <a:solidFill>
+            <a:schemeClr val="bg1"/>
+          </a:solidFill>
+          <a:ln w="12700">
+            <a:solidFill>
+              <a:schemeClr val="accent5">
+                <a:lumMod val="50000"/>
+              </a:schemeClr>
+            </a:solidFill>
+          </a:ln>
+        </p:spPr>
+        <p:style>
+          <a:lnRef idx="2">
+            <a:schemeClr val="accent1">
+              <a:shade val="50000"/>
+            </a:schemeClr>
+          </a:lnRef>
+          <a:fillRef idx="1">
+            <a:schemeClr val="accent1"/>
+          </a:fillRef>
+          <a:effectRef idx="0">
+            <a:schemeClr val="accent1"/>
+          </a:effectRef>
+          <a:fontRef idx="minor">
+            <a:schemeClr val="lt1"/>
+          </a:fontRef>
+        </p:style>
+        <p:txBody>
+          <a:bodyPr lIns="0" tIns="0" rIns="0" bIns="0" rtlCol="0" anchor="ctr"/>
+          <a:lstStyle/>
+          <a:p>
+            <a:pPr algn="ctr"/>
+            <a:r>
+              <a:rPr lang="fr-FR" sz="1100" b="1" dirty="0">
+                <a:solidFill>
+                  <a:schemeClr val="tx1"/>
+                </a:solidFill>
+              </a:rPr>
+              <a:t>4</a:t>
+            </a:r>
+            <a:r>
+              <a:rPr lang="fr-FR" sz="1100" b="1" baseline="-25000" dirty="0">
+                <a:solidFill>
+                  <a:schemeClr val="tx1"/>
+                </a:solidFill>
+              </a:rPr>
+              <a:t>11</a:t>
+            </a:r>
+          </a:p>
+        </p:txBody>
+      </p:sp>
+      <p:sp>
+        <p:nvSpPr>
+          <p:cNvPr id="34" name="Ellipse 33">
+            <a:extLst>
+              <a:ext uri="{FF2B5EF4-FFF2-40B4-BE49-F238E27FC236}">
+                <a16:creationId xmlns:a16="http://schemas.microsoft.com/office/drawing/2014/main" id="{0D8E0E57-2782-4B81-BCD5-B55E8E4247CD}"/>
+              </a:ext>
+            </a:extLst>
+          </p:cNvPr>
+          <p:cNvSpPr/>
+          <p:nvPr/>
+        </p:nvSpPr>
+        <p:spPr>
+          <a:xfrm>
+            <a:off x="6339224" y="2836639"/>
+            <a:ext cx="239161" cy="239161"/>
+          </a:xfrm>
+          <a:prstGeom prst="ellipse">
+            <a:avLst/>
+          </a:prstGeom>
+          <a:solidFill>
+            <a:schemeClr val="bg1"/>
+          </a:solidFill>
+          <a:ln w="12700">
+            <a:solidFill>
+              <a:schemeClr val="accent5">
+                <a:lumMod val="50000"/>
+              </a:schemeClr>
+            </a:solidFill>
+          </a:ln>
+        </p:spPr>
+        <p:style>
+          <a:lnRef idx="2">
+            <a:schemeClr val="accent1">
+              <a:shade val="50000"/>
+            </a:schemeClr>
+          </a:lnRef>
+          <a:fillRef idx="1">
+            <a:schemeClr val="accent1"/>
+          </a:fillRef>
+          <a:effectRef idx="0">
+            <a:schemeClr val="accent1"/>
+          </a:effectRef>
+          <a:fontRef idx="minor">
+            <a:schemeClr val="lt1"/>
+          </a:fontRef>
+        </p:style>
+        <p:txBody>
+          <a:bodyPr lIns="0" tIns="0" rIns="0" bIns="0" rtlCol="0" anchor="ctr"/>
+          <a:lstStyle/>
+          <a:p>
+            <a:pPr algn="ctr"/>
+            <a:r>
+              <a:rPr lang="fr-FR" sz="1200" b="1" dirty="0">
+                <a:solidFill>
+                  <a:schemeClr val="tx1"/>
+                </a:solidFill>
+              </a:rPr>
+              <a:t>6</a:t>
+            </a:r>
+          </a:p>
+        </p:txBody>
+      </p:sp>
+      <p:sp>
+        <p:nvSpPr>
+          <p:cNvPr id="35" name="Ellipse 34">
+            <a:extLst>
+              <a:ext uri="{FF2B5EF4-FFF2-40B4-BE49-F238E27FC236}">
+                <a16:creationId xmlns:a16="http://schemas.microsoft.com/office/drawing/2014/main" id="{D824AC5F-6E23-465D-A1D7-206767845B0F}"/>
+              </a:ext>
+            </a:extLst>
+          </p:cNvPr>
+          <p:cNvSpPr/>
+          <p:nvPr/>
+        </p:nvSpPr>
+        <p:spPr>
+          <a:xfrm>
+            <a:off x="4168585" y="2836639"/>
+            <a:ext cx="239161" cy="239161"/>
+          </a:xfrm>
+          <a:prstGeom prst="ellipse">
+            <a:avLst/>
+          </a:prstGeom>
+          <a:solidFill>
+            <a:schemeClr val="bg1"/>
+          </a:solidFill>
+          <a:ln w="12700">
+            <a:solidFill>
+              <a:schemeClr val="accent5">
+                <a:lumMod val="50000"/>
+              </a:schemeClr>
+            </a:solidFill>
+          </a:ln>
+        </p:spPr>
+        <p:style>
+          <a:lnRef idx="2">
+            <a:schemeClr val="accent1">
+              <a:shade val="50000"/>
+            </a:schemeClr>
+          </a:lnRef>
+          <a:fillRef idx="1">
+            <a:schemeClr val="accent1"/>
+          </a:fillRef>
+          <a:effectRef idx="0">
+            <a:schemeClr val="accent1"/>
+          </a:effectRef>
+          <a:fontRef idx="minor">
+            <a:schemeClr val="lt1"/>
+          </a:fontRef>
+        </p:style>
+        <p:txBody>
+          <a:bodyPr lIns="0" tIns="0" rIns="0" bIns="0" rtlCol="0" anchor="ctr"/>
+          <a:lstStyle/>
+          <a:p>
+            <a:pPr algn="ctr"/>
+            <a:r>
+              <a:rPr lang="fr-FR" sz="1200" b="1" dirty="0">
+                <a:solidFill>
+                  <a:schemeClr val="tx1"/>
+                </a:solidFill>
+              </a:rPr>
+              <a:t>2</a:t>
+            </a:r>
+            <a:r>
+              <a:rPr lang="fr-FR" sz="1200" b="1" baseline="-25000" dirty="0">
+                <a:solidFill>
+                  <a:schemeClr val="tx1"/>
+                </a:solidFill>
+              </a:rPr>
+              <a:t>2</a:t>
+            </a:r>
+          </a:p>
+        </p:txBody>
+      </p:sp>
+      <p:sp>
+        <p:nvSpPr>
+          <p:cNvPr id="36" name="Ellipse 35">
+            <a:extLst>
+              <a:ext uri="{FF2B5EF4-FFF2-40B4-BE49-F238E27FC236}">
+                <a16:creationId xmlns:a16="http://schemas.microsoft.com/office/drawing/2014/main" id="{824D0A56-8A85-47E8-993E-AA764282C2E2}"/>
+              </a:ext>
+            </a:extLst>
+          </p:cNvPr>
+          <p:cNvSpPr/>
+          <p:nvPr/>
+        </p:nvSpPr>
+        <p:spPr>
+          <a:xfrm>
+            <a:off x="4168584" y="3381479"/>
+            <a:ext cx="239161" cy="239161"/>
+          </a:xfrm>
+          <a:prstGeom prst="ellipse">
+            <a:avLst/>
+          </a:prstGeom>
+          <a:solidFill>
+            <a:schemeClr val="bg1"/>
+          </a:solidFill>
+          <a:ln w="12700">
+            <a:solidFill>
+              <a:schemeClr val="accent5">
+                <a:lumMod val="50000"/>
+              </a:schemeClr>
+            </a:solidFill>
+          </a:ln>
+        </p:spPr>
+        <p:style>
+          <a:lnRef idx="2">
+            <a:schemeClr val="accent1">
+              <a:shade val="50000"/>
+            </a:schemeClr>
+          </a:lnRef>
+          <a:fillRef idx="1">
+            <a:schemeClr val="accent1"/>
+          </a:fillRef>
+          <a:effectRef idx="0">
+            <a:schemeClr val="accent1"/>
+          </a:effectRef>
+          <a:fontRef idx="minor">
+            <a:schemeClr val="lt1"/>
+          </a:fontRef>
+        </p:style>
+        <p:txBody>
+          <a:bodyPr lIns="0" tIns="0" rIns="0" bIns="0" rtlCol="0" anchor="ctr"/>
+          <a:lstStyle/>
+          <a:p>
+            <a:pPr algn="ctr"/>
+            <a:r>
+              <a:rPr lang="fr-FR" sz="1200" b="1" dirty="0">
+                <a:solidFill>
+                  <a:schemeClr val="tx1"/>
+                </a:solidFill>
+              </a:rPr>
+              <a:t>2</a:t>
+            </a:r>
+            <a:r>
+              <a:rPr lang="fr-FR" sz="1200" b="1" baseline="-25000" dirty="0">
+                <a:solidFill>
+                  <a:schemeClr val="tx1"/>
+                </a:solidFill>
+              </a:rPr>
+              <a:t>3</a:t>
+            </a:r>
+          </a:p>
+        </p:txBody>
+      </p:sp>
+      <p:sp>
+        <p:nvSpPr>
+          <p:cNvPr id="37" name="Ellipse 36">
+            <a:extLst>
+              <a:ext uri="{FF2B5EF4-FFF2-40B4-BE49-F238E27FC236}">
+                <a16:creationId xmlns:a16="http://schemas.microsoft.com/office/drawing/2014/main" id="{0E1781B5-BD1D-4A58-8061-B971C5D35BBE}"/>
+              </a:ext>
+            </a:extLst>
+          </p:cNvPr>
+          <p:cNvSpPr/>
+          <p:nvPr/>
+        </p:nvSpPr>
+        <p:spPr>
+          <a:xfrm>
+            <a:off x="5369584" y="2411379"/>
+            <a:ext cx="239161" cy="239161"/>
+          </a:xfrm>
+          <a:prstGeom prst="ellipse">
+            <a:avLst/>
+          </a:prstGeom>
+          <a:solidFill>
+            <a:schemeClr val="bg1"/>
+          </a:solidFill>
+          <a:ln w="12700">
+            <a:solidFill>
+              <a:schemeClr val="accent5">
+                <a:lumMod val="50000"/>
+              </a:schemeClr>
+            </a:solidFill>
+          </a:ln>
+        </p:spPr>
+        <p:style>
+          <a:lnRef idx="2">
+            <a:schemeClr val="accent1">
+              <a:shade val="50000"/>
+            </a:schemeClr>
+          </a:lnRef>
+          <a:fillRef idx="1">
+            <a:schemeClr val="accent1"/>
+          </a:fillRef>
+          <a:effectRef idx="0">
+            <a:schemeClr val="accent1"/>
+          </a:effectRef>
+          <a:fontRef idx="minor">
+            <a:schemeClr val="lt1"/>
+          </a:fontRef>
+        </p:style>
+        <p:txBody>
+          <a:bodyPr lIns="0" tIns="0" rIns="0" bIns="0" rtlCol="0" anchor="ctr"/>
+          <a:lstStyle/>
+          <a:p>
+            <a:pPr algn="ctr"/>
+            <a:r>
+              <a:rPr lang="fr-FR" sz="1100" b="1" dirty="0">
+                <a:solidFill>
+                  <a:schemeClr val="tx1"/>
+                </a:solidFill>
+              </a:rPr>
+              <a:t>4</a:t>
+            </a:r>
+            <a:r>
+              <a:rPr lang="fr-FR" sz="1100" b="1" baseline="-25000" dirty="0">
+                <a:solidFill>
+                  <a:schemeClr val="tx1"/>
+                </a:solidFill>
+              </a:rPr>
+              <a:t>12</a:t>
+            </a:r>
+          </a:p>
+        </p:txBody>
+      </p:sp>
+      <p:sp>
+        <p:nvSpPr>
+          <p:cNvPr id="38" name="Ellipse 37">
+            <a:extLst>
+              <a:ext uri="{FF2B5EF4-FFF2-40B4-BE49-F238E27FC236}">
+                <a16:creationId xmlns:a16="http://schemas.microsoft.com/office/drawing/2014/main" id="{14446C03-DC0C-4D3C-AE4E-31560EEDB9E7}"/>
+              </a:ext>
+            </a:extLst>
+          </p:cNvPr>
+          <p:cNvSpPr/>
+          <p:nvPr/>
+        </p:nvSpPr>
+        <p:spPr>
+          <a:xfrm>
+            <a:off x="5369584" y="2707363"/>
+            <a:ext cx="239161" cy="239161"/>
+          </a:xfrm>
+          <a:prstGeom prst="ellipse">
+            <a:avLst/>
+          </a:prstGeom>
+          <a:solidFill>
+            <a:schemeClr val="bg1"/>
+          </a:solidFill>
+          <a:ln w="12700">
+            <a:solidFill>
+              <a:schemeClr val="accent5">
+                <a:lumMod val="50000"/>
+              </a:schemeClr>
+            </a:solidFill>
+          </a:ln>
+        </p:spPr>
+        <p:style>
+          <a:lnRef idx="2">
+            <a:schemeClr val="accent1">
+              <a:shade val="50000"/>
+            </a:schemeClr>
+          </a:lnRef>
+          <a:fillRef idx="1">
+            <a:schemeClr val="accent1"/>
+          </a:fillRef>
+          <a:effectRef idx="0">
+            <a:schemeClr val="accent1"/>
+          </a:effectRef>
+          <a:fontRef idx="minor">
+            <a:schemeClr val="lt1"/>
+          </a:fontRef>
+        </p:style>
+        <p:txBody>
+          <a:bodyPr lIns="0" tIns="0" rIns="0" bIns="0" rtlCol="0" anchor="ctr"/>
+          <a:lstStyle/>
+          <a:p>
+            <a:pPr algn="ctr"/>
+            <a:r>
+              <a:rPr lang="fr-FR" sz="1100" b="1" dirty="0">
+                <a:solidFill>
+                  <a:schemeClr val="tx1"/>
+                </a:solidFill>
+              </a:rPr>
+              <a:t>4</a:t>
+            </a:r>
+            <a:r>
+              <a:rPr lang="fr-FR" sz="1100" b="1" baseline="-25000" dirty="0">
+                <a:solidFill>
+                  <a:schemeClr val="tx1"/>
+                </a:solidFill>
+              </a:rPr>
+              <a:t>21</a:t>
+            </a:r>
+          </a:p>
+        </p:txBody>
+      </p:sp>
+      <p:sp>
+        <p:nvSpPr>
+          <p:cNvPr id="39" name="Ellipse 38">
+            <a:extLst>
+              <a:ext uri="{FF2B5EF4-FFF2-40B4-BE49-F238E27FC236}">
+                <a16:creationId xmlns:a16="http://schemas.microsoft.com/office/drawing/2014/main" id="{33EE9AD6-109F-49FB-84E8-206F3CD3C2C1}"/>
+              </a:ext>
+            </a:extLst>
+          </p:cNvPr>
+          <p:cNvSpPr/>
+          <p:nvPr/>
+        </p:nvSpPr>
+        <p:spPr>
+          <a:xfrm>
+            <a:off x="5369584" y="2977735"/>
+            <a:ext cx="239161" cy="239161"/>
+          </a:xfrm>
+          <a:prstGeom prst="ellipse">
+            <a:avLst/>
+          </a:prstGeom>
+          <a:solidFill>
+            <a:schemeClr val="bg1"/>
+          </a:solidFill>
+          <a:ln w="12700">
+            <a:solidFill>
+              <a:schemeClr val="accent5">
+                <a:lumMod val="50000"/>
+              </a:schemeClr>
+            </a:solidFill>
+          </a:ln>
+        </p:spPr>
+        <p:style>
+          <a:lnRef idx="2">
+            <a:schemeClr val="accent1">
+              <a:shade val="50000"/>
+            </a:schemeClr>
+          </a:lnRef>
+          <a:fillRef idx="1">
+            <a:schemeClr val="accent1"/>
+          </a:fillRef>
+          <a:effectRef idx="0">
+            <a:schemeClr val="accent1"/>
+          </a:effectRef>
+          <a:fontRef idx="minor">
+            <a:schemeClr val="lt1"/>
+          </a:fontRef>
+        </p:style>
+        <p:txBody>
+          <a:bodyPr lIns="0" tIns="0" rIns="0" bIns="0" rtlCol="0" anchor="ctr"/>
+          <a:lstStyle/>
+          <a:p>
+            <a:pPr algn="ctr"/>
+            <a:r>
+              <a:rPr lang="fr-FR" sz="1100" b="1" dirty="0">
+                <a:solidFill>
+                  <a:schemeClr val="tx1"/>
+                </a:solidFill>
+              </a:rPr>
+              <a:t>4</a:t>
+            </a:r>
+            <a:r>
+              <a:rPr lang="fr-FR" sz="1100" b="1" baseline="-25000" dirty="0">
+                <a:solidFill>
+                  <a:schemeClr val="tx1"/>
+                </a:solidFill>
+              </a:rPr>
+              <a:t>22</a:t>
+            </a:r>
+          </a:p>
+        </p:txBody>
+      </p:sp>
+      <p:sp>
+        <p:nvSpPr>
+          <p:cNvPr id="40" name="Ellipse 39">
+            <a:extLst>
+              <a:ext uri="{FF2B5EF4-FFF2-40B4-BE49-F238E27FC236}">
+                <a16:creationId xmlns:a16="http://schemas.microsoft.com/office/drawing/2014/main" id="{0EAC33CE-87D8-4829-B484-3F5A3CD5017D}"/>
+              </a:ext>
+            </a:extLst>
+          </p:cNvPr>
+          <p:cNvSpPr/>
+          <p:nvPr/>
+        </p:nvSpPr>
+        <p:spPr>
+          <a:xfrm>
+            <a:off x="5369584" y="3283656"/>
+            <a:ext cx="239161" cy="239161"/>
+          </a:xfrm>
+          <a:prstGeom prst="ellipse">
+            <a:avLst/>
+          </a:prstGeom>
+          <a:solidFill>
+            <a:schemeClr val="bg1"/>
+          </a:solidFill>
+          <a:ln w="12700">
+            <a:solidFill>
+              <a:schemeClr val="accent5">
+                <a:lumMod val="50000"/>
+              </a:schemeClr>
+            </a:solidFill>
+          </a:ln>
+        </p:spPr>
+        <p:style>
+          <a:lnRef idx="2">
+            <a:schemeClr val="accent1">
+              <a:shade val="50000"/>
+            </a:schemeClr>
+          </a:lnRef>
+          <a:fillRef idx="1">
+            <a:schemeClr val="accent1"/>
+          </a:fillRef>
+          <a:effectRef idx="0">
+            <a:schemeClr val="accent1"/>
+          </a:effectRef>
+          <a:fontRef idx="minor">
+            <a:schemeClr val="lt1"/>
+          </a:fontRef>
+        </p:style>
+        <p:txBody>
+          <a:bodyPr lIns="0" tIns="0" rIns="0" bIns="0" rtlCol="0" anchor="ctr"/>
+          <a:lstStyle/>
+          <a:p>
+            <a:pPr algn="ctr"/>
+            <a:r>
+              <a:rPr lang="fr-FR" sz="1100" b="1" dirty="0">
+                <a:solidFill>
+                  <a:schemeClr val="tx1"/>
+                </a:solidFill>
+              </a:rPr>
+              <a:t>4</a:t>
+            </a:r>
+            <a:r>
+              <a:rPr lang="fr-FR" sz="1100" b="1" baseline="-25000" dirty="0">
+                <a:solidFill>
+                  <a:schemeClr val="tx1"/>
+                </a:solidFill>
+              </a:rPr>
+              <a:t>31</a:t>
+            </a:r>
+          </a:p>
+        </p:txBody>
+      </p:sp>
+      <p:sp>
+        <p:nvSpPr>
+          <p:cNvPr id="41" name="Ellipse 40">
+            <a:extLst>
+              <a:ext uri="{FF2B5EF4-FFF2-40B4-BE49-F238E27FC236}">
+                <a16:creationId xmlns:a16="http://schemas.microsoft.com/office/drawing/2014/main" id="{99888751-E29F-4E8E-B10C-E7E8C6E14ADF}"/>
+              </a:ext>
+            </a:extLst>
+          </p:cNvPr>
+          <p:cNvSpPr/>
+          <p:nvPr/>
+        </p:nvSpPr>
+        <p:spPr>
+          <a:xfrm>
+            <a:off x="5369584" y="3549879"/>
+            <a:ext cx="239161" cy="239161"/>
+          </a:xfrm>
+          <a:prstGeom prst="ellipse">
+            <a:avLst/>
+          </a:prstGeom>
+          <a:solidFill>
+            <a:schemeClr val="bg1"/>
+          </a:solidFill>
+          <a:ln w="12700">
+            <a:solidFill>
+              <a:schemeClr val="accent5">
+                <a:lumMod val="50000"/>
+              </a:schemeClr>
+            </a:solidFill>
+          </a:ln>
+        </p:spPr>
+        <p:style>
+          <a:lnRef idx="2">
+            <a:schemeClr val="accent1">
+              <a:shade val="50000"/>
+            </a:schemeClr>
+          </a:lnRef>
+          <a:fillRef idx="1">
+            <a:schemeClr val="accent1"/>
+          </a:fillRef>
+          <a:effectRef idx="0">
+            <a:schemeClr val="accent1"/>
+          </a:effectRef>
+          <a:fontRef idx="minor">
+            <a:schemeClr val="lt1"/>
+          </a:fontRef>
+        </p:style>
+        <p:txBody>
+          <a:bodyPr lIns="0" tIns="0" rIns="0" bIns="0" rtlCol="0" anchor="ctr"/>
+          <a:lstStyle/>
+          <a:p>
+            <a:pPr algn="ctr"/>
+            <a:r>
+              <a:rPr lang="fr-FR" sz="1100" b="1" dirty="0">
+                <a:solidFill>
+                  <a:schemeClr val="tx1"/>
+                </a:solidFill>
+              </a:rPr>
+              <a:t>4</a:t>
+            </a:r>
+            <a:r>
+              <a:rPr lang="fr-FR" sz="1100" b="1" baseline="-25000" dirty="0">
+                <a:solidFill>
+                  <a:schemeClr val="tx1"/>
+                </a:solidFill>
+              </a:rPr>
+              <a:t>32</a:t>
+            </a:r>
+          </a:p>
+        </p:txBody>
+      </p:sp>
+      <p:sp>
+        <p:nvSpPr>
+          <p:cNvPr id="42" name="Ellipse 41">
+            <a:extLst>
+              <a:ext uri="{FF2B5EF4-FFF2-40B4-BE49-F238E27FC236}">
+                <a16:creationId xmlns:a16="http://schemas.microsoft.com/office/drawing/2014/main" id="{6C2C4F83-A183-4DDE-AE60-1FB0E0EA47B4}"/>
+              </a:ext>
+            </a:extLst>
+          </p:cNvPr>
+          <p:cNvSpPr/>
+          <p:nvPr/>
+        </p:nvSpPr>
+        <p:spPr>
+          <a:xfrm>
+            <a:off x="4744649" y="2291798"/>
+            <a:ext cx="239161" cy="239161"/>
+          </a:xfrm>
+          <a:prstGeom prst="ellipse">
+            <a:avLst/>
+          </a:prstGeom>
+          <a:solidFill>
+            <a:schemeClr val="bg1"/>
+          </a:solidFill>
+          <a:ln w="12700">
+            <a:solidFill>
+              <a:schemeClr val="accent5">
+                <a:lumMod val="50000"/>
+              </a:schemeClr>
+            </a:solidFill>
+          </a:ln>
+        </p:spPr>
+        <p:style>
+          <a:lnRef idx="2">
+            <a:schemeClr val="accent1">
+              <a:shade val="50000"/>
+            </a:schemeClr>
+          </a:lnRef>
+          <a:fillRef idx="1">
+            <a:schemeClr val="accent1"/>
+          </a:fillRef>
+          <a:effectRef idx="0">
+            <a:schemeClr val="accent1"/>
+          </a:effectRef>
+          <a:fontRef idx="minor">
+            <a:schemeClr val="lt1"/>
+          </a:fontRef>
+        </p:style>
+        <p:txBody>
+          <a:bodyPr lIns="0" tIns="0" rIns="0" bIns="0" rtlCol="0" anchor="ctr"/>
+          <a:lstStyle/>
+          <a:p>
+            <a:pPr algn="ctr"/>
+            <a:r>
+              <a:rPr lang="fr-FR" sz="1200" b="1" dirty="0">
+                <a:solidFill>
+                  <a:schemeClr val="tx1"/>
+                </a:solidFill>
+              </a:rPr>
+              <a:t>3</a:t>
+            </a:r>
+            <a:r>
+              <a:rPr lang="fr-FR" sz="1200" b="1" baseline="-25000" dirty="0">
+                <a:solidFill>
+                  <a:schemeClr val="tx1"/>
+                </a:solidFill>
+              </a:rPr>
+              <a:t>1</a:t>
+            </a:r>
+          </a:p>
+        </p:txBody>
+      </p:sp>
+      <p:sp>
+        <p:nvSpPr>
+          <p:cNvPr id="43" name="Ellipse 42">
+            <a:extLst>
+              <a:ext uri="{FF2B5EF4-FFF2-40B4-BE49-F238E27FC236}">
+                <a16:creationId xmlns:a16="http://schemas.microsoft.com/office/drawing/2014/main" id="{A0BB4F43-353A-4410-9B0F-EB3B1C449E01}"/>
+              </a:ext>
+            </a:extLst>
+          </p:cNvPr>
+          <p:cNvSpPr/>
+          <p:nvPr/>
+        </p:nvSpPr>
+        <p:spPr>
+          <a:xfrm>
+            <a:off x="4744649" y="2836637"/>
+            <a:ext cx="239161" cy="239161"/>
+          </a:xfrm>
+          <a:prstGeom prst="ellipse">
+            <a:avLst/>
+          </a:prstGeom>
+          <a:solidFill>
+            <a:schemeClr val="bg1"/>
+          </a:solidFill>
+          <a:ln w="12700">
+            <a:solidFill>
+              <a:schemeClr val="accent5">
+                <a:lumMod val="50000"/>
+              </a:schemeClr>
+            </a:solidFill>
+          </a:ln>
+        </p:spPr>
+        <p:style>
+          <a:lnRef idx="2">
+            <a:schemeClr val="accent1">
+              <a:shade val="50000"/>
+            </a:schemeClr>
+          </a:lnRef>
+          <a:fillRef idx="1">
+            <a:schemeClr val="accent1"/>
+          </a:fillRef>
+          <a:effectRef idx="0">
+            <a:schemeClr val="accent1"/>
+          </a:effectRef>
+          <a:fontRef idx="minor">
+            <a:schemeClr val="lt1"/>
+          </a:fontRef>
+        </p:style>
+        <p:txBody>
+          <a:bodyPr lIns="0" tIns="0" rIns="0" bIns="0" rtlCol="0" anchor="ctr"/>
+          <a:lstStyle/>
+          <a:p>
+            <a:pPr algn="ctr"/>
+            <a:r>
+              <a:rPr lang="fr-FR" sz="1200" b="1" dirty="0">
+                <a:solidFill>
+                  <a:schemeClr val="tx1"/>
+                </a:solidFill>
+              </a:rPr>
+              <a:t>3</a:t>
+            </a:r>
+            <a:r>
+              <a:rPr lang="fr-FR" sz="1200" b="1" baseline="-25000" dirty="0">
+                <a:solidFill>
+                  <a:schemeClr val="tx1"/>
+                </a:solidFill>
+              </a:rPr>
+              <a:t>2</a:t>
+            </a:r>
+          </a:p>
+        </p:txBody>
+      </p:sp>
+      <p:sp>
+        <p:nvSpPr>
+          <p:cNvPr id="44" name="Ellipse 43">
+            <a:extLst>
+              <a:ext uri="{FF2B5EF4-FFF2-40B4-BE49-F238E27FC236}">
+                <a16:creationId xmlns:a16="http://schemas.microsoft.com/office/drawing/2014/main" id="{17B69C37-018B-4902-9E42-77A77686A4F6}"/>
+              </a:ext>
+            </a:extLst>
+          </p:cNvPr>
+          <p:cNvSpPr/>
+          <p:nvPr/>
+        </p:nvSpPr>
+        <p:spPr>
+          <a:xfrm>
+            <a:off x="4744648" y="3381477"/>
+            <a:ext cx="239161" cy="239161"/>
+          </a:xfrm>
+          <a:prstGeom prst="ellipse">
+            <a:avLst/>
+          </a:prstGeom>
+          <a:solidFill>
+            <a:schemeClr val="bg1"/>
+          </a:solidFill>
+          <a:ln w="12700">
+            <a:solidFill>
+              <a:schemeClr val="accent5">
+                <a:lumMod val="50000"/>
+              </a:schemeClr>
+            </a:solidFill>
+          </a:ln>
+        </p:spPr>
+        <p:style>
+          <a:lnRef idx="2">
+            <a:schemeClr val="accent1">
+              <a:shade val="50000"/>
+            </a:schemeClr>
+          </a:lnRef>
+          <a:fillRef idx="1">
+            <a:schemeClr val="accent1"/>
+          </a:fillRef>
+          <a:effectRef idx="0">
+            <a:schemeClr val="accent1"/>
+          </a:effectRef>
+          <a:fontRef idx="minor">
+            <a:schemeClr val="lt1"/>
+          </a:fontRef>
+        </p:style>
+        <p:txBody>
+          <a:bodyPr lIns="0" tIns="0" rIns="0" bIns="0" rtlCol="0" anchor="ctr"/>
+          <a:lstStyle/>
+          <a:p>
+            <a:pPr algn="ctr"/>
+            <a:r>
+              <a:rPr lang="fr-FR" sz="1200" b="1" dirty="0">
+                <a:solidFill>
+                  <a:schemeClr val="tx1"/>
+                </a:solidFill>
+              </a:rPr>
+              <a:t>3</a:t>
+            </a:r>
+            <a:r>
+              <a:rPr lang="fr-FR" sz="1200" b="1" baseline="-25000" dirty="0">
+                <a:solidFill>
+                  <a:schemeClr val="tx1"/>
+                </a:solidFill>
+              </a:rPr>
+              <a:t>3</a:t>
+            </a:r>
+          </a:p>
+        </p:txBody>
+      </p:sp>
+      <p:cxnSp>
+        <p:nvCxnSpPr>
+          <p:cNvPr id="45" name="Connecteur droit 44">
+            <a:extLst>
+              <a:ext uri="{FF2B5EF4-FFF2-40B4-BE49-F238E27FC236}">
+                <a16:creationId xmlns:a16="http://schemas.microsoft.com/office/drawing/2014/main" id="{9993ED0F-BC15-46A8-A081-66449CFB9F55}"/>
+              </a:ext>
+            </a:extLst>
+          </p:cNvPr>
+          <p:cNvCxnSpPr>
+            <a:stCxn id="35" idx="6"/>
+            <a:endCxn id="43" idx="2"/>
+          </p:cNvCxnSpPr>
+          <p:nvPr/>
+        </p:nvCxnSpPr>
+        <p:spPr>
+          <a:xfrm flipV="1">
+            <a:off x="4407746" y="2956218"/>
+            <a:ext cx="336903" cy="2"/>
+          </a:xfrm>
+          <a:prstGeom prst="line">
+            <a:avLst/>
+          </a:prstGeom>
+          <a:noFill/>
+          <a:ln w="12700">
+            <a:solidFill>
+              <a:schemeClr val="accent5">
+                <a:lumMod val="50000"/>
+              </a:schemeClr>
+            </a:solidFill>
+          </a:ln>
+        </p:spPr>
+        <p:style>
+          <a:lnRef idx="2">
+            <a:schemeClr val="accent1">
+              <a:shade val="50000"/>
+            </a:schemeClr>
+          </a:lnRef>
+          <a:fillRef idx="1">
+            <a:schemeClr val="accent1"/>
+          </a:fillRef>
+          <a:effectRef idx="0">
+            <a:schemeClr val="accent1"/>
+          </a:effectRef>
+          <a:fontRef idx="minor">
+            <a:schemeClr val="lt1"/>
+          </a:fontRef>
+        </p:style>
+      </p:cxnSp>
+      <p:sp>
+        <p:nvSpPr>
+          <p:cNvPr id="46" name="Ellipse 45">
+            <a:extLst>
+              <a:ext uri="{FF2B5EF4-FFF2-40B4-BE49-F238E27FC236}">
+                <a16:creationId xmlns:a16="http://schemas.microsoft.com/office/drawing/2014/main" id="{5B1C393A-2FA6-4CD0-BD4B-B94A57F41F08}"/>
+              </a:ext>
+            </a:extLst>
+          </p:cNvPr>
+          <p:cNvSpPr/>
+          <p:nvPr/>
+        </p:nvSpPr>
+        <p:spPr>
+          <a:xfrm>
+            <a:off x="5896777" y="2291800"/>
+            <a:ext cx="239161" cy="239161"/>
+          </a:xfrm>
+          <a:prstGeom prst="ellipse">
+            <a:avLst/>
+          </a:prstGeom>
+          <a:solidFill>
+            <a:schemeClr val="bg1"/>
+          </a:solidFill>
+          <a:ln w="12700">
+            <a:solidFill>
+              <a:schemeClr val="accent5">
+                <a:lumMod val="50000"/>
+              </a:schemeClr>
+            </a:solidFill>
+          </a:ln>
+        </p:spPr>
+        <p:style>
+          <a:lnRef idx="2">
+            <a:schemeClr val="accent1">
+              <a:shade val="50000"/>
+            </a:schemeClr>
+          </a:lnRef>
+          <a:fillRef idx="1">
+            <a:schemeClr val="accent1"/>
+          </a:fillRef>
+          <a:effectRef idx="0">
+            <a:schemeClr val="accent1"/>
+          </a:effectRef>
+          <a:fontRef idx="minor">
+            <a:schemeClr val="lt1"/>
+          </a:fontRef>
+        </p:style>
+        <p:txBody>
+          <a:bodyPr lIns="0" tIns="0" rIns="0" bIns="0" rtlCol="0" anchor="ctr"/>
+          <a:lstStyle/>
+          <a:p>
+            <a:pPr algn="ctr"/>
+            <a:r>
+              <a:rPr lang="fr-FR" sz="1200" b="1" dirty="0">
+                <a:solidFill>
+                  <a:schemeClr val="tx1"/>
+                </a:solidFill>
+              </a:rPr>
+              <a:t>5</a:t>
+            </a:r>
+            <a:r>
+              <a:rPr lang="fr-FR" sz="1200" b="1" baseline="-25000" dirty="0">
+                <a:solidFill>
+                  <a:schemeClr val="tx1"/>
+                </a:solidFill>
+              </a:rPr>
+              <a:t>1</a:t>
+            </a:r>
+          </a:p>
+        </p:txBody>
+      </p:sp>
+      <p:sp>
+        <p:nvSpPr>
+          <p:cNvPr id="47" name="Ellipse 46">
+            <a:extLst>
+              <a:ext uri="{FF2B5EF4-FFF2-40B4-BE49-F238E27FC236}">
+                <a16:creationId xmlns:a16="http://schemas.microsoft.com/office/drawing/2014/main" id="{D0AA20EE-BA00-4C68-A879-8017FBE1ADA0}"/>
+              </a:ext>
+            </a:extLst>
+          </p:cNvPr>
+          <p:cNvSpPr/>
+          <p:nvPr/>
+        </p:nvSpPr>
+        <p:spPr>
+          <a:xfrm>
+            <a:off x="5896777" y="2836639"/>
+            <a:ext cx="239161" cy="239161"/>
+          </a:xfrm>
+          <a:prstGeom prst="ellipse">
+            <a:avLst/>
+          </a:prstGeom>
+          <a:solidFill>
+            <a:schemeClr val="bg1"/>
+          </a:solidFill>
+          <a:ln w="12700">
+            <a:solidFill>
+              <a:schemeClr val="accent5">
+                <a:lumMod val="50000"/>
+              </a:schemeClr>
+            </a:solidFill>
+          </a:ln>
+        </p:spPr>
+        <p:style>
+          <a:lnRef idx="2">
+            <a:schemeClr val="accent1">
+              <a:shade val="50000"/>
+            </a:schemeClr>
+          </a:lnRef>
+          <a:fillRef idx="1">
+            <a:schemeClr val="accent1"/>
+          </a:fillRef>
+          <a:effectRef idx="0">
+            <a:schemeClr val="accent1"/>
+          </a:effectRef>
+          <a:fontRef idx="minor">
+            <a:schemeClr val="lt1"/>
+          </a:fontRef>
+        </p:style>
+        <p:txBody>
+          <a:bodyPr lIns="0" tIns="0" rIns="0" bIns="0" rtlCol="0" anchor="ctr"/>
+          <a:lstStyle/>
+          <a:p>
+            <a:pPr algn="ctr"/>
+            <a:r>
+              <a:rPr lang="fr-FR" sz="1200" b="1" dirty="0">
+                <a:solidFill>
+                  <a:schemeClr val="tx1"/>
+                </a:solidFill>
+              </a:rPr>
+              <a:t>5</a:t>
+            </a:r>
+            <a:r>
+              <a:rPr lang="fr-FR" sz="1200" b="1" baseline="-25000" dirty="0">
+                <a:solidFill>
+                  <a:schemeClr val="tx1"/>
+                </a:solidFill>
+              </a:rPr>
+              <a:t>2</a:t>
+            </a:r>
+          </a:p>
+        </p:txBody>
+      </p:sp>
+      <p:sp>
+        <p:nvSpPr>
+          <p:cNvPr id="48" name="Ellipse 47">
+            <a:extLst>
+              <a:ext uri="{FF2B5EF4-FFF2-40B4-BE49-F238E27FC236}">
+                <a16:creationId xmlns:a16="http://schemas.microsoft.com/office/drawing/2014/main" id="{772743D3-676D-4C5F-88C8-E61177259203}"/>
+              </a:ext>
+            </a:extLst>
+          </p:cNvPr>
+          <p:cNvSpPr/>
+          <p:nvPr/>
+        </p:nvSpPr>
+        <p:spPr>
+          <a:xfrm>
+            <a:off x="5896776" y="3381479"/>
+            <a:ext cx="239161" cy="239161"/>
+          </a:xfrm>
+          <a:prstGeom prst="ellipse">
+            <a:avLst/>
+          </a:prstGeom>
+          <a:solidFill>
+            <a:schemeClr val="bg1"/>
+          </a:solidFill>
+          <a:ln w="12700">
+            <a:solidFill>
+              <a:schemeClr val="accent5">
+                <a:lumMod val="50000"/>
+              </a:schemeClr>
+            </a:solidFill>
+          </a:ln>
+        </p:spPr>
+        <p:style>
+          <a:lnRef idx="2">
+            <a:schemeClr val="accent1">
+              <a:shade val="50000"/>
+            </a:schemeClr>
+          </a:lnRef>
+          <a:fillRef idx="1">
+            <a:schemeClr val="accent1"/>
+          </a:fillRef>
+          <a:effectRef idx="0">
+            <a:schemeClr val="accent1"/>
+          </a:effectRef>
+          <a:fontRef idx="minor">
+            <a:schemeClr val="lt1"/>
+          </a:fontRef>
+        </p:style>
+        <p:txBody>
+          <a:bodyPr lIns="0" tIns="0" rIns="0" bIns="0" rtlCol="0" anchor="ctr"/>
+          <a:lstStyle/>
+          <a:p>
+            <a:pPr algn="ctr"/>
+            <a:r>
+              <a:rPr lang="fr-FR" sz="1200" b="1" dirty="0">
+                <a:solidFill>
+                  <a:schemeClr val="tx1"/>
+                </a:solidFill>
+              </a:rPr>
+              <a:t>5</a:t>
+            </a:r>
+            <a:r>
+              <a:rPr lang="fr-FR" sz="1200" b="1" baseline="-25000" dirty="0">
+                <a:solidFill>
+                  <a:schemeClr val="tx1"/>
+                </a:solidFill>
+              </a:rPr>
+              <a:t>3</a:t>
+            </a:r>
+          </a:p>
+        </p:txBody>
+      </p:sp>
+      <p:cxnSp>
+        <p:nvCxnSpPr>
+          <p:cNvPr id="49" name="Connecteur droit 48">
+            <a:extLst>
+              <a:ext uri="{FF2B5EF4-FFF2-40B4-BE49-F238E27FC236}">
+                <a16:creationId xmlns:a16="http://schemas.microsoft.com/office/drawing/2014/main" id="{A573CFB0-407C-4A7C-A293-64BDCC07A689}"/>
+              </a:ext>
+            </a:extLst>
+          </p:cNvPr>
+          <p:cNvCxnSpPr>
+            <a:stCxn id="38" idx="2"/>
+            <a:endCxn id="43" idx="6"/>
+          </p:cNvCxnSpPr>
+          <p:nvPr/>
+        </p:nvCxnSpPr>
+        <p:spPr>
+          <a:xfrm flipH="1">
+            <a:off x="4983810" y="2826944"/>
+            <a:ext cx="385774" cy="129274"/>
+          </a:xfrm>
+          <a:prstGeom prst="line">
+            <a:avLst/>
+          </a:prstGeom>
+          <a:noFill/>
+          <a:ln w="12700">
+            <a:solidFill>
+              <a:schemeClr val="accent5">
+                <a:lumMod val="50000"/>
+              </a:schemeClr>
+            </a:solidFill>
+          </a:ln>
+        </p:spPr>
+        <p:style>
+          <a:lnRef idx="2">
+            <a:schemeClr val="accent1">
+              <a:shade val="50000"/>
+            </a:schemeClr>
+          </a:lnRef>
+          <a:fillRef idx="1">
+            <a:schemeClr val="accent1"/>
+          </a:fillRef>
+          <a:effectRef idx="0">
+            <a:schemeClr val="accent1"/>
+          </a:effectRef>
+          <a:fontRef idx="minor">
+            <a:schemeClr val="lt1"/>
+          </a:fontRef>
+        </p:style>
+      </p:cxnSp>
+      <p:cxnSp>
+        <p:nvCxnSpPr>
+          <p:cNvPr id="50" name="Connecteur droit 49">
+            <a:extLst>
+              <a:ext uri="{FF2B5EF4-FFF2-40B4-BE49-F238E27FC236}">
+                <a16:creationId xmlns:a16="http://schemas.microsoft.com/office/drawing/2014/main" id="{4570A15B-5895-45C2-9959-7B04B20A69D5}"/>
+              </a:ext>
+            </a:extLst>
+          </p:cNvPr>
+          <p:cNvCxnSpPr>
+            <a:stCxn id="39" idx="2"/>
+            <a:endCxn id="43" idx="6"/>
+          </p:cNvCxnSpPr>
+          <p:nvPr/>
+        </p:nvCxnSpPr>
+        <p:spPr>
+          <a:xfrm flipH="1" flipV="1">
+            <a:off x="4983810" y="2956218"/>
+            <a:ext cx="385774" cy="141098"/>
+          </a:xfrm>
+          <a:prstGeom prst="line">
+            <a:avLst/>
+          </a:prstGeom>
+          <a:noFill/>
+          <a:ln w="12700">
+            <a:solidFill>
+              <a:schemeClr val="accent5">
+                <a:lumMod val="50000"/>
+              </a:schemeClr>
+            </a:solidFill>
+          </a:ln>
+        </p:spPr>
+        <p:style>
+          <a:lnRef idx="2">
+            <a:schemeClr val="accent1">
+              <a:shade val="50000"/>
+            </a:schemeClr>
+          </a:lnRef>
+          <a:fillRef idx="1">
+            <a:schemeClr val="accent1"/>
+          </a:fillRef>
+          <a:effectRef idx="0">
+            <a:schemeClr val="accent1"/>
+          </a:effectRef>
+          <a:fontRef idx="minor">
+            <a:schemeClr val="lt1"/>
+          </a:fontRef>
+        </p:style>
+      </p:cxnSp>
+      <p:cxnSp>
+        <p:nvCxnSpPr>
+          <p:cNvPr id="51" name="Connecteur droit 50">
+            <a:extLst>
+              <a:ext uri="{FF2B5EF4-FFF2-40B4-BE49-F238E27FC236}">
+                <a16:creationId xmlns:a16="http://schemas.microsoft.com/office/drawing/2014/main" id="{38909102-3A31-41DE-A5C5-EED2786CC088}"/>
+              </a:ext>
+            </a:extLst>
+          </p:cNvPr>
+          <p:cNvCxnSpPr/>
+          <p:nvPr/>
+        </p:nvCxnSpPr>
+        <p:spPr>
+          <a:xfrm flipH="1">
+            <a:off x="4983810" y="3393543"/>
+            <a:ext cx="385774" cy="129274"/>
+          </a:xfrm>
+          <a:prstGeom prst="line">
+            <a:avLst/>
+          </a:prstGeom>
+          <a:noFill/>
+          <a:ln w="12700">
+            <a:solidFill>
+              <a:schemeClr val="accent5">
+                <a:lumMod val="50000"/>
+              </a:schemeClr>
+            </a:solidFill>
+          </a:ln>
+        </p:spPr>
+        <p:style>
+          <a:lnRef idx="2">
+            <a:schemeClr val="accent1">
+              <a:shade val="50000"/>
+            </a:schemeClr>
+          </a:lnRef>
+          <a:fillRef idx="1">
+            <a:schemeClr val="accent1"/>
+          </a:fillRef>
+          <a:effectRef idx="0">
+            <a:schemeClr val="accent1"/>
+          </a:effectRef>
+          <a:fontRef idx="minor">
+            <a:schemeClr val="lt1"/>
+          </a:fontRef>
+        </p:style>
+      </p:cxnSp>
+      <p:cxnSp>
+        <p:nvCxnSpPr>
+          <p:cNvPr id="52" name="Connecteur droit 51">
+            <a:extLst>
+              <a:ext uri="{FF2B5EF4-FFF2-40B4-BE49-F238E27FC236}">
+                <a16:creationId xmlns:a16="http://schemas.microsoft.com/office/drawing/2014/main" id="{5BFA5A4F-2CC9-4A49-9CB1-8A43AAEAC33B}"/>
+              </a:ext>
+            </a:extLst>
+          </p:cNvPr>
+          <p:cNvCxnSpPr/>
+          <p:nvPr/>
+        </p:nvCxnSpPr>
+        <p:spPr>
+          <a:xfrm flipH="1" flipV="1">
+            <a:off x="4983810" y="3522817"/>
+            <a:ext cx="385774" cy="141098"/>
+          </a:xfrm>
+          <a:prstGeom prst="line">
+            <a:avLst/>
+          </a:prstGeom>
+          <a:noFill/>
+          <a:ln w="12700">
+            <a:solidFill>
+              <a:schemeClr val="accent5">
+                <a:lumMod val="50000"/>
+              </a:schemeClr>
+            </a:solidFill>
+          </a:ln>
+        </p:spPr>
+        <p:style>
+          <a:lnRef idx="2">
+            <a:schemeClr val="accent1">
+              <a:shade val="50000"/>
+            </a:schemeClr>
+          </a:lnRef>
+          <a:fillRef idx="1">
+            <a:schemeClr val="accent1"/>
+          </a:fillRef>
+          <a:effectRef idx="0">
+            <a:schemeClr val="accent1"/>
+          </a:effectRef>
+          <a:fontRef idx="minor">
+            <a:schemeClr val="lt1"/>
+          </a:fontRef>
+        </p:style>
+      </p:cxnSp>
+      <p:cxnSp>
+        <p:nvCxnSpPr>
+          <p:cNvPr id="53" name="Connecteur droit 52">
+            <a:extLst>
+              <a:ext uri="{FF2B5EF4-FFF2-40B4-BE49-F238E27FC236}">
+                <a16:creationId xmlns:a16="http://schemas.microsoft.com/office/drawing/2014/main" id="{03871532-6FA4-4CE3-B5FF-2674411C0421}"/>
+              </a:ext>
+            </a:extLst>
+          </p:cNvPr>
+          <p:cNvCxnSpPr/>
+          <p:nvPr/>
+        </p:nvCxnSpPr>
+        <p:spPr>
+          <a:xfrm flipH="1">
+            <a:off x="4979518" y="2282104"/>
+            <a:ext cx="385774" cy="129274"/>
+          </a:xfrm>
+          <a:prstGeom prst="line">
+            <a:avLst/>
+          </a:prstGeom>
+          <a:noFill/>
+          <a:ln w="12700">
+            <a:solidFill>
+              <a:schemeClr val="accent5">
+                <a:lumMod val="50000"/>
+              </a:schemeClr>
+            </a:solidFill>
+          </a:ln>
+        </p:spPr>
+        <p:style>
+          <a:lnRef idx="2">
+            <a:schemeClr val="accent1">
+              <a:shade val="50000"/>
+            </a:schemeClr>
+          </a:lnRef>
+          <a:fillRef idx="1">
+            <a:schemeClr val="accent1"/>
+          </a:fillRef>
+          <a:effectRef idx="0">
+            <a:schemeClr val="accent1"/>
+          </a:effectRef>
+          <a:fontRef idx="minor">
+            <a:schemeClr val="lt1"/>
+          </a:fontRef>
+        </p:style>
+      </p:cxnSp>
+      <p:cxnSp>
+        <p:nvCxnSpPr>
+          <p:cNvPr id="54" name="Connecteur droit 53">
+            <a:extLst>
+              <a:ext uri="{FF2B5EF4-FFF2-40B4-BE49-F238E27FC236}">
+                <a16:creationId xmlns:a16="http://schemas.microsoft.com/office/drawing/2014/main" id="{1D77458A-3AC4-4226-832A-D247985257EB}"/>
+              </a:ext>
+            </a:extLst>
+          </p:cNvPr>
+          <p:cNvCxnSpPr/>
+          <p:nvPr/>
+        </p:nvCxnSpPr>
+        <p:spPr>
+          <a:xfrm flipH="1" flipV="1">
+            <a:off x="4979518" y="2411378"/>
+            <a:ext cx="385774" cy="141098"/>
+          </a:xfrm>
+          <a:prstGeom prst="line">
+            <a:avLst/>
+          </a:prstGeom>
+          <a:noFill/>
+          <a:ln w="12700">
+            <a:solidFill>
+              <a:schemeClr val="accent5">
+                <a:lumMod val="50000"/>
+              </a:schemeClr>
+            </a:solidFill>
+          </a:ln>
+        </p:spPr>
+        <p:style>
+          <a:lnRef idx="2">
+            <a:schemeClr val="accent1">
+              <a:shade val="50000"/>
+            </a:schemeClr>
+          </a:lnRef>
+          <a:fillRef idx="1">
+            <a:schemeClr val="accent1"/>
+          </a:fillRef>
+          <a:effectRef idx="0">
+            <a:schemeClr val="accent1"/>
+          </a:effectRef>
+          <a:fontRef idx="minor">
+            <a:schemeClr val="lt1"/>
+          </a:fontRef>
+        </p:style>
+      </p:cxnSp>
+      <p:cxnSp>
+        <p:nvCxnSpPr>
+          <p:cNvPr id="55" name="Connecteur droit 54">
+            <a:extLst>
+              <a:ext uri="{FF2B5EF4-FFF2-40B4-BE49-F238E27FC236}">
+                <a16:creationId xmlns:a16="http://schemas.microsoft.com/office/drawing/2014/main" id="{D0AB25A7-8BF4-46B8-9DBF-1AD258D39D7B}"/>
+              </a:ext>
+            </a:extLst>
+          </p:cNvPr>
+          <p:cNvCxnSpPr>
+            <a:stCxn id="31" idx="5"/>
+            <a:endCxn id="36" idx="1"/>
+          </p:cNvCxnSpPr>
+          <p:nvPr/>
+        </p:nvCxnSpPr>
+        <p:spPr>
+          <a:xfrm>
+            <a:off x="3773645" y="3040776"/>
+            <a:ext cx="429963" cy="375727"/>
+          </a:xfrm>
+          <a:prstGeom prst="line">
+            <a:avLst/>
+          </a:prstGeom>
+          <a:noFill/>
+          <a:ln w="12700">
+            <a:solidFill>
+              <a:schemeClr val="accent5">
+                <a:lumMod val="50000"/>
+              </a:schemeClr>
+            </a:solidFill>
+          </a:ln>
+        </p:spPr>
+        <p:style>
+          <a:lnRef idx="2">
+            <a:schemeClr val="accent1">
+              <a:shade val="50000"/>
+            </a:schemeClr>
+          </a:lnRef>
+          <a:fillRef idx="1">
+            <a:schemeClr val="accent1"/>
+          </a:fillRef>
+          <a:effectRef idx="0">
+            <a:schemeClr val="accent1"/>
+          </a:effectRef>
+          <a:fontRef idx="minor">
+            <a:schemeClr val="lt1"/>
+          </a:fontRef>
+        </p:style>
+      </p:cxnSp>
+      <p:cxnSp>
+        <p:nvCxnSpPr>
+          <p:cNvPr id="56" name="Connecteur droit 55">
+            <a:extLst>
+              <a:ext uri="{FF2B5EF4-FFF2-40B4-BE49-F238E27FC236}">
+                <a16:creationId xmlns:a16="http://schemas.microsoft.com/office/drawing/2014/main" id="{1E9759EC-5435-4A1E-AFD9-3BD8922EA713}"/>
+              </a:ext>
+            </a:extLst>
+          </p:cNvPr>
+          <p:cNvCxnSpPr>
+            <a:stCxn id="32" idx="6"/>
+            <a:endCxn id="42" idx="2"/>
+          </p:cNvCxnSpPr>
+          <p:nvPr/>
+        </p:nvCxnSpPr>
+        <p:spPr>
+          <a:xfrm flipV="1">
+            <a:off x="4407746" y="2411379"/>
+            <a:ext cx="336903" cy="2"/>
+          </a:xfrm>
+          <a:prstGeom prst="line">
+            <a:avLst/>
+          </a:prstGeom>
+          <a:noFill/>
+          <a:ln w="12700">
+            <a:solidFill>
+              <a:schemeClr val="accent5">
+                <a:lumMod val="50000"/>
+              </a:schemeClr>
+            </a:solidFill>
+          </a:ln>
+        </p:spPr>
+        <p:style>
+          <a:lnRef idx="2">
+            <a:schemeClr val="accent1">
+              <a:shade val="50000"/>
+            </a:schemeClr>
+          </a:lnRef>
+          <a:fillRef idx="1">
+            <a:schemeClr val="accent1"/>
+          </a:fillRef>
+          <a:effectRef idx="0">
+            <a:schemeClr val="accent1"/>
+          </a:effectRef>
+          <a:fontRef idx="minor">
+            <a:schemeClr val="lt1"/>
+          </a:fontRef>
+        </p:style>
+      </p:cxnSp>
+      <p:cxnSp>
+        <p:nvCxnSpPr>
+          <p:cNvPr id="57" name="Connecteur droit 56">
+            <a:extLst>
+              <a:ext uri="{FF2B5EF4-FFF2-40B4-BE49-F238E27FC236}">
+                <a16:creationId xmlns:a16="http://schemas.microsoft.com/office/drawing/2014/main" id="{9DE34CC8-5B5F-491A-99C2-94CA66FFCBBD}"/>
+              </a:ext>
+            </a:extLst>
+          </p:cNvPr>
+          <p:cNvCxnSpPr>
+            <a:stCxn id="46" idx="2"/>
+            <a:endCxn id="33" idx="6"/>
+          </p:cNvCxnSpPr>
+          <p:nvPr/>
+        </p:nvCxnSpPr>
+        <p:spPr>
+          <a:xfrm flipH="1" flipV="1">
+            <a:off x="5608745" y="2260306"/>
+            <a:ext cx="288032" cy="151075"/>
+          </a:xfrm>
+          <a:prstGeom prst="line">
+            <a:avLst/>
+          </a:prstGeom>
+          <a:noFill/>
+          <a:ln w="12700">
+            <a:solidFill>
+              <a:schemeClr val="accent5">
+                <a:lumMod val="50000"/>
+              </a:schemeClr>
+            </a:solidFill>
+          </a:ln>
+        </p:spPr>
+        <p:style>
+          <a:lnRef idx="2">
+            <a:schemeClr val="accent1">
+              <a:shade val="50000"/>
+            </a:schemeClr>
+          </a:lnRef>
+          <a:fillRef idx="1">
+            <a:schemeClr val="accent1"/>
+          </a:fillRef>
+          <a:effectRef idx="0">
+            <a:schemeClr val="accent1"/>
+          </a:effectRef>
+          <a:fontRef idx="minor">
+            <a:schemeClr val="lt1"/>
+          </a:fontRef>
+        </p:style>
+      </p:cxnSp>
+      <p:cxnSp>
+        <p:nvCxnSpPr>
+          <p:cNvPr id="58" name="Connecteur droit 57">
+            <a:extLst>
+              <a:ext uri="{FF2B5EF4-FFF2-40B4-BE49-F238E27FC236}">
+                <a16:creationId xmlns:a16="http://schemas.microsoft.com/office/drawing/2014/main" id="{BCF5B3AD-AAB1-4861-B801-471D75A99FC2}"/>
+              </a:ext>
+            </a:extLst>
+          </p:cNvPr>
+          <p:cNvCxnSpPr>
+            <a:stCxn id="46" idx="2"/>
+            <a:endCxn id="37" idx="6"/>
+          </p:cNvCxnSpPr>
+          <p:nvPr/>
+        </p:nvCxnSpPr>
+        <p:spPr>
+          <a:xfrm flipH="1">
+            <a:off x="5608745" y="2411381"/>
+            <a:ext cx="288032" cy="119579"/>
+          </a:xfrm>
+          <a:prstGeom prst="line">
+            <a:avLst/>
+          </a:prstGeom>
+          <a:noFill/>
+          <a:ln w="12700">
+            <a:solidFill>
+              <a:schemeClr val="accent5">
+                <a:lumMod val="50000"/>
+              </a:schemeClr>
+            </a:solidFill>
+          </a:ln>
+        </p:spPr>
+        <p:style>
+          <a:lnRef idx="2">
+            <a:schemeClr val="accent1">
+              <a:shade val="50000"/>
+            </a:schemeClr>
+          </a:lnRef>
+          <a:fillRef idx="1">
+            <a:schemeClr val="accent1"/>
+          </a:fillRef>
+          <a:effectRef idx="0">
+            <a:schemeClr val="accent1"/>
+          </a:effectRef>
+          <a:fontRef idx="minor">
+            <a:schemeClr val="lt1"/>
+          </a:fontRef>
+        </p:style>
+      </p:cxnSp>
+      <p:cxnSp>
+        <p:nvCxnSpPr>
+          <p:cNvPr id="59" name="Connecteur droit 58">
+            <a:extLst>
+              <a:ext uri="{FF2B5EF4-FFF2-40B4-BE49-F238E27FC236}">
+                <a16:creationId xmlns:a16="http://schemas.microsoft.com/office/drawing/2014/main" id="{6A27825C-FFB9-4E95-8155-9E13A5F43A6D}"/>
+              </a:ext>
+            </a:extLst>
+          </p:cNvPr>
+          <p:cNvCxnSpPr>
+            <a:stCxn id="47" idx="2"/>
+            <a:endCxn id="38" idx="6"/>
+          </p:cNvCxnSpPr>
+          <p:nvPr/>
+        </p:nvCxnSpPr>
+        <p:spPr>
+          <a:xfrm flipH="1" flipV="1">
+            <a:off x="5608745" y="2826944"/>
+            <a:ext cx="288032" cy="129276"/>
+          </a:xfrm>
+          <a:prstGeom prst="line">
+            <a:avLst/>
+          </a:prstGeom>
+          <a:noFill/>
+          <a:ln w="12700">
+            <a:solidFill>
+              <a:schemeClr val="accent5">
+                <a:lumMod val="50000"/>
+              </a:schemeClr>
+            </a:solidFill>
+          </a:ln>
+        </p:spPr>
+        <p:style>
+          <a:lnRef idx="2">
+            <a:schemeClr val="accent1">
+              <a:shade val="50000"/>
+            </a:schemeClr>
+          </a:lnRef>
+          <a:fillRef idx="1">
+            <a:schemeClr val="accent1"/>
+          </a:fillRef>
+          <a:effectRef idx="0">
+            <a:schemeClr val="accent1"/>
+          </a:effectRef>
+          <a:fontRef idx="minor">
+            <a:schemeClr val="lt1"/>
+          </a:fontRef>
+        </p:style>
+      </p:cxnSp>
+      <p:cxnSp>
+        <p:nvCxnSpPr>
+          <p:cNvPr id="60" name="Connecteur droit 59">
+            <a:extLst>
+              <a:ext uri="{FF2B5EF4-FFF2-40B4-BE49-F238E27FC236}">
+                <a16:creationId xmlns:a16="http://schemas.microsoft.com/office/drawing/2014/main" id="{035CC8AB-24D4-466F-964E-B2706CE2A672}"/>
+              </a:ext>
+            </a:extLst>
+          </p:cNvPr>
+          <p:cNvCxnSpPr>
+            <a:stCxn id="47" idx="2"/>
+            <a:endCxn id="39" idx="6"/>
+          </p:cNvCxnSpPr>
+          <p:nvPr/>
+        </p:nvCxnSpPr>
+        <p:spPr>
+          <a:xfrm flipH="1">
+            <a:off x="5608745" y="2956220"/>
+            <a:ext cx="288032" cy="141096"/>
+          </a:xfrm>
+          <a:prstGeom prst="line">
+            <a:avLst/>
+          </a:prstGeom>
+          <a:noFill/>
+          <a:ln w="12700">
+            <a:solidFill>
+              <a:schemeClr val="accent5">
+                <a:lumMod val="50000"/>
+              </a:schemeClr>
+            </a:solidFill>
+          </a:ln>
+        </p:spPr>
+        <p:style>
+          <a:lnRef idx="2">
+            <a:schemeClr val="accent1">
+              <a:shade val="50000"/>
+            </a:schemeClr>
+          </a:lnRef>
+          <a:fillRef idx="1">
+            <a:schemeClr val="accent1"/>
+          </a:fillRef>
+          <a:effectRef idx="0">
+            <a:schemeClr val="accent1"/>
+          </a:effectRef>
+          <a:fontRef idx="minor">
+            <a:schemeClr val="lt1"/>
+          </a:fontRef>
+        </p:style>
+      </p:cxnSp>
+      <p:cxnSp>
+        <p:nvCxnSpPr>
+          <p:cNvPr id="61" name="Connecteur droit 60">
+            <a:extLst>
+              <a:ext uri="{FF2B5EF4-FFF2-40B4-BE49-F238E27FC236}">
+                <a16:creationId xmlns:a16="http://schemas.microsoft.com/office/drawing/2014/main" id="{37227D45-739E-41B0-A91F-57FABD0F2096}"/>
+              </a:ext>
+            </a:extLst>
+          </p:cNvPr>
+          <p:cNvCxnSpPr>
+            <a:stCxn id="48" idx="2"/>
+            <a:endCxn id="40" idx="6"/>
+          </p:cNvCxnSpPr>
+          <p:nvPr/>
+        </p:nvCxnSpPr>
+        <p:spPr>
+          <a:xfrm flipH="1" flipV="1">
+            <a:off x="5608745" y="3403237"/>
+            <a:ext cx="288031" cy="97823"/>
+          </a:xfrm>
+          <a:prstGeom prst="line">
+            <a:avLst/>
+          </a:prstGeom>
+          <a:noFill/>
+          <a:ln w="12700">
+            <a:solidFill>
+              <a:schemeClr val="accent5">
+                <a:lumMod val="50000"/>
+              </a:schemeClr>
+            </a:solidFill>
+          </a:ln>
+        </p:spPr>
+        <p:style>
+          <a:lnRef idx="2">
+            <a:schemeClr val="accent1">
+              <a:shade val="50000"/>
+            </a:schemeClr>
+          </a:lnRef>
+          <a:fillRef idx="1">
+            <a:schemeClr val="accent1"/>
+          </a:fillRef>
+          <a:effectRef idx="0">
+            <a:schemeClr val="accent1"/>
+          </a:effectRef>
+          <a:fontRef idx="minor">
+            <a:schemeClr val="lt1"/>
+          </a:fontRef>
+        </p:style>
+      </p:cxnSp>
+      <p:cxnSp>
+        <p:nvCxnSpPr>
+          <p:cNvPr id="62" name="Connecteur droit 61">
+            <a:extLst>
+              <a:ext uri="{FF2B5EF4-FFF2-40B4-BE49-F238E27FC236}">
+                <a16:creationId xmlns:a16="http://schemas.microsoft.com/office/drawing/2014/main" id="{36844AE1-F99F-481C-A3E7-993298DF7606}"/>
+              </a:ext>
+            </a:extLst>
+          </p:cNvPr>
+          <p:cNvCxnSpPr>
+            <a:stCxn id="48" idx="2"/>
+            <a:endCxn id="41" idx="6"/>
+          </p:cNvCxnSpPr>
+          <p:nvPr/>
+        </p:nvCxnSpPr>
+        <p:spPr>
+          <a:xfrm flipH="1">
+            <a:off x="5608745" y="3501060"/>
+            <a:ext cx="288031" cy="168400"/>
+          </a:xfrm>
+          <a:prstGeom prst="line">
+            <a:avLst/>
+          </a:prstGeom>
+          <a:noFill/>
+          <a:ln w="12700">
+            <a:solidFill>
+              <a:schemeClr val="accent5">
+                <a:lumMod val="50000"/>
+              </a:schemeClr>
+            </a:solidFill>
+          </a:ln>
+        </p:spPr>
+        <p:style>
+          <a:lnRef idx="2">
+            <a:schemeClr val="accent1">
+              <a:shade val="50000"/>
+            </a:schemeClr>
+          </a:lnRef>
+          <a:fillRef idx="1">
+            <a:schemeClr val="accent1"/>
+          </a:fillRef>
+          <a:effectRef idx="0">
+            <a:schemeClr val="accent1"/>
+          </a:effectRef>
+          <a:fontRef idx="minor">
+            <a:schemeClr val="lt1"/>
+          </a:fontRef>
+        </p:style>
+      </p:cxnSp>
+      <p:cxnSp>
+        <p:nvCxnSpPr>
+          <p:cNvPr id="63" name="Connecteur droit 62">
+            <a:extLst>
+              <a:ext uri="{FF2B5EF4-FFF2-40B4-BE49-F238E27FC236}">
+                <a16:creationId xmlns:a16="http://schemas.microsoft.com/office/drawing/2014/main" id="{9F17F463-8579-4CFF-9B80-E98E27247A4F}"/>
+              </a:ext>
+            </a:extLst>
+          </p:cNvPr>
+          <p:cNvCxnSpPr>
+            <a:stCxn id="32" idx="3"/>
+            <a:endCxn id="31" idx="7"/>
+          </p:cNvCxnSpPr>
+          <p:nvPr/>
+        </p:nvCxnSpPr>
+        <p:spPr>
+          <a:xfrm flipH="1">
+            <a:off x="3773645" y="2495937"/>
+            <a:ext cx="429964" cy="375726"/>
+          </a:xfrm>
+          <a:prstGeom prst="line">
+            <a:avLst/>
+          </a:prstGeom>
+          <a:noFill/>
+          <a:ln w="12700">
+            <a:solidFill>
+              <a:schemeClr val="accent5">
+                <a:lumMod val="50000"/>
+              </a:schemeClr>
+            </a:solidFill>
+          </a:ln>
+        </p:spPr>
+        <p:style>
+          <a:lnRef idx="2">
+            <a:schemeClr val="accent1">
+              <a:shade val="50000"/>
+            </a:schemeClr>
+          </a:lnRef>
+          <a:fillRef idx="1">
+            <a:schemeClr val="accent1"/>
+          </a:fillRef>
+          <a:effectRef idx="0">
+            <a:schemeClr val="accent1"/>
+          </a:effectRef>
+          <a:fontRef idx="minor">
+            <a:schemeClr val="lt1"/>
+          </a:fontRef>
+        </p:style>
+      </p:cxnSp>
+      <p:cxnSp>
+        <p:nvCxnSpPr>
+          <p:cNvPr id="64" name="Connecteur droit 63">
+            <a:extLst>
+              <a:ext uri="{FF2B5EF4-FFF2-40B4-BE49-F238E27FC236}">
+                <a16:creationId xmlns:a16="http://schemas.microsoft.com/office/drawing/2014/main" id="{46CEEE8D-3422-4DC4-BED7-789768F0CCE4}"/>
+              </a:ext>
+            </a:extLst>
+          </p:cNvPr>
+          <p:cNvCxnSpPr>
+            <a:stCxn id="36" idx="6"/>
+            <a:endCxn id="44" idx="2"/>
+          </p:cNvCxnSpPr>
+          <p:nvPr/>
+        </p:nvCxnSpPr>
+        <p:spPr>
+          <a:xfrm flipV="1">
+            <a:off x="4407745" y="3501058"/>
+            <a:ext cx="336903" cy="2"/>
+          </a:xfrm>
+          <a:prstGeom prst="line">
+            <a:avLst/>
+          </a:prstGeom>
+          <a:noFill/>
+          <a:ln w="12700">
+            <a:solidFill>
+              <a:schemeClr val="accent5">
+                <a:lumMod val="50000"/>
+              </a:schemeClr>
+            </a:solidFill>
+          </a:ln>
+        </p:spPr>
+        <p:style>
+          <a:lnRef idx="2">
+            <a:schemeClr val="accent1">
+              <a:shade val="50000"/>
+            </a:schemeClr>
+          </a:lnRef>
+          <a:fillRef idx="1">
+            <a:schemeClr val="accent1"/>
+          </a:fillRef>
+          <a:effectRef idx="0">
+            <a:schemeClr val="accent1"/>
+          </a:effectRef>
+          <a:fontRef idx="minor">
+            <a:schemeClr val="lt1"/>
+          </a:fontRef>
+        </p:style>
+      </p:cxnSp>
+      <p:cxnSp>
+        <p:nvCxnSpPr>
+          <p:cNvPr id="65" name="Connecteur droit 64">
+            <a:extLst>
+              <a:ext uri="{FF2B5EF4-FFF2-40B4-BE49-F238E27FC236}">
+                <a16:creationId xmlns:a16="http://schemas.microsoft.com/office/drawing/2014/main" id="{8DE61A0F-5EE7-4849-950E-DD8074B51B47}"/>
+              </a:ext>
+            </a:extLst>
+          </p:cNvPr>
+          <p:cNvCxnSpPr>
+            <a:stCxn id="34" idx="2"/>
+            <a:endCxn id="47" idx="6"/>
+          </p:cNvCxnSpPr>
+          <p:nvPr/>
+        </p:nvCxnSpPr>
+        <p:spPr>
+          <a:xfrm flipH="1">
+            <a:off x="6135938" y="2956220"/>
+            <a:ext cx="203286" cy="0"/>
+          </a:xfrm>
+          <a:prstGeom prst="line">
+            <a:avLst/>
+          </a:prstGeom>
+          <a:noFill/>
+          <a:ln w="12700">
+            <a:solidFill>
+              <a:schemeClr val="accent5">
+                <a:lumMod val="50000"/>
+              </a:schemeClr>
+            </a:solidFill>
+          </a:ln>
+        </p:spPr>
+        <p:style>
+          <a:lnRef idx="2">
+            <a:schemeClr val="accent1">
+              <a:shade val="50000"/>
+            </a:schemeClr>
+          </a:lnRef>
+          <a:fillRef idx="1">
+            <a:schemeClr val="accent1"/>
+          </a:fillRef>
+          <a:effectRef idx="0">
+            <a:schemeClr val="accent1"/>
+          </a:effectRef>
+          <a:fontRef idx="minor">
+            <a:schemeClr val="lt1"/>
+          </a:fontRef>
+        </p:style>
+      </p:cxnSp>
+      <p:cxnSp>
+        <p:nvCxnSpPr>
+          <p:cNvPr id="66" name="Connecteur droit 65">
+            <a:extLst>
+              <a:ext uri="{FF2B5EF4-FFF2-40B4-BE49-F238E27FC236}">
+                <a16:creationId xmlns:a16="http://schemas.microsoft.com/office/drawing/2014/main" id="{5E058F35-8A9A-4806-8EA5-17F8282C283F}"/>
+              </a:ext>
+            </a:extLst>
+          </p:cNvPr>
+          <p:cNvCxnSpPr>
+            <a:stCxn id="34" idx="1"/>
+            <a:endCxn id="46" idx="5"/>
+          </p:cNvCxnSpPr>
+          <p:nvPr/>
+        </p:nvCxnSpPr>
+        <p:spPr>
+          <a:xfrm flipH="1" flipV="1">
+            <a:off x="6100914" y="2495937"/>
+            <a:ext cx="273334" cy="375726"/>
+          </a:xfrm>
+          <a:prstGeom prst="line">
+            <a:avLst/>
+          </a:prstGeom>
+          <a:noFill/>
+          <a:ln w="12700">
+            <a:solidFill>
+              <a:schemeClr val="accent5">
+                <a:lumMod val="50000"/>
+              </a:schemeClr>
+            </a:solidFill>
+          </a:ln>
+        </p:spPr>
+        <p:style>
+          <a:lnRef idx="2">
+            <a:schemeClr val="accent1">
+              <a:shade val="50000"/>
+            </a:schemeClr>
+          </a:lnRef>
+          <a:fillRef idx="1">
+            <a:schemeClr val="accent1"/>
+          </a:fillRef>
+          <a:effectRef idx="0">
+            <a:schemeClr val="accent1"/>
+          </a:effectRef>
+          <a:fontRef idx="minor">
+            <a:schemeClr val="lt1"/>
+          </a:fontRef>
+        </p:style>
+      </p:cxnSp>
+      <p:cxnSp>
+        <p:nvCxnSpPr>
+          <p:cNvPr id="72" name="Connecteur droit 71">
+            <a:extLst>
+              <a:ext uri="{FF2B5EF4-FFF2-40B4-BE49-F238E27FC236}">
+                <a16:creationId xmlns:a16="http://schemas.microsoft.com/office/drawing/2014/main" id="{F38DB5D8-C14A-49F8-BEA4-744D0945FCD7}"/>
+              </a:ext>
+            </a:extLst>
+          </p:cNvPr>
+          <p:cNvCxnSpPr>
+            <a:stCxn id="34" idx="3"/>
+            <a:endCxn id="48" idx="7"/>
+          </p:cNvCxnSpPr>
+          <p:nvPr/>
+        </p:nvCxnSpPr>
+        <p:spPr>
+          <a:xfrm flipH="1">
+            <a:off x="6100913" y="3040776"/>
+            <a:ext cx="273335" cy="375727"/>
+          </a:xfrm>
+          <a:prstGeom prst="line">
+            <a:avLst/>
+          </a:prstGeom>
+          <a:noFill/>
+          <a:ln w="12700">
+            <a:solidFill>
+              <a:schemeClr val="accent5">
+                <a:lumMod val="50000"/>
+              </a:schemeClr>
+            </a:solidFill>
+          </a:ln>
+        </p:spPr>
+        <p:style>
+          <a:lnRef idx="2">
+            <a:schemeClr val="accent1">
+              <a:shade val="50000"/>
+            </a:schemeClr>
+          </a:lnRef>
+          <a:fillRef idx="1">
+            <a:schemeClr val="accent1"/>
+          </a:fillRef>
+          <a:effectRef idx="0">
+            <a:schemeClr val="accent1"/>
+          </a:effectRef>
+          <a:fontRef idx="minor">
+            <a:schemeClr val="lt1"/>
+          </a:fontRef>
+        </p:style>
+      </p:cxnSp>
     </p:spTree>
     <p:extLst>
       <p:ext uri="{BB962C8B-B14F-4D97-AF65-F5344CB8AC3E}">
@@ -4058,18 +6898,13 @@
               <a:p>
                 <a:pPr algn="ctr"/>
                 <a:r>
-                  <a:rPr lang="fr-FR" sz="1200" b="1" dirty="0" smtClean="0">
+                  <a:rPr lang="fr-FR" sz="1200" b="1" dirty="0">
                     <a:solidFill>
                       <a:schemeClr val="tx1"/>
                     </a:solidFill>
                   </a:rPr>
                   <a:t>1</a:t>
                 </a:r>
-                <a:endParaRPr lang="fr-FR" sz="1200" b="1" dirty="0">
-                  <a:solidFill>
-                    <a:schemeClr val="tx1"/>
-                  </a:solidFill>
-                </a:endParaRPr>
               </a:p>
             </p:txBody>
           </p:sp>
@@ -4120,18 +6955,13 @@
               <a:p>
                 <a:pPr algn="ctr"/>
                 <a:r>
-                  <a:rPr lang="fr-FR" sz="1200" b="1" dirty="0" smtClean="0">
+                  <a:rPr lang="fr-FR" sz="1200" b="1" dirty="0">
                     <a:solidFill>
                       <a:schemeClr val="tx1"/>
                     </a:solidFill>
                   </a:rPr>
                   <a:t>2</a:t>
                 </a:r>
-                <a:endParaRPr lang="fr-FR" sz="1200" b="1" dirty="0">
-                  <a:solidFill>
-                    <a:schemeClr val="tx1"/>
-                  </a:solidFill>
-                </a:endParaRPr>
               </a:p>
             </p:txBody>
           </p:sp>
@@ -4182,18 +7012,13 @@
               <a:p>
                 <a:pPr algn="ctr"/>
                 <a:r>
-                  <a:rPr lang="fr-FR" sz="1200" b="1" dirty="0" smtClean="0">
+                  <a:rPr lang="fr-FR" sz="1200" b="1" dirty="0">
                     <a:solidFill>
                       <a:schemeClr val="tx1"/>
                     </a:solidFill>
                   </a:rPr>
                   <a:t>N</a:t>
                 </a:r>
-                <a:endParaRPr lang="fr-FR" sz="1200" b="1" dirty="0">
-                  <a:solidFill>
-                    <a:schemeClr val="tx1"/>
-                  </a:solidFill>
-                </a:endParaRPr>
               </a:p>
             </p:txBody>
           </p:sp>
@@ -4433,18 +7258,13 @@
               <a:p>
                 <a:pPr algn="ctr"/>
                 <a:r>
-                  <a:rPr lang="fr-FR" sz="1200" b="1" dirty="0" smtClean="0">
+                  <a:rPr lang="fr-FR" sz="1200" b="1" dirty="0">
                     <a:solidFill>
                       <a:schemeClr val="tx1"/>
                     </a:solidFill>
                   </a:rPr>
                   <a:t>1</a:t>
                 </a:r>
-                <a:endParaRPr lang="fr-FR" sz="1200" b="1" dirty="0">
-                  <a:solidFill>
-                    <a:schemeClr val="tx1"/>
-                  </a:solidFill>
-                </a:endParaRPr>
               </a:p>
             </p:txBody>
           </p:sp>
@@ -4495,18 +7315,13 @@
               <a:p>
                 <a:pPr algn="ctr"/>
                 <a:r>
-                  <a:rPr lang="fr-FR" sz="1200" b="1" dirty="0" smtClean="0">
+                  <a:rPr lang="fr-FR" sz="1200" b="1" dirty="0">
                     <a:solidFill>
                       <a:schemeClr val="tx1"/>
                     </a:solidFill>
                   </a:rPr>
                   <a:t>N</a:t>
                 </a:r>
-                <a:endParaRPr lang="fr-FR" sz="1200" b="1" dirty="0">
-                  <a:solidFill>
-                    <a:schemeClr val="tx1"/>
-                  </a:solidFill>
-                </a:endParaRPr>
               </a:p>
             </p:txBody>
           </p:sp>
@@ -4565,8 +7380,8 @@
           </p:txBody>
         </p:sp>
       </p:grpSp>
-      <mc:AlternateContent xmlns:mc="http://schemas.openxmlformats.org/markup-compatibility/2006">
-        <mc:Choice xmlns:a14="http://schemas.microsoft.com/office/drawing/2010/main" Requires="a14">
+      <mc:AlternateContent xmlns:mc="http://schemas.openxmlformats.org/markup-compatibility/2006" xmlns:a14="http://schemas.microsoft.com/office/drawing/2010/main">
+        <mc:Choice Requires="a14">
           <p:sp>
             <p:nvSpPr>
               <p:cNvPr id="61" name="ZoneTexte 60"/>
@@ -4589,6 +7404,7 @@
               </a:bodyPr>
               <a:lstStyle/>
               <a:p>
+                <a:pPr/>
                 <a14:m>
                   <m:oMathPara xmlns:m="http://schemas.openxmlformats.org/officeDocument/2006/math">
                     <m:oMathParaPr>
@@ -4599,7 +7415,7 @@
                         <m:sSubPr>
                           <m:ctrlPr>
                             <a:rPr lang="fr-FR" sz="1100" b="0" i="1" smtClean="0">
-                              <a:latin typeface="Cambria Math"/>
+                              <a:latin typeface="Cambria Math" panose="02040503050406030204" pitchFamily="18" charset="0"/>
                             </a:rPr>
                           </m:ctrlPr>
                         </m:sSubPr>
@@ -4628,7 +7444,7 @@
             </p:txBody>
           </p:sp>
         </mc:Choice>
-        <mc:Fallback>
+        <mc:Fallback xmlns="">
           <p:sp>
             <p:nvSpPr>
               <p:cNvPr id="61" name="ZoneTexte 60"/>
@@ -4667,8 +7483,8 @@
           </p:sp>
         </mc:Fallback>
       </mc:AlternateContent>
-      <mc:AlternateContent xmlns:mc="http://schemas.openxmlformats.org/markup-compatibility/2006">
-        <mc:Choice xmlns:a14="http://schemas.microsoft.com/office/drawing/2010/main" Requires="a14">
+      <mc:AlternateContent xmlns:mc="http://schemas.openxmlformats.org/markup-compatibility/2006" xmlns:a14="http://schemas.microsoft.com/office/drawing/2010/main">
+        <mc:Choice Requires="a14">
           <p:sp>
             <p:nvSpPr>
               <p:cNvPr id="62" name="ZoneTexte 61"/>
@@ -4691,6 +7507,7 @@
               </a:bodyPr>
               <a:lstStyle/>
               <a:p>
+                <a:pPr/>
                 <a14:m>
                   <m:oMathPara xmlns:m="http://schemas.openxmlformats.org/officeDocument/2006/math">
                     <m:oMathParaPr>
@@ -4701,7 +7518,7 @@
                         <m:sSubPr>
                           <m:ctrlPr>
                             <a:rPr lang="fr-FR" sz="1100" b="0" i="1" smtClean="0">
-                              <a:latin typeface="Cambria Math"/>
+                              <a:latin typeface="Cambria Math" panose="02040503050406030204" pitchFamily="18" charset="0"/>
                             </a:rPr>
                           </m:ctrlPr>
                         </m:sSubPr>
@@ -4736,7 +7553,7 @@
             </p:txBody>
           </p:sp>
         </mc:Choice>
-        <mc:Fallback>
+        <mc:Fallback xmlns="">
           <p:sp>
             <p:nvSpPr>
               <p:cNvPr id="62" name="ZoneTexte 61"/>
@@ -4775,8 +7592,8 @@
           </p:sp>
         </mc:Fallback>
       </mc:AlternateContent>
-      <mc:AlternateContent xmlns:mc="http://schemas.openxmlformats.org/markup-compatibility/2006">
-        <mc:Choice xmlns:a14="http://schemas.microsoft.com/office/drawing/2010/main" Requires="a14">
+      <mc:AlternateContent xmlns:mc="http://schemas.openxmlformats.org/markup-compatibility/2006" xmlns:a14="http://schemas.microsoft.com/office/drawing/2010/main">
+        <mc:Choice Requires="a14">
           <p:sp>
             <p:nvSpPr>
               <p:cNvPr id="63" name="ZoneTexte 62"/>
@@ -4799,6 +7616,7 @@
               </a:bodyPr>
               <a:lstStyle/>
               <a:p>
+                <a:pPr/>
                 <a14:m>
                   <m:oMathPara xmlns:m="http://schemas.openxmlformats.org/officeDocument/2006/math">
                     <m:oMathParaPr>
@@ -4809,7 +7627,7 @@
                         <m:sSubSupPr>
                           <m:ctrlPr>
                             <a:rPr lang="fr-FR" sz="1100" b="0" i="1" smtClean="0">
-                              <a:latin typeface="Cambria Math"/>
+                              <a:latin typeface="Cambria Math" panose="02040503050406030204" pitchFamily="18" charset="0"/>
                             </a:rPr>
                           </m:ctrlPr>
                         </m:sSubSupPr>
@@ -4852,7 +7670,7 @@
             </p:txBody>
           </p:sp>
         </mc:Choice>
-        <mc:Fallback>
+        <mc:Fallback xmlns="">
           <p:sp>
             <p:nvSpPr>
               <p:cNvPr id="63" name="ZoneTexte 62"/>
@@ -5257,18 +8075,13 @@
           <a:p>
             <a:pPr algn="ctr"/>
             <a:r>
-              <a:rPr lang="fr-FR" sz="1200" b="1" dirty="0" smtClean="0">
+              <a:rPr lang="fr-FR" sz="1200" b="1" dirty="0">
                 <a:solidFill>
                   <a:schemeClr val="tx1"/>
                 </a:solidFill>
               </a:rPr>
               <a:t>1</a:t>
             </a:r>
-            <a:endParaRPr lang="fr-FR" sz="1200" b="1" dirty="0">
-              <a:solidFill>
-                <a:schemeClr val="tx1"/>
-              </a:solidFill>
-            </a:endParaRPr>
           </a:p>
         </p:txBody>
       </p:sp>
@@ -5319,23 +8132,18 @@
           <a:p>
             <a:pPr algn="ctr"/>
             <a:r>
-              <a:rPr lang="fr-FR" sz="1200" b="1" dirty="0" smtClean="0">
+              <a:rPr lang="fr-FR" sz="1200" b="1" dirty="0">
                 <a:solidFill>
                   <a:schemeClr val="tx1"/>
                 </a:solidFill>
               </a:rPr>
               <a:t>2</a:t>
             </a:r>
-            <a:endParaRPr lang="fr-FR" sz="1200" b="1" dirty="0">
-              <a:solidFill>
-                <a:schemeClr val="tx1"/>
-              </a:solidFill>
-            </a:endParaRPr>
           </a:p>
         </p:txBody>
       </p:sp>
-      <mc:AlternateContent xmlns:mc="http://schemas.openxmlformats.org/markup-compatibility/2006">
-        <mc:Choice xmlns:a14="http://schemas.microsoft.com/office/drawing/2010/main" Requires="a14">
+      <mc:AlternateContent xmlns:mc="http://schemas.openxmlformats.org/markup-compatibility/2006" xmlns:a14="http://schemas.microsoft.com/office/drawing/2010/main">
+        <mc:Choice Requires="a14">
           <p:sp>
             <p:nvSpPr>
               <p:cNvPr id="11" name="ZoneTexte 10"/>
@@ -5358,6 +8166,7 @@
               </a:bodyPr>
               <a:lstStyle/>
               <a:p>
+                <a:pPr/>
                 <a14:m>
                   <m:oMathPara xmlns:m="http://schemas.openxmlformats.org/officeDocument/2006/math">
                     <m:oMathParaPr>
@@ -5368,7 +8177,7 @@
                         <m:sSubSupPr>
                           <m:ctrlPr>
                             <a:rPr lang="fr-FR" sz="1100" b="0" i="1" smtClean="0">
-                              <a:latin typeface="Cambria Math"/>
+                              <a:latin typeface="Cambria Math" panose="02040503050406030204" pitchFamily="18" charset="0"/>
                             </a:rPr>
                           </m:ctrlPr>
                         </m:sSubSupPr>
@@ -5405,7 +8214,7 @@
             </p:txBody>
           </p:sp>
         </mc:Choice>
-        <mc:Fallback>
+        <mc:Fallback xmlns="">
           <p:sp>
             <p:nvSpPr>
               <p:cNvPr id="11" name="ZoneTexte 10"/>
@@ -5444,8 +8253,8 @@
           </p:sp>
         </mc:Fallback>
       </mc:AlternateContent>
-      <mc:AlternateContent xmlns:mc="http://schemas.openxmlformats.org/markup-compatibility/2006">
-        <mc:Choice xmlns:a14="http://schemas.microsoft.com/office/drawing/2010/main" Requires="a14">
+      <mc:AlternateContent xmlns:mc="http://schemas.openxmlformats.org/markup-compatibility/2006" xmlns:a14="http://schemas.microsoft.com/office/drawing/2010/main">
+        <mc:Choice Requires="a14">
           <p:sp>
             <p:nvSpPr>
               <p:cNvPr id="44" name="ZoneTexte 43"/>
@@ -5468,6 +8277,7 @@
               </a:bodyPr>
               <a:lstStyle/>
               <a:p>
+                <a:pPr/>
                 <a14:m>
                   <m:oMathPara xmlns:m="http://schemas.openxmlformats.org/officeDocument/2006/math">
                     <m:oMathParaPr>
@@ -5478,7 +8288,7 @@
                         <m:sSubSupPr>
                           <m:ctrlPr>
                             <a:rPr lang="fr-FR" sz="1100" b="0" i="1" smtClean="0">
-                              <a:latin typeface="Cambria Math"/>
+                              <a:latin typeface="Cambria Math" panose="02040503050406030204" pitchFamily="18" charset="0"/>
                             </a:rPr>
                           </m:ctrlPr>
                         </m:sSubSupPr>
@@ -5515,7 +8325,7 @@
             </p:txBody>
           </p:sp>
         </mc:Choice>
-        <mc:Fallback>
+        <mc:Fallback xmlns="">
           <p:sp>
             <p:nvSpPr>
               <p:cNvPr id="44" name="ZoneTexte 43"/>
@@ -5554,8 +8364,8 @@
           </p:sp>
         </mc:Fallback>
       </mc:AlternateContent>
-      <mc:AlternateContent xmlns:mc="http://schemas.openxmlformats.org/markup-compatibility/2006">
-        <mc:Choice xmlns:a14="http://schemas.microsoft.com/office/drawing/2010/main" Requires="a14">
+      <mc:AlternateContent xmlns:mc="http://schemas.openxmlformats.org/markup-compatibility/2006" xmlns:a14="http://schemas.microsoft.com/office/drawing/2010/main">
+        <mc:Choice Requires="a14">
           <p:sp>
             <p:nvSpPr>
               <p:cNvPr id="50" name="ZoneTexte 49"/>
@@ -5578,6 +8388,7 @@
               </a:bodyPr>
               <a:lstStyle/>
               <a:p>
+                <a:pPr/>
                 <a14:m>
                   <m:oMathPara xmlns:m="http://schemas.openxmlformats.org/officeDocument/2006/math">
                     <m:oMathParaPr>
@@ -5588,7 +8399,7 @@
                         <m:sSubSupPr>
                           <m:ctrlPr>
                             <a:rPr lang="fr-FR" sz="1100" b="0" i="1" smtClean="0">
-                              <a:latin typeface="Cambria Math"/>
+                              <a:latin typeface="Cambria Math" panose="02040503050406030204" pitchFamily="18" charset="0"/>
                             </a:rPr>
                           </m:ctrlPr>
                         </m:sSubSupPr>
@@ -5625,7 +8436,7 @@
             </p:txBody>
           </p:sp>
         </mc:Choice>
-        <mc:Fallback>
+        <mc:Fallback xmlns="">
           <p:sp>
             <p:nvSpPr>
               <p:cNvPr id="50" name="ZoneTexte 49"/>
@@ -5901,18 +8712,13 @@
           <a:p>
             <a:pPr algn="ctr"/>
             <a:r>
-              <a:rPr lang="fr-FR" sz="1200" b="1" dirty="0" smtClean="0">
+              <a:rPr lang="fr-FR" sz="1200" b="1" dirty="0">
                 <a:solidFill>
                   <a:schemeClr val="tx1"/>
                 </a:solidFill>
               </a:rPr>
               <a:t>1</a:t>
             </a:r>
-            <a:endParaRPr lang="fr-FR" sz="1200" b="1" dirty="0">
-              <a:solidFill>
-                <a:schemeClr val="tx1"/>
-              </a:solidFill>
-            </a:endParaRPr>
           </a:p>
         </p:txBody>
       </p:sp>
@@ -5963,23 +8769,18 @@
           <a:p>
             <a:pPr algn="ctr"/>
             <a:r>
-              <a:rPr lang="fr-FR" sz="1200" b="1" dirty="0" smtClean="0">
+              <a:rPr lang="fr-FR" sz="1200" b="1" dirty="0">
                 <a:solidFill>
                   <a:schemeClr val="tx1"/>
                 </a:solidFill>
               </a:rPr>
               <a:t>2</a:t>
             </a:r>
-            <a:endParaRPr lang="fr-FR" sz="1200" b="1" dirty="0">
-              <a:solidFill>
-                <a:schemeClr val="tx1"/>
-              </a:solidFill>
-            </a:endParaRPr>
           </a:p>
         </p:txBody>
       </p:sp>
-      <mc:AlternateContent xmlns:mc="http://schemas.openxmlformats.org/markup-compatibility/2006">
-        <mc:Choice xmlns:a14="http://schemas.microsoft.com/office/drawing/2010/main" Requires="a14">
+      <mc:AlternateContent xmlns:mc="http://schemas.openxmlformats.org/markup-compatibility/2006" xmlns:a14="http://schemas.microsoft.com/office/drawing/2010/main">
+        <mc:Choice Requires="a14">
           <p:sp>
             <p:nvSpPr>
               <p:cNvPr id="64" name="ZoneTexte 63"/>
@@ -6002,6 +8803,7 @@
               </a:bodyPr>
               <a:lstStyle/>
               <a:p>
+                <a:pPr/>
                 <a14:m>
                   <m:oMathPara xmlns:m="http://schemas.openxmlformats.org/officeDocument/2006/math">
                     <m:oMathParaPr>
@@ -6012,7 +8814,7 @@
                         <m:sSubSupPr>
                           <m:ctrlPr>
                             <a:rPr lang="fr-FR" sz="1100" b="0" i="1" smtClean="0">
-                              <a:latin typeface="Cambria Math"/>
+                              <a:latin typeface="Cambria Math" panose="02040503050406030204" pitchFamily="18" charset="0"/>
                             </a:rPr>
                           </m:ctrlPr>
                         </m:sSubSupPr>
@@ -6049,7 +8851,7 @@
             </p:txBody>
           </p:sp>
         </mc:Choice>
-        <mc:Fallback>
+        <mc:Fallback xmlns="">
           <p:sp>
             <p:nvSpPr>
               <p:cNvPr id="64" name="ZoneTexte 63"/>
@@ -6469,18 +9271,13 @@
           <a:p>
             <a:pPr algn="ctr"/>
             <a:r>
-              <a:rPr lang="fr-FR" sz="1200" b="1" dirty="0" smtClean="0">
+              <a:rPr lang="fr-FR" sz="1200" b="1" dirty="0">
                 <a:solidFill>
                   <a:schemeClr val="tx1"/>
                 </a:solidFill>
               </a:rPr>
               <a:t>1</a:t>
             </a:r>
-            <a:endParaRPr lang="fr-FR" sz="1200" b="1" dirty="0">
-              <a:solidFill>
-                <a:schemeClr val="tx1"/>
-              </a:solidFill>
-            </a:endParaRPr>
           </a:p>
         </p:txBody>
       </p:sp>
@@ -6531,18 +9328,13 @@
           <a:p>
             <a:pPr algn="ctr"/>
             <a:r>
-              <a:rPr lang="fr-FR" sz="1200" b="1" dirty="0" smtClean="0">
+              <a:rPr lang="fr-FR" sz="1200" b="1" dirty="0">
                 <a:solidFill>
                   <a:schemeClr val="tx1"/>
                 </a:solidFill>
               </a:rPr>
               <a:t>2</a:t>
             </a:r>
-            <a:endParaRPr lang="fr-FR" sz="1200" b="1" dirty="0">
-              <a:solidFill>
-                <a:schemeClr val="tx1"/>
-              </a:solidFill>
-            </a:endParaRPr>
           </a:p>
         </p:txBody>
       </p:sp>
@@ -6895,18 +9687,13 @@
           <a:p>
             <a:pPr algn="ctr"/>
             <a:r>
-              <a:rPr lang="fr-FR" sz="1200" b="1" dirty="0" smtClean="0">
+              <a:rPr lang="fr-FR" sz="1200" b="1" dirty="0">
                 <a:solidFill>
                   <a:schemeClr val="tx1"/>
                 </a:solidFill>
               </a:rPr>
               <a:t>1</a:t>
             </a:r>
-            <a:endParaRPr lang="fr-FR" sz="1200" b="1" dirty="0">
-              <a:solidFill>
-                <a:schemeClr val="tx1"/>
-              </a:solidFill>
-            </a:endParaRPr>
           </a:p>
         </p:txBody>
       </p:sp>
@@ -6957,7 +9744,7 @@
           <a:p>
             <a:pPr algn="ctr"/>
             <a:r>
-              <a:rPr lang="fr-FR" sz="1200" b="1" dirty="0" smtClean="0">
+              <a:rPr lang="fr-FR" sz="1200" b="1" dirty="0">
                 <a:solidFill>
                   <a:schemeClr val="tx1"/>
                 </a:solidFill>
@@ -6965,18 +9752,13 @@
               <a:t>2</a:t>
             </a:r>
             <a:r>
-              <a:rPr lang="fr-FR" sz="1200" b="1" baseline="-25000" dirty="0" smtClean="0">
+              <a:rPr lang="fr-FR" sz="1200" b="1" baseline="-25000" dirty="0">
                 <a:solidFill>
                   <a:schemeClr val="tx1"/>
                 </a:solidFill>
               </a:rPr>
               <a:t>1</a:t>
             </a:r>
-            <a:endParaRPr lang="fr-FR" sz="1200" b="1" baseline="-25000" dirty="0">
-              <a:solidFill>
-                <a:schemeClr val="tx1"/>
-              </a:solidFill>
-            </a:endParaRPr>
           </a:p>
         </p:txBody>
       </p:sp>
@@ -7027,7 +9809,7 @@
           <a:p>
             <a:pPr algn="ctr"/>
             <a:r>
-              <a:rPr lang="fr-FR" sz="1100" b="1" dirty="0" smtClean="0">
+              <a:rPr lang="fr-FR" sz="1100" b="1" dirty="0">
                 <a:solidFill>
                   <a:schemeClr val="tx1"/>
                 </a:solidFill>
@@ -7035,18 +9817,13 @@
               <a:t>4</a:t>
             </a:r>
             <a:r>
-              <a:rPr lang="fr-FR" sz="1100" b="1" baseline="-25000" dirty="0" smtClean="0">
+              <a:rPr lang="fr-FR" sz="1100" b="1" baseline="-25000" dirty="0">
                 <a:solidFill>
                   <a:schemeClr val="tx1"/>
                 </a:solidFill>
               </a:rPr>
               <a:t>11</a:t>
             </a:r>
-            <a:endParaRPr lang="fr-FR" sz="1100" b="1" baseline="-25000" dirty="0">
-              <a:solidFill>
-                <a:schemeClr val="tx1"/>
-              </a:solidFill>
-            </a:endParaRPr>
           </a:p>
         </p:txBody>
       </p:sp>
@@ -7097,18 +9874,13 @@
           <a:p>
             <a:pPr algn="ctr"/>
             <a:r>
-              <a:rPr lang="fr-FR" sz="1200" b="1" dirty="0" smtClean="0">
+              <a:rPr lang="fr-FR" sz="1200" b="1" dirty="0">
                 <a:solidFill>
                   <a:schemeClr val="tx1"/>
                 </a:solidFill>
               </a:rPr>
               <a:t>6</a:t>
             </a:r>
-            <a:endParaRPr lang="fr-FR" sz="1200" b="1" dirty="0">
-              <a:solidFill>
-                <a:schemeClr val="tx1"/>
-              </a:solidFill>
-            </a:endParaRPr>
           </a:p>
         </p:txBody>
       </p:sp>
@@ -7159,7 +9931,7 @@
           <a:p>
             <a:pPr algn="ctr"/>
             <a:r>
-              <a:rPr lang="fr-FR" sz="1200" b="1" dirty="0" smtClean="0">
+              <a:rPr lang="fr-FR" sz="1200" b="1" dirty="0">
                 <a:solidFill>
                   <a:schemeClr val="tx1"/>
                 </a:solidFill>
@@ -7224,7 +9996,7 @@
           <a:p>
             <a:pPr algn="ctr"/>
             <a:r>
-              <a:rPr lang="fr-FR" sz="1200" b="1" dirty="0" smtClean="0">
+              <a:rPr lang="fr-FR" sz="1200" b="1" dirty="0">
                 <a:solidFill>
                   <a:schemeClr val="tx1"/>
                 </a:solidFill>
@@ -7232,18 +10004,13 @@
               <a:t>2</a:t>
             </a:r>
             <a:r>
-              <a:rPr lang="fr-FR" sz="1200" b="1" baseline="-25000" dirty="0" smtClean="0">
+              <a:rPr lang="fr-FR" sz="1200" b="1" baseline="-25000" dirty="0">
                 <a:solidFill>
                   <a:schemeClr val="tx1"/>
                 </a:solidFill>
               </a:rPr>
               <a:t>3</a:t>
             </a:r>
-            <a:endParaRPr lang="fr-FR" sz="1200" b="1" baseline="-25000" dirty="0">
-              <a:solidFill>
-                <a:schemeClr val="tx1"/>
-              </a:solidFill>
-            </a:endParaRPr>
           </a:p>
         </p:txBody>
       </p:sp>
@@ -7294,7 +10061,7 @@
           <a:p>
             <a:pPr algn="ctr"/>
             <a:r>
-              <a:rPr lang="fr-FR" sz="1100" b="1" dirty="0" smtClean="0">
+              <a:rPr lang="fr-FR" sz="1100" b="1" dirty="0">
                 <a:solidFill>
                   <a:schemeClr val="tx1"/>
                 </a:solidFill>
@@ -7302,18 +10069,13 @@
               <a:t>4</a:t>
             </a:r>
             <a:r>
-              <a:rPr lang="fr-FR" sz="1100" b="1" baseline="-25000" dirty="0" smtClean="0">
+              <a:rPr lang="fr-FR" sz="1100" b="1" baseline="-25000" dirty="0">
                 <a:solidFill>
                   <a:schemeClr val="tx1"/>
                 </a:solidFill>
               </a:rPr>
               <a:t>12</a:t>
             </a:r>
-            <a:endParaRPr lang="fr-FR" sz="1100" b="1" baseline="-25000" dirty="0">
-              <a:solidFill>
-                <a:schemeClr val="tx1"/>
-              </a:solidFill>
-            </a:endParaRPr>
           </a:p>
         </p:txBody>
       </p:sp>
@@ -7364,7 +10126,7 @@
           <a:p>
             <a:pPr algn="ctr"/>
             <a:r>
-              <a:rPr lang="fr-FR" sz="1100" b="1" dirty="0" smtClean="0">
+              <a:rPr lang="fr-FR" sz="1100" b="1" dirty="0">
                 <a:solidFill>
                   <a:schemeClr val="tx1"/>
                 </a:solidFill>
@@ -7372,18 +10134,13 @@
               <a:t>4</a:t>
             </a:r>
             <a:r>
-              <a:rPr lang="fr-FR" sz="1100" b="1" baseline="-25000" dirty="0" smtClean="0">
+              <a:rPr lang="fr-FR" sz="1100" b="1" baseline="-25000" dirty="0">
                 <a:solidFill>
                   <a:schemeClr val="tx1"/>
                 </a:solidFill>
               </a:rPr>
               <a:t>21</a:t>
             </a:r>
-            <a:endParaRPr lang="fr-FR" sz="1100" b="1" baseline="-25000" dirty="0">
-              <a:solidFill>
-                <a:schemeClr val="tx1"/>
-              </a:solidFill>
-            </a:endParaRPr>
           </a:p>
         </p:txBody>
       </p:sp>
@@ -7434,7 +10191,7 @@
           <a:p>
             <a:pPr algn="ctr"/>
             <a:r>
-              <a:rPr lang="fr-FR" sz="1100" b="1" dirty="0" smtClean="0">
+              <a:rPr lang="fr-FR" sz="1100" b="1" dirty="0">
                 <a:solidFill>
                   <a:schemeClr val="tx1"/>
                 </a:solidFill>
@@ -7442,18 +10199,13 @@
               <a:t>4</a:t>
             </a:r>
             <a:r>
-              <a:rPr lang="fr-FR" sz="1100" b="1" baseline="-25000" dirty="0" smtClean="0">
+              <a:rPr lang="fr-FR" sz="1100" b="1" baseline="-25000" dirty="0">
                 <a:solidFill>
                   <a:schemeClr val="tx1"/>
                 </a:solidFill>
               </a:rPr>
               <a:t>22</a:t>
             </a:r>
-            <a:endParaRPr lang="fr-FR" sz="1100" b="1" baseline="-25000" dirty="0">
-              <a:solidFill>
-                <a:schemeClr val="tx1"/>
-              </a:solidFill>
-            </a:endParaRPr>
           </a:p>
         </p:txBody>
       </p:sp>
@@ -7504,7 +10256,7 @@
           <a:p>
             <a:pPr algn="ctr"/>
             <a:r>
-              <a:rPr lang="fr-FR" sz="1100" b="1" dirty="0" smtClean="0">
+              <a:rPr lang="fr-FR" sz="1100" b="1" dirty="0">
                 <a:solidFill>
                   <a:schemeClr val="tx1"/>
                 </a:solidFill>
@@ -7512,18 +10264,13 @@
               <a:t>4</a:t>
             </a:r>
             <a:r>
-              <a:rPr lang="fr-FR" sz="1100" b="1" baseline="-25000" dirty="0" smtClean="0">
+              <a:rPr lang="fr-FR" sz="1100" b="1" baseline="-25000" dirty="0">
                 <a:solidFill>
                   <a:schemeClr val="tx1"/>
                 </a:solidFill>
               </a:rPr>
               <a:t>31</a:t>
             </a:r>
-            <a:endParaRPr lang="fr-FR" sz="1100" b="1" baseline="-25000" dirty="0">
-              <a:solidFill>
-                <a:schemeClr val="tx1"/>
-              </a:solidFill>
-            </a:endParaRPr>
           </a:p>
         </p:txBody>
       </p:sp>
@@ -7574,7 +10321,7 @@
           <a:p>
             <a:pPr algn="ctr"/>
             <a:r>
-              <a:rPr lang="fr-FR" sz="1100" b="1" dirty="0" smtClean="0">
+              <a:rPr lang="fr-FR" sz="1100" b="1" dirty="0">
                 <a:solidFill>
                   <a:schemeClr val="tx1"/>
                 </a:solidFill>
@@ -7582,18 +10329,13 @@
               <a:t>4</a:t>
             </a:r>
             <a:r>
-              <a:rPr lang="fr-FR" sz="1100" b="1" baseline="-25000" dirty="0" smtClean="0">
+              <a:rPr lang="fr-FR" sz="1100" b="1" baseline="-25000" dirty="0">
                 <a:solidFill>
                   <a:schemeClr val="tx1"/>
                 </a:solidFill>
               </a:rPr>
               <a:t>32</a:t>
             </a:r>
-            <a:endParaRPr lang="fr-FR" sz="1100" b="1" baseline="-25000" dirty="0">
-              <a:solidFill>
-                <a:schemeClr val="tx1"/>
-              </a:solidFill>
-            </a:endParaRPr>
           </a:p>
         </p:txBody>
       </p:sp>
@@ -7644,7 +10386,7 @@
           <a:p>
             <a:pPr algn="ctr"/>
             <a:r>
-              <a:rPr lang="fr-FR" sz="1200" b="1" dirty="0" smtClean="0">
+              <a:rPr lang="fr-FR" sz="1200" b="1" dirty="0">
                 <a:solidFill>
                   <a:schemeClr val="tx1"/>
                 </a:solidFill>
@@ -7652,18 +10394,13 @@
               <a:t>3</a:t>
             </a:r>
             <a:r>
-              <a:rPr lang="fr-FR" sz="1200" b="1" baseline="-25000" dirty="0" smtClean="0">
+              <a:rPr lang="fr-FR" sz="1200" b="1" baseline="-25000" dirty="0">
                 <a:solidFill>
                   <a:schemeClr val="tx1"/>
                 </a:solidFill>
               </a:rPr>
               <a:t>1</a:t>
             </a:r>
-            <a:endParaRPr lang="fr-FR" sz="1200" b="1" baseline="-25000" dirty="0">
-              <a:solidFill>
-                <a:schemeClr val="tx1"/>
-              </a:solidFill>
-            </a:endParaRPr>
           </a:p>
         </p:txBody>
       </p:sp>
@@ -7714,7 +10451,7 @@
           <a:p>
             <a:pPr algn="ctr"/>
             <a:r>
-              <a:rPr lang="fr-FR" sz="1200" b="1" dirty="0" smtClean="0">
+              <a:rPr lang="fr-FR" sz="1200" b="1" dirty="0">
                 <a:solidFill>
                   <a:schemeClr val="tx1"/>
                 </a:solidFill>
@@ -7722,18 +10459,13 @@
               <a:t>3</a:t>
             </a:r>
             <a:r>
-              <a:rPr lang="fr-FR" sz="1200" b="1" baseline="-25000" dirty="0" smtClean="0">
+              <a:rPr lang="fr-FR" sz="1200" b="1" baseline="-25000" dirty="0">
                 <a:solidFill>
                   <a:schemeClr val="tx1"/>
                 </a:solidFill>
               </a:rPr>
               <a:t>2</a:t>
             </a:r>
-            <a:endParaRPr lang="fr-FR" sz="1200" b="1" baseline="-25000" dirty="0">
-              <a:solidFill>
-                <a:schemeClr val="tx1"/>
-              </a:solidFill>
-            </a:endParaRPr>
           </a:p>
         </p:txBody>
       </p:sp>
@@ -7784,7 +10516,7 @@
           <a:p>
             <a:pPr algn="ctr"/>
             <a:r>
-              <a:rPr lang="fr-FR" sz="1200" b="1" dirty="0" smtClean="0">
+              <a:rPr lang="fr-FR" sz="1200" b="1" dirty="0">
                 <a:solidFill>
                   <a:schemeClr val="tx1"/>
                 </a:solidFill>
@@ -7792,18 +10524,13 @@
               <a:t>3</a:t>
             </a:r>
             <a:r>
-              <a:rPr lang="fr-FR" sz="1200" b="1" baseline="-25000" dirty="0" smtClean="0">
+              <a:rPr lang="fr-FR" sz="1200" b="1" baseline="-25000" dirty="0">
                 <a:solidFill>
                   <a:schemeClr val="tx1"/>
                 </a:solidFill>
               </a:rPr>
               <a:t>3</a:t>
             </a:r>
-            <a:endParaRPr lang="fr-FR" sz="1200" b="1" baseline="-25000" dirty="0">
-              <a:solidFill>
-                <a:schemeClr val="tx1"/>
-              </a:solidFill>
-            </a:endParaRPr>
           </a:p>
         </p:txBody>
       </p:sp>
@@ -7897,7 +10624,7 @@
           <a:p>
             <a:pPr algn="ctr"/>
             <a:r>
-              <a:rPr lang="fr-FR" sz="1200" b="1" dirty="0" smtClean="0">
+              <a:rPr lang="fr-FR" sz="1200" b="1" dirty="0">
                 <a:solidFill>
                   <a:schemeClr val="tx1"/>
                 </a:solidFill>
@@ -7905,18 +10632,13 @@
               <a:t>5</a:t>
             </a:r>
             <a:r>
-              <a:rPr lang="fr-FR" sz="1200" b="1" baseline="-25000" dirty="0" smtClean="0">
+              <a:rPr lang="fr-FR" sz="1200" b="1" baseline="-25000" dirty="0">
                 <a:solidFill>
                   <a:schemeClr val="tx1"/>
                 </a:solidFill>
               </a:rPr>
               <a:t>1</a:t>
             </a:r>
-            <a:endParaRPr lang="fr-FR" sz="1200" b="1" baseline="-25000" dirty="0">
-              <a:solidFill>
-                <a:schemeClr val="tx1"/>
-              </a:solidFill>
-            </a:endParaRPr>
           </a:p>
         </p:txBody>
       </p:sp>
@@ -7967,7 +10689,7 @@
           <a:p>
             <a:pPr algn="ctr"/>
             <a:r>
-              <a:rPr lang="fr-FR" sz="1200" b="1" dirty="0" smtClean="0">
+              <a:rPr lang="fr-FR" sz="1200" b="1" dirty="0">
                 <a:solidFill>
                   <a:schemeClr val="tx1"/>
                 </a:solidFill>
@@ -7975,18 +10697,13 @@
               <a:t>5</a:t>
             </a:r>
             <a:r>
-              <a:rPr lang="fr-FR" sz="1200" b="1" baseline="-25000" dirty="0" smtClean="0">
+              <a:rPr lang="fr-FR" sz="1200" b="1" baseline="-25000" dirty="0">
                 <a:solidFill>
                   <a:schemeClr val="tx1"/>
                 </a:solidFill>
               </a:rPr>
               <a:t>2</a:t>
             </a:r>
-            <a:endParaRPr lang="fr-FR" sz="1200" b="1" baseline="-25000" dirty="0">
-              <a:solidFill>
-                <a:schemeClr val="tx1"/>
-              </a:solidFill>
-            </a:endParaRPr>
           </a:p>
         </p:txBody>
       </p:sp>
@@ -8037,7 +10754,7 @@
           <a:p>
             <a:pPr algn="ctr"/>
             <a:r>
-              <a:rPr lang="fr-FR" sz="1200" b="1" dirty="0" smtClean="0">
+              <a:rPr lang="fr-FR" sz="1200" b="1" dirty="0">
                 <a:solidFill>
                   <a:schemeClr val="tx1"/>
                 </a:solidFill>
@@ -8045,18 +10762,13 @@
               <a:t>5</a:t>
             </a:r>
             <a:r>
-              <a:rPr lang="fr-FR" sz="1200" b="1" baseline="-25000" dirty="0" smtClean="0">
+              <a:rPr lang="fr-FR" sz="1200" b="1" baseline="-25000" dirty="0">
                 <a:solidFill>
                   <a:schemeClr val="tx1"/>
                 </a:solidFill>
               </a:rPr>
               <a:t>3</a:t>
             </a:r>
-            <a:endParaRPr lang="fr-FR" sz="1200" b="1" baseline="-25000" dirty="0">
-              <a:solidFill>
-                <a:schemeClr val="tx1"/>
-              </a:solidFill>
-            </a:endParaRPr>
           </a:p>
         </p:txBody>
       </p:sp>
